--- a/Toronto-Neighborhood-Week5-FinalReport.pptx
+++ b/Toronto-Neighborhood-Week5-FinalReport.pptx
@@ -2,13 +2,24 @@
 <file path=ppt/presentation.xml><?xml version="1.0" encoding="utf-8"?>
 <p:presentation xmlns:a="http://schemas.openxmlformats.org/drawingml/2006/main" xmlns:r="http://schemas.openxmlformats.org/officeDocument/2006/relationships" xmlns:p="http://schemas.openxmlformats.org/presentationml/2006/main" saveSubsetFonts="1">
   <p:sldMasterIdLst>
-    <p:sldMasterId id="2147483648" r:id="rId1"/>
+    <p:sldMasterId id="2147483684" r:id="rId1"/>
   </p:sldMasterIdLst>
   <p:sldIdLst>
     <p:sldId id="256" r:id="rId2"/>
+    <p:sldId id="257" r:id="rId3"/>
+    <p:sldId id="258" r:id="rId4"/>
+    <p:sldId id="259" r:id="rId5"/>
+    <p:sldId id="260" r:id="rId6"/>
+    <p:sldId id="261" r:id="rId7"/>
+    <p:sldId id="262" r:id="rId8"/>
+    <p:sldId id="263" r:id="rId9"/>
+    <p:sldId id="264" r:id="rId10"/>
+    <p:sldId id="265" r:id="rId11"/>
+    <p:sldId id="266" r:id="rId12"/>
+    <p:sldId id="267" r:id="rId13"/>
   </p:sldIdLst>
-  <p:sldSz cx="9144000" cy="6858000" type="screen4x3"/>
-  <p:notesSz cx="6858000" cy="9144000"/>
+  <p:sldSz cx="9144000" cy="5143500" type="screen16x9"/>
+  <p:notesSz cx="9144000" cy="6858000"/>
   <p:defaultTextStyle>
     <a:defPPr>
       <a:defRPr lang="pt-BR"/>
@@ -126,7 +137,7 @@
       </p:grpSpPr>
       <p:sp>
         <p:nvSpPr>
-          <p:cNvPr id="2" name="Título 1"/>
+          <p:cNvPr id="14" name="Título 13"/>
           <p:cNvSpPr>
             <a:spLocks noGrp="1"/>
           </p:cNvSpPr>
@@ -136,25 +147,30 @@
         </p:nvSpPr>
         <p:spPr>
           <a:xfrm>
-            <a:off x="685800" y="2130425"/>
-            <a:ext cx="7772400" cy="1470025"/>
+            <a:off x="1432560" y="269923"/>
+            <a:ext cx="7406640" cy="1104138"/>
           </a:xfrm>
         </p:spPr>
         <p:txBody>
-          <a:bodyPr/>
-          <a:lstStyle/>
-          <a:p>
-            <a:r>
-              <a:rPr lang="pt-BR" smtClean="0"/>
+          <a:bodyPr anchor="b"/>
+          <a:lstStyle>
+            <a:lvl1pPr algn="l">
+              <a:defRPr/>
+            </a:lvl1pPr>
+            <a:extLst/>
+          </a:lstStyle>
+          <a:p>
+            <a:r>
+              <a:rPr kumimoji="0" lang="pt-BR" smtClean="0"/>
               <a:t>Clique para editar o estilo do título mestre</a:t>
             </a:r>
-            <a:endParaRPr lang="pt-BR"/>
-          </a:p>
-        </p:txBody>
-      </p:sp>
-      <p:sp>
-        <p:nvSpPr>
-          <p:cNvPr id="3" name="Subtítulo 2"/>
+            <a:endParaRPr kumimoji="0" lang="en-US"/>
+          </a:p>
+        </p:txBody>
+      </p:sp>
+      <p:sp>
+        <p:nvSpPr>
+          <p:cNvPr id="22" name="Subtítulo 21"/>
           <p:cNvSpPr>
             <a:spLocks noGrp="1"/>
           </p:cNvSpPr>
@@ -164,116 +180,62 @@
         </p:nvSpPr>
         <p:spPr>
           <a:xfrm>
-            <a:off x="1371600" y="3886200"/>
-            <a:ext cx="6400800" cy="1752600"/>
+            <a:off x="1432560" y="1387548"/>
+            <a:ext cx="7406640" cy="1314450"/>
           </a:xfrm>
         </p:spPr>
         <p:txBody>
-          <a:bodyPr/>
-          <a:lstStyle>
-            <a:lvl1pPr marL="0" indent="0" algn="ctr">
+          <a:bodyPr tIns="0"/>
+          <a:lstStyle>
+            <a:lvl1pPr marL="27432" indent="0" algn="l">
               <a:buNone/>
-              <a:defRPr>
+              <a:defRPr sz="2600">
                 <a:solidFill>
-                  <a:schemeClr val="tx1">
-                    <a:tint val="75000"/>
+                  <a:schemeClr val="tx2">
+                    <a:shade val="30000"/>
+                    <a:satMod val="150000"/>
                   </a:schemeClr>
                 </a:solidFill>
               </a:defRPr>
             </a:lvl1pPr>
             <a:lvl2pPr marL="457200" indent="0" algn="ctr">
               <a:buNone/>
-              <a:defRPr>
-                <a:solidFill>
-                  <a:schemeClr val="tx1">
-                    <a:tint val="75000"/>
-                  </a:schemeClr>
-                </a:solidFill>
-              </a:defRPr>
             </a:lvl2pPr>
             <a:lvl3pPr marL="914400" indent="0" algn="ctr">
               <a:buNone/>
-              <a:defRPr>
-                <a:solidFill>
-                  <a:schemeClr val="tx1">
-                    <a:tint val="75000"/>
-                  </a:schemeClr>
-                </a:solidFill>
-              </a:defRPr>
             </a:lvl3pPr>
             <a:lvl4pPr marL="1371600" indent="0" algn="ctr">
               <a:buNone/>
-              <a:defRPr>
-                <a:solidFill>
-                  <a:schemeClr val="tx1">
-                    <a:tint val="75000"/>
-                  </a:schemeClr>
-                </a:solidFill>
-              </a:defRPr>
             </a:lvl4pPr>
             <a:lvl5pPr marL="1828800" indent="0" algn="ctr">
               <a:buNone/>
-              <a:defRPr>
-                <a:solidFill>
-                  <a:schemeClr val="tx1">
-                    <a:tint val="75000"/>
-                  </a:schemeClr>
-                </a:solidFill>
-              </a:defRPr>
             </a:lvl5pPr>
             <a:lvl6pPr marL="2286000" indent="0" algn="ctr">
               <a:buNone/>
-              <a:defRPr>
-                <a:solidFill>
-                  <a:schemeClr val="tx1">
-                    <a:tint val="75000"/>
-                  </a:schemeClr>
-                </a:solidFill>
-              </a:defRPr>
             </a:lvl6pPr>
             <a:lvl7pPr marL="2743200" indent="0" algn="ctr">
               <a:buNone/>
-              <a:defRPr>
-                <a:solidFill>
-                  <a:schemeClr val="tx1">
-                    <a:tint val="75000"/>
-                  </a:schemeClr>
-                </a:solidFill>
-              </a:defRPr>
             </a:lvl7pPr>
             <a:lvl8pPr marL="3200400" indent="0" algn="ctr">
               <a:buNone/>
-              <a:defRPr>
-                <a:solidFill>
-                  <a:schemeClr val="tx1">
-                    <a:tint val="75000"/>
-                  </a:schemeClr>
-                </a:solidFill>
-              </a:defRPr>
             </a:lvl8pPr>
             <a:lvl9pPr marL="3657600" indent="0" algn="ctr">
               <a:buNone/>
-              <a:defRPr>
-                <a:solidFill>
-                  <a:schemeClr val="tx1">
-                    <a:tint val="75000"/>
-                  </a:schemeClr>
-                </a:solidFill>
-              </a:defRPr>
             </a:lvl9pPr>
-          </a:lstStyle>
-          <a:p>
-            <a:r>
-              <a:rPr lang="pt-BR" smtClean="0"/>
+            <a:extLst/>
+          </a:lstStyle>
+          <a:p>
+            <a:r>
+              <a:rPr kumimoji="0" lang="pt-BR" smtClean="0"/>
               <a:t>Clique para editar o estilo do subtítulo mestre</a:t>
             </a:r>
-            <a:endParaRPr lang="pt-BR"/>
-          </a:p>
-        </p:txBody>
-      </p:sp>
-      <p:sp>
-        <p:nvSpPr>
-          <p:cNvPr id="4" name="Espaço Reservado para Data 3"/>
+            <a:endParaRPr kumimoji="0" lang="en-US"/>
+          </a:p>
+        </p:txBody>
+      </p:sp>
+      <p:sp>
+        <p:nvSpPr>
+          <p:cNvPr id="7" name="Espaço Reservado para Data 6"/>
           <p:cNvSpPr>
             <a:spLocks noGrp="1"/>
           </p:cNvSpPr>
@@ -284,11 +246,14 @@
         <p:spPr/>
         <p:txBody>
           <a:bodyPr/>
-          <a:lstStyle/>
+          <a:lstStyle>
+            <a:extLst/>
+          </a:lstStyle>
           <a:p>
             <a:fld id="{815D387A-2B89-42D1-BC01-813720712B43}" type="datetimeFigureOut">
               <a:rPr lang="pt-BR" smtClean="0"/>
-              <a:t>21/07/2020</a:t>
+              <a:pPr/>
+              <a:t>22/07/2020</a:t>
             </a:fld>
             <a:endParaRPr lang="pt-BR"/>
           </a:p>
@@ -296,7 +261,7 @@
       </p:sp>
       <p:sp>
         <p:nvSpPr>
-          <p:cNvPr id="5" name="Espaço Reservado para Rodapé 4"/>
+          <p:cNvPr id="20" name="Espaço Reservado para Rodapé 19"/>
           <p:cNvSpPr>
             <a:spLocks noGrp="1"/>
           </p:cNvSpPr>
@@ -307,7 +272,9 @@
         <p:spPr/>
         <p:txBody>
           <a:bodyPr/>
-          <a:lstStyle/>
+          <a:lstStyle>
+            <a:extLst/>
+          </a:lstStyle>
           <a:p>
             <a:endParaRPr lang="pt-BR"/>
           </a:p>
@@ -315,7 +282,7 @@
       </p:sp>
       <p:sp>
         <p:nvSpPr>
-          <p:cNvPr id="6" name="Espaço Reservado para Número de Slide 5"/>
+          <p:cNvPr id="10" name="Espaço Reservado para Número de Slide 9"/>
           <p:cNvSpPr>
             <a:spLocks noGrp="1"/>
           </p:cNvSpPr>
@@ -326,13 +293,154 @@
         <p:spPr/>
         <p:txBody>
           <a:bodyPr/>
-          <a:lstStyle/>
+          <a:lstStyle>
+            <a:extLst/>
+          </a:lstStyle>
           <a:p>
             <a:fld id="{CE1C710C-DF62-4FEB-AA18-B6BCF6E74BCE}" type="slidenum">
               <a:rPr lang="pt-BR" smtClean="0"/>
+              <a:pPr/>
               <a:t>‹nº›</a:t>
             </a:fld>
             <a:endParaRPr lang="pt-BR"/>
+          </a:p>
+        </p:txBody>
+      </p:sp>
+      <p:sp>
+        <p:nvSpPr>
+          <p:cNvPr id="8" name="Elipse 7"/>
+          <p:cNvSpPr/>
+          <p:nvPr/>
+        </p:nvSpPr>
+        <p:spPr>
+          <a:xfrm>
+            <a:off x="921433" y="1060352"/>
+            <a:ext cx="210312" cy="157734"/>
+          </a:xfrm>
+          <a:prstGeom prst="ellipse">
+            <a:avLst/>
+          </a:prstGeom>
+          <a:gradFill rotWithShape="1">
+            <a:gsLst>
+              <a:gs pos="0">
+                <a:schemeClr val="accent1">
+                  <a:tint val="20000"/>
+                  <a:satMod val="450000"/>
+                  <a:alpha val="95000"/>
+                </a:schemeClr>
+              </a:gs>
+              <a:gs pos="50000">
+                <a:schemeClr val="accent1">
+                  <a:tint val="38000"/>
+                  <a:satMod val="250000"/>
+                  <a:alpha val="90000"/>
+                </a:schemeClr>
+              </a:gs>
+              <a:gs pos="95000">
+                <a:schemeClr val="accent1">
+                  <a:tint val="75000"/>
+                  <a:satMod val="255000"/>
+                  <a:alpha val="88000"/>
+                </a:schemeClr>
+              </a:gs>
+              <a:gs pos="100000">
+                <a:schemeClr val="accent1">
+                  <a:tint val="100000"/>
+                  <a:shade val="90000"/>
+                  <a:satMod val="255000"/>
+                  <a:alpha val="85000"/>
+                </a:schemeClr>
+              </a:gs>
+            </a:gsLst>
+            <a:path path="circle">
+              <a:fillToRect l="25000" t="12500" r="75000" b="87500"/>
+            </a:path>
+          </a:gradFill>
+          <a:ln w="2000" cap="rnd" cmpd="sng" algn="ctr">
+            <a:solidFill>
+              <a:schemeClr val="accent1">
+                <a:shade val="90000"/>
+                <a:satMod val="110000"/>
+                <a:alpha val="60000"/>
+              </a:schemeClr>
+            </a:solidFill>
+            <a:prstDash val="solid"/>
+          </a:ln>
+          <a:effectLst/>
+        </p:spPr>
+        <p:style>
+          <a:lnRef idx="1">
+            <a:schemeClr val="accent1"/>
+          </a:lnRef>
+          <a:fillRef idx="2">
+            <a:schemeClr val="accent1"/>
+          </a:fillRef>
+          <a:effectRef idx="1">
+            <a:schemeClr val="accent1"/>
+          </a:effectRef>
+          <a:fontRef idx="minor">
+            <a:schemeClr val="dk1"/>
+          </a:fontRef>
+        </p:style>
+        <p:txBody>
+          <a:bodyPr anchor="ctr"/>
+          <a:lstStyle>
+            <a:extLst/>
+          </a:lstStyle>
+          <a:p>
+            <a:pPr algn="ctr" eaLnBrk="1" latinLnBrk="0" hangingPunct="1"/>
+            <a:endParaRPr kumimoji="0" lang="en-US"/>
+          </a:p>
+        </p:txBody>
+      </p:sp>
+      <p:sp>
+        <p:nvSpPr>
+          <p:cNvPr id="9" name="Elipse 8"/>
+          <p:cNvSpPr/>
+          <p:nvPr/>
+        </p:nvSpPr>
+        <p:spPr>
+          <a:xfrm>
+            <a:off x="1157176" y="1008762"/>
+            <a:ext cx="64008" cy="48006"/>
+          </a:xfrm>
+          <a:prstGeom prst="ellipse">
+            <a:avLst/>
+          </a:prstGeom>
+          <a:noFill/>
+          <a:ln w="12700" cap="rnd" cmpd="sng" algn="ctr">
+            <a:solidFill>
+              <a:schemeClr val="accent1">
+                <a:shade val="75000"/>
+                <a:alpha val="60000"/>
+              </a:schemeClr>
+            </a:solidFill>
+            <a:prstDash val="solid"/>
+          </a:ln>
+          <a:effectLst/>
+        </p:spPr>
+        <p:style>
+          <a:lnRef idx="1">
+            <a:schemeClr val="accent1"/>
+          </a:lnRef>
+          <a:fillRef idx="2">
+            <a:schemeClr val="accent1"/>
+          </a:fillRef>
+          <a:effectRef idx="1">
+            <a:schemeClr val="accent1"/>
+          </a:effectRef>
+          <a:fontRef idx="minor">
+            <a:schemeClr val="dk1"/>
+          </a:fontRef>
+        </p:style>
+        <p:txBody>
+          <a:bodyPr anchor="ctr"/>
+          <a:lstStyle>
+            <a:extLst/>
+          </a:lstStyle>
+          <a:p>
+            <a:pPr algn="ctr" eaLnBrk="1" latinLnBrk="0" hangingPunct="1"/>
+            <a:endParaRPr kumimoji="0" lang="en-US"/>
           </a:p>
         </p:txBody>
       </p:sp>
@@ -374,13 +482,15 @@
         <p:spPr/>
         <p:txBody>
           <a:bodyPr/>
-          <a:lstStyle/>
-          <a:p>
-            <a:r>
-              <a:rPr lang="pt-BR" smtClean="0"/>
+          <a:lstStyle>
+            <a:extLst/>
+          </a:lstStyle>
+          <a:p>
+            <a:r>
+              <a:rPr kumimoji="0" lang="pt-BR" smtClean="0"/>
               <a:t>Clique para editar o estilo do título mestre</a:t>
             </a:r>
-            <a:endParaRPr lang="pt-BR"/>
+            <a:endParaRPr kumimoji="0" lang="en-US"/>
           </a:p>
         </p:txBody>
       </p:sp>
@@ -397,42 +507,44 @@
         <p:spPr/>
         <p:txBody>
           <a:bodyPr vert="eaVert"/>
-          <a:lstStyle/>
-          <a:p>
-            <a:pPr lvl="0"/>
+          <a:lstStyle>
+            <a:extLst/>
+          </a:lstStyle>
+          <a:p>
+            <a:pPr lvl="0" eaLnBrk="1" latinLnBrk="0" hangingPunct="1"/>
             <a:r>
               <a:rPr lang="pt-BR" smtClean="0"/>
               <a:t>Clique para editar os estilos do texto mestre</a:t>
             </a:r>
           </a:p>
           <a:p>
-            <a:pPr lvl="1"/>
+            <a:pPr lvl="1" eaLnBrk="1" latinLnBrk="0" hangingPunct="1"/>
             <a:r>
               <a:rPr lang="pt-BR" smtClean="0"/>
               <a:t>Segundo nível</a:t>
             </a:r>
           </a:p>
           <a:p>
-            <a:pPr lvl="2"/>
+            <a:pPr lvl="2" eaLnBrk="1" latinLnBrk="0" hangingPunct="1"/>
             <a:r>
               <a:rPr lang="pt-BR" smtClean="0"/>
               <a:t>Terceiro nível</a:t>
             </a:r>
           </a:p>
           <a:p>
-            <a:pPr lvl="3"/>
+            <a:pPr lvl="3" eaLnBrk="1" latinLnBrk="0" hangingPunct="1"/>
             <a:r>
               <a:rPr lang="pt-BR" smtClean="0"/>
               <a:t>Quarto nível</a:t>
             </a:r>
           </a:p>
           <a:p>
-            <a:pPr lvl="4"/>
+            <a:pPr lvl="4" eaLnBrk="1" latinLnBrk="0" hangingPunct="1"/>
             <a:r>
               <a:rPr lang="pt-BR" smtClean="0"/>
               <a:t>Quinto nível</a:t>
             </a:r>
-            <a:endParaRPr lang="pt-BR"/>
+            <a:endParaRPr kumimoji="0" lang="en-US"/>
           </a:p>
         </p:txBody>
       </p:sp>
@@ -449,11 +561,14 @@
         <p:spPr/>
         <p:txBody>
           <a:bodyPr/>
-          <a:lstStyle/>
+          <a:lstStyle>
+            <a:extLst/>
+          </a:lstStyle>
           <a:p>
             <a:fld id="{815D387A-2B89-42D1-BC01-813720712B43}" type="datetimeFigureOut">
               <a:rPr lang="pt-BR" smtClean="0"/>
-              <a:t>21/07/2020</a:t>
+              <a:pPr/>
+              <a:t>22/07/2020</a:t>
             </a:fld>
             <a:endParaRPr lang="pt-BR"/>
           </a:p>
@@ -472,7 +587,9 @@
         <p:spPr/>
         <p:txBody>
           <a:bodyPr/>
-          <a:lstStyle/>
+          <a:lstStyle>
+            <a:extLst/>
+          </a:lstStyle>
           <a:p>
             <a:endParaRPr lang="pt-BR"/>
           </a:p>
@@ -491,10 +608,13 @@
         <p:spPr/>
         <p:txBody>
           <a:bodyPr/>
-          <a:lstStyle/>
+          <a:lstStyle>
+            <a:extLst/>
+          </a:lstStyle>
           <a:p>
             <a:fld id="{CE1C710C-DF62-4FEB-AA18-B6BCF6E74BCE}" type="slidenum">
               <a:rPr lang="pt-BR" smtClean="0"/>
+              <a:pPr/>
               <a:t>‹nº›</a:t>
             </a:fld>
             <a:endParaRPr lang="pt-BR"/>
@@ -538,19 +658,21 @@
         </p:nvSpPr>
         <p:spPr>
           <a:xfrm>
-            <a:off x="6629400" y="274638"/>
-            <a:ext cx="2057400" cy="5851525"/>
+            <a:off x="6858000" y="205980"/>
+            <a:ext cx="1828800" cy="4388644"/>
           </a:xfrm>
         </p:spPr>
         <p:txBody>
           <a:bodyPr vert="eaVert"/>
-          <a:lstStyle/>
-          <a:p>
-            <a:r>
-              <a:rPr lang="pt-BR" smtClean="0"/>
+          <a:lstStyle>
+            <a:extLst/>
+          </a:lstStyle>
+          <a:p>
+            <a:r>
+              <a:rPr kumimoji="0" lang="pt-BR" smtClean="0"/>
               <a:t>Clique para editar o estilo do título mestre</a:t>
             </a:r>
-            <a:endParaRPr lang="pt-BR"/>
+            <a:endParaRPr kumimoji="0" lang="en-US"/>
           </a:p>
         </p:txBody>
       </p:sp>
@@ -566,48 +688,50 @@
         </p:nvSpPr>
         <p:spPr>
           <a:xfrm>
-            <a:off x="457200" y="274638"/>
-            <a:ext cx="6019800" cy="5851525"/>
+            <a:off x="1143000" y="205980"/>
+            <a:ext cx="5562600" cy="4388644"/>
           </a:xfrm>
         </p:spPr>
         <p:txBody>
           <a:bodyPr vert="eaVert"/>
-          <a:lstStyle/>
-          <a:p>
-            <a:pPr lvl="0"/>
+          <a:lstStyle>
+            <a:extLst/>
+          </a:lstStyle>
+          <a:p>
+            <a:pPr lvl="0" eaLnBrk="1" latinLnBrk="0" hangingPunct="1"/>
             <a:r>
               <a:rPr lang="pt-BR" smtClean="0"/>
               <a:t>Clique para editar os estilos do texto mestre</a:t>
             </a:r>
           </a:p>
           <a:p>
-            <a:pPr lvl="1"/>
+            <a:pPr lvl="1" eaLnBrk="1" latinLnBrk="0" hangingPunct="1"/>
             <a:r>
               <a:rPr lang="pt-BR" smtClean="0"/>
               <a:t>Segundo nível</a:t>
             </a:r>
           </a:p>
           <a:p>
-            <a:pPr lvl="2"/>
+            <a:pPr lvl="2" eaLnBrk="1" latinLnBrk="0" hangingPunct="1"/>
             <a:r>
               <a:rPr lang="pt-BR" smtClean="0"/>
               <a:t>Terceiro nível</a:t>
             </a:r>
           </a:p>
           <a:p>
-            <a:pPr lvl="3"/>
+            <a:pPr lvl="3" eaLnBrk="1" latinLnBrk="0" hangingPunct="1"/>
             <a:r>
               <a:rPr lang="pt-BR" smtClean="0"/>
               <a:t>Quarto nível</a:t>
             </a:r>
           </a:p>
           <a:p>
-            <a:pPr lvl="4"/>
+            <a:pPr lvl="4" eaLnBrk="1" latinLnBrk="0" hangingPunct="1"/>
             <a:r>
               <a:rPr lang="pt-BR" smtClean="0"/>
               <a:t>Quinto nível</a:t>
             </a:r>
-            <a:endParaRPr lang="pt-BR"/>
+            <a:endParaRPr kumimoji="0" lang="en-US"/>
           </a:p>
         </p:txBody>
       </p:sp>
@@ -624,11 +748,14 @@
         <p:spPr/>
         <p:txBody>
           <a:bodyPr/>
-          <a:lstStyle/>
+          <a:lstStyle>
+            <a:extLst/>
+          </a:lstStyle>
           <a:p>
             <a:fld id="{815D387A-2B89-42D1-BC01-813720712B43}" type="datetimeFigureOut">
               <a:rPr lang="pt-BR" smtClean="0"/>
-              <a:t>21/07/2020</a:t>
+              <a:pPr/>
+              <a:t>22/07/2020</a:t>
             </a:fld>
             <a:endParaRPr lang="pt-BR"/>
           </a:p>
@@ -647,7 +774,9 @@
         <p:spPr/>
         <p:txBody>
           <a:bodyPr/>
-          <a:lstStyle/>
+          <a:lstStyle>
+            <a:extLst/>
+          </a:lstStyle>
           <a:p>
             <a:endParaRPr lang="pt-BR"/>
           </a:p>
@@ -666,10 +795,13 @@
         <p:spPr/>
         <p:txBody>
           <a:bodyPr/>
-          <a:lstStyle/>
+          <a:lstStyle>
+            <a:extLst/>
+          </a:lstStyle>
           <a:p>
             <a:fld id="{CE1C710C-DF62-4FEB-AA18-B6BCF6E74BCE}" type="slidenum">
               <a:rPr lang="pt-BR" smtClean="0"/>
+              <a:pPr/>
               <a:t>‹nº›</a:t>
             </a:fld>
             <a:endParaRPr lang="pt-BR"/>
@@ -714,13 +846,15 @@
         <p:spPr/>
         <p:txBody>
           <a:bodyPr/>
-          <a:lstStyle/>
-          <a:p>
-            <a:r>
-              <a:rPr lang="pt-BR" smtClean="0"/>
+          <a:lstStyle>
+            <a:extLst/>
+          </a:lstStyle>
+          <a:p>
+            <a:r>
+              <a:rPr kumimoji="0" lang="pt-BR" smtClean="0"/>
               <a:t>Clique para editar o estilo do título mestre</a:t>
             </a:r>
-            <a:endParaRPr lang="pt-BR"/>
+            <a:endParaRPr kumimoji="0" lang="en-US"/>
           </a:p>
         </p:txBody>
       </p:sp>
@@ -737,42 +871,44 @@
         <p:spPr/>
         <p:txBody>
           <a:bodyPr/>
-          <a:lstStyle/>
-          <a:p>
-            <a:pPr lvl="0"/>
+          <a:lstStyle>
+            <a:extLst/>
+          </a:lstStyle>
+          <a:p>
+            <a:pPr lvl="0" eaLnBrk="1" latinLnBrk="0" hangingPunct="1"/>
             <a:r>
               <a:rPr lang="pt-BR" smtClean="0"/>
               <a:t>Clique para editar os estilos do texto mestre</a:t>
             </a:r>
           </a:p>
           <a:p>
-            <a:pPr lvl="1"/>
+            <a:pPr lvl="1" eaLnBrk="1" latinLnBrk="0" hangingPunct="1"/>
             <a:r>
               <a:rPr lang="pt-BR" smtClean="0"/>
               <a:t>Segundo nível</a:t>
             </a:r>
           </a:p>
           <a:p>
-            <a:pPr lvl="2"/>
+            <a:pPr lvl="2" eaLnBrk="1" latinLnBrk="0" hangingPunct="1"/>
             <a:r>
               <a:rPr lang="pt-BR" smtClean="0"/>
               <a:t>Terceiro nível</a:t>
             </a:r>
           </a:p>
           <a:p>
-            <a:pPr lvl="3"/>
+            <a:pPr lvl="3" eaLnBrk="1" latinLnBrk="0" hangingPunct="1"/>
             <a:r>
               <a:rPr lang="pt-BR" smtClean="0"/>
               <a:t>Quarto nível</a:t>
             </a:r>
           </a:p>
           <a:p>
-            <a:pPr lvl="4"/>
+            <a:pPr lvl="4" eaLnBrk="1" latinLnBrk="0" hangingPunct="1"/>
             <a:r>
               <a:rPr lang="pt-BR" smtClean="0"/>
               <a:t>Quinto nível</a:t>
             </a:r>
-            <a:endParaRPr lang="pt-BR"/>
+            <a:endParaRPr kumimoji="0" lang="en-US"/>
           </a:p>
         </p:txBody>
       </p:sp>
@@ -789,11 +925,14 @@
         <p:spPr/>
         <p:txBody>
           <a:bodyPr/>
-          <a:lstStyle/>
+          <a:lstStyle>
+            <a:extLst/>
+          </a:lstStyle>
           <a:p>
             <a:fld id="{815D387A-2B89-42D1-BC01-813720712B43}" type="datetimeFigureOut">
               <a:rPr lang="pt-BR" smtClean="0"/>
-              <a:t>21/07/2020</a:t>
+              <a:pPr/>
+              <a:t>22/07/2020</a:t>
             </a:fld>
             <a:endParaRPr lang="pt-BR"/>
           </a:p>
@@ -812,7 +951,9 @@
         <p:spPr/>
         <p:txBody>
           <a:bodyPr/>
-          <a:lstStyle/>
+          <a:lstStyle>
+            <a:extLst/>
+          </a:lstStyle>
           <a:p>
             <a:endParaRPr lang="pt-BR"/>
           </a:p>
@@ -831,10 +972,13 @@
         <p:spPr/>
         <p:txBody>
           <a:bodyPr/>
-          <a:lstStyle/>
+          <a:lstStyle>
+            <a:extLst/>
+          </a:lstStyle>
           <a:p>
             <a:fld id="{CE1C710C-DF62-4FEB-AA18-B6BCF6E74BCE}" type="slidenum">
               <a:rPr lang="pt-BR" smtClean="0"/>
+              <a:pPr/>
               <a:t>‹nº›</a:t>
             </a:fld>
             <a:endParaRPr lang="pt-BR"/>
@@ -850,7 +994,7 @@
 </file>
 
 <file path=ppt/slideLayouts/slideLayout3.xml><?xml version="1.0" encoding="utf-8"?>
-<p:sldLayout xmlns:a="http://schemas.openxmlformats.org/drawingml/2006/main" xmlns:r="http://schemas.openxmlformats.org/officeDocument/2006/relationships" xmlns:p="http://schemas.openxmlformats.org/presentationml/2006/main" type="secHead" preserve="1">
+<p:sldLayout xmlns:a="http://schemas.openxmlformats.org/drawingml/2006/main" xmlns:r="http://schemas.openxmlformats.org/officeDocument/2006/relationships" xmlns:p="http://schemas.openxmlformats.org/presentationml/2006/main" showMasterSp="0" type="secHead" preserve="1">
   <p:cSld name="Cabeçalho da Seção">
     <p:spTree>
       <p:nvGrpSpPr>
@@ -868,33 +1012,86 @@
       </p:grpSpPr>
       <p:sp>
         <p:nvSpPr>
-          <p:cNvPr id="2" name="Título 1"/>
-          <p:cNvSpPr>
-            <a:spLocks noGrp="1"/>
-          </p:cNvSpPr>
-          <p:nvPr>
-            <p:ph type="title"/>
-          </p:nvPr>
+          <p:cNvPr id="7" name="Retângulo 6"/>
+          <p:cNvSpPr/>
+          <p:nvPr/>
         </p:nvSpPr>
         <p:spPr>
           <a:xfrm>
-            <a:off x="722313" y="4406900"/>
-            <a:ext cx="7772400" cy="1362075"/>
+            <a:off x="2282890" y="-41"/>
+            <a:ext cx="6858000" cy="5143541"/>
+          </a:xfrm>
+          <a:prstGeom prst="rect">
+            <a:avLst/>
+          </a:prstGeom>
+          <a:solidFill>
+            <a:schemeClr val="bg1"/>
+          </a:solidFill>
+          <a:ln w="25400" cap="rnd" cmpd="sng" algn="ctr">
+            <a:noFill/>
+            <a:prstDash val="solid"/>
+          </a:ln>
+          <a:effectLst/>
+        </p:spPr>
+        <p:style>
+          <a:lnRef idx="3">
+            <a:schemeClr val="lt1"/>
+          </a:lnRef>
+          <a:fillRef idx="1">
+            <a:schemeClr val="accent1"/>
+          </a:fillRef>
+          <a:effectRef idx="1">
+            <a:schemeClr val="accent1"/>
+          </a:effectRef>
+          <a:fontRef idx="minor">
+            <a:schemeClr val="lt1"/>
+          </a:fontRef>
+        </p:style>
+        <p:txBody>
+          <a:bodyPr anchor="ctr"/>
+          <a:lstStyle>
+            <a:extLst/>
+          </a:lstStyle>
+          <a:p>
+            <a:pPr algn="ctr" eaLnBrk="1" latinLnBrk="0" hangingPunct="1"/>
+            <a:endParaRPr kumimoji="0" lang="en-US"/>
+          </a:p>
+        </p:txBody>
+      </p:sp>
+      <p:sp>
+        <p:nvSpPr>
+          <p:cNvPr id="2" name="Título 1"/>
+          <p:cNvSpPr>
+            <a:spLocks noGrp="1"/>
+          </p:cNvSpPr>
+          <p:nvPr>
+            <p:ph type="title"/>
+          </p:nvPr>
+        </p:nvSpPr>
+        <p:spPr>
+          <a:xfrm>
+            <a:off x="2578392" y="1950244"/>
+            <a:ext cx="6400800" cy="1714500"/>
           </a:xfrm>
         </p:spPr>
         <p:txBody>
           <a:bodyPr anchor="t"/>
           <a:lstStyle>
             <a:lvl1pPr algn="l">
+              <a:lnSpc>
+                <a:spcPts val="4500"/>
+              </a:lnSpc>
+              <a:buNone/>
               <a:defRPr sz="4000" b="1" cap="all"/>
             </a:lvl1pPr>
-          </a:lstStyle>
-          <a:p>
-            <a:r>
-              <a:rPr lang="pt-BR" smtClean="0"/>
+            <a:extLst/>
+          </a:lstStyle>
+          <a:p>
+            <a:r>
+              <a:rPr kumimoji="0" lang="pt-BR" smtClean="0"/>
               <a:t>Clique para editar o estilo do título mestre</a:t>
             </a:r>
-            <a:endParaRPr lang="pt-BR"/>
+            <a:endParaRPr kumimoji="0" lang="en-US"/>
           </a:p>
         </p:txBody>
       </p:sp>
@@ -910,24 +1107,31 @@
         </p:nvSpPr>
         <p:spPr>
           <a:xfrm>
-            <a:off x="722313" y="2906713"/>
-            <a:ext cx="7772400" cy="1500187"/>
+            <a:off x="2578392" y="800100"/>
+            <a:ext cx="6400800" cy="1132284"/>
           </a:xfrm>
         </p:spPr>
         <p:txBody>
           <a:bodyPr anchor="b"/>
           <a:lstStyle>
-            <a:lvl1pPr marL="0" indent="0">
+            <a:lvl1pPr marL="18288" indent="0">
+              <a:lnSpc>
+                <a:spcPts val="2300"/>
+              </a:lnSpc>
+              <a:spcBef>
+                <a:spcPts val="0"/>
+              </a:spcBef>
               <a:buNone/>
               <a:defRPr sz="2000">
                 <a:solidFill>
-                  <a:schemeClr val="tx1">
-                    <a:tint val="75000"/>
+                  <a:schemeClr val="tx2">
+                    <a:shade val="30000"/>
+                    <a:satMod val="150000"/>
                   </a:schemeClr>
                 </a:solidFill>
               </a:defRPr>
             </a:lvl1pPr>
-            <a:lvl2pPr marL="457200" indent="0">
+            <a:lvl2pPr>
               <a:buNone/>
               <a:defRPr sz="1800">
                 <a:solidFill>
@@ -937,7 +1141,7 @@
                 </a:solidFill>
               </a:defRPr>
             </a:lvl2pPr>
-            <a:lvl3pPr marL="914400" indent="0">
+            <a:lvl3pPr>
               <a:buNone/>
               <a:defRPr sz="1600">
                 <a:solidFill>
@@ -947,7 +1151,7 @@
                 </a:solidFill>
               </a:defRPr>
             </a:lvl3pPr>
-            <a:lvl4pPr marL="1371600" indent="0">
+            <a:lvl4pPr>
               <a:buNone/>
               <a:defRPr sz="1400">
                 <a:solidFill>
@@ -957,7 +1161,7 @@
                 </a:solidFill>
               </a:defRPr>
             </a:lvl4pPr>
-            <a:lvl5pPr marL="1828800" indent="0">
+            <a:lvl5pPr>
               <a:buNone/>
               <a:defRPr sz="1400">
                 <a:solidFill>
@@ -967,51 +1171,12 @@
                 </a:solidFill>
               </a:defRPr>
             </a:lvl5pPr>
-            <a:lvl6pPr marL="2286000" indent="0">
-              <a:buNone/>
-              <a:defRPr sz="1400">
-                <a:solidFill>
-                  <a:schemeClr val="tx1">
-                    <a:tint val="75000"/>
-                  </a:schemeClr>
-                </a:solidFill>
-              </a:defRPr>
-            </a:lvl6pPr>
-            <a:lvl7pPr marL="2743200" indent="0">
-              <a:buNone/>
-              <a:defRPr sz="1400">
-                <a:solidFill>
-                  <a:schemeClr val="tx1">
-                    <a:tint val="75000"/>
-                  </a:schemeClr>
-                </a:solidFill>
-              </a:defRPr>
-            </a:lvl7pPr>
-            <a:lvl8pPr marL="3200400" indent="0">
-              <a:buNone/>
-              <a:defRPr sz="1400">
-                <a:solidFill>
-                  <a:schemeClr val="tx1">
-                    <a:tint val="75000"/>
-                  </a:schemeClr>
-                </a:solidFill>
-              </a:defRPr>
-            </a:lvl8pPr>
-            <a:lvl9pPr marL="3657600" indent="0">
-              <a:buNone/>
-              <a:defRPr sz="1400">
-                <a:solidFill>
-                  <a:schemeClr val="tx1">
-                    <a:tint val="75000"/>
-                  </a:schemeClr>
-                </a:solidFill>
-              </a:defRPr>
-            </a:lvl9pPr>
-          </a:lstStyle>
-          <a:p>
-            <a:pPr lvl="0"/>
-            <a:r>
-              <a:rPr lang="pt-BR" smtClean="0"/>
+            <a:extLst/>
+          </a:lstStyle>
+          <a:p>
+            <a:pPr lvl="0" eaLnBrk="1" latinLnBrk="0" hangingPunct="1"/>
+            <a:r>
+              <a:rPr kumimoji="0" lang="pt-BR" smtClean="0"/>
               <a:t>Clique para editar os estilos do texto mestre</a:t>
             </a:r>
           </a:p>
@@ -1030,11 +1195,14 @@
         <p:spPr/>
         <p:txBody>
           <a:bodyPr/>
-          <a:lstStyle/>
+          <a:lstStyle>
+            <a:extLst/>
+          </a:lstStyle>
           <a:p>
             <a:fld id="{815D387A-2B89-42D1-BC01-813720712B43}" type="datetimeFigureOut">
               <a:rPr lang="pt-BR" smtClean="0"/>
-              <a:t>21/07/2020</a:t>
+              <a:pPr/>
+              <a:t>22/07/2020</a:t>
             </a:fld>
             <a:endParaRPr lang="pt-BR"/>
           </a:p>
@@ -1053,7 +1221,9 @@
         <p:spPr/>
         <p:txBody>
           <a:bodyPr/>
-          <a:lstStyle/>
+          <a:lstStyle>
+            <a:extLst/>
+          </a:lstStyle>
           <a:p>
             <a:endParaRPr lang="pt-BR"/>
           </a:p>
@@ -1072,13 +1242,210 @@
         <p:spPr/>
         <p:txBody>
           <a:bodyPr/>
-          <a:lstStyle/>
+          <a:lstStyle>
+            <a:extLst/>
+          </a:lstStyle>
           <a:p>
             <a:fld id="{CE1C710C-DF62-4FEB-AA18-B6BCF6E74BCE}" type="slidenum">
               <a:rPr lang="pt-BR" smtClean="0"/>
+              <a:pPr/>
               <a:t>‹nº›</a:t>
             </a:fld>
             <a:endParaRPr lang="pt-BR"/>
+          </a:p>
+        </p:txBody>
+      </p:sp>
+      <p:sp>
+        <p:nvSpPr>
+          <p:cNvPr id="10" name="Retângulo 9"/>
+          <p:cNvSpPr/>
+          <p:nvPr/>
+        </p:nvSpPr>
+        <p:spPr bwMode="invGray">
+          <a:xfrm>
+            <a:off x="2286000" y="0"/>
+            <a:ext cx="76200" cy="5143541"/>
+          </a:xfrm>
+          <a:prstGeom prst="rect">
+            <a:avLst/>
+          </a:prstGeom>
+          <a:solidFill>
+            <a:schemeClr val="bg1"/>
+          </a:solidFill>
+          <a:ln w="25400" cap="rnd" cmpd="sng" algn="ctr">
+            <a:noFill/>
+            <a:prstDash val="solid"/>
+          </a:ln>
+          <a:effectLst>
+            <a:outerShdw blurRad="38550" dist="38000" dir="10800000" algn="tl" rotWithShape="0">
+              <a:schemeClr val="bg2">
+                <a:shade val="20000"/>
+                <a:satMod val="110000"/>
+                <a:alpha val="25000"/>
+              </a:schemeClr>
+            </a:outerShdw>
+          </a:effectLst>
+        </p:spPr>
+        <p:style>
+          <a:lnRef idx="3">
+            <a:schemeClr val="lt1"/>
+          </a:lnRef>
+          <a:fillRef idx="1">
+            <a:schemeClr val="accent1"/>
+          </a:fillRef>
+          <a:effectRef idx="1">
+            <a:schemeClr val="accent1"/>
+          </a:effectRef>
+          <a:fontRef idx="minor">
+            <a:schemeClr val="lt1"/>
+          </a:fontRef>
+        </p:style>
+        <p:txBody>
+          <a:bodyPr anchor="ctr"/>
+          <a:lstStyle>
+            <a:extLst/>
+          </a:lstStyle>
+          <a:p>
+            <a:pPr algn="ctr" eaLnBrk="1" latinLnBrk="0" hangingPunct="1"/>
+            <a:endParaRPr kumimoji="0" lang="en-US"/>
+          </a:p>
+        </p:txBody>
+      </p:sp>
+      <p:sp>
+        <p:nvSpPr>
+          <p:cNvPr id="8" name="Elipse 7"/>
+          <p:cNvSpPr/>
+          <p:nvPr/>
+        </p:nvSpPr>
+        <p:spPr>
+          <a:xfrm>
+            <a:off x="2172321" y="2110992"/>
+            <a:ext cx="210312" cy="157734"/>
+          </a:xfrm>
+          <a:prstGeom prst="ellipse">
+            <a:avLst/>
+          </a:prstGeom>
+          <a:gradFill rotWithShape="1">
+            <a:gsLst>
+              <a:gs pos="0">
+                <a:schemeClr val="accent1">
+                  <a:tint val="20000"/>
+                  <a:satMod val="450000"/>
+                  <a:alpha val="95000"/>
+                </a:schemeClr>
+              </a:gs>
+              <a:gs pos="50000">
+                <a:schemeClr val="accent1">
+                  <a:tint val="38000"/>
+                  <a:satMod val="250000"/>
+                  <a:alpha val="90000"/>
+                </a:schemeClr>
+              </a:gs>
+              <a:gs pos="95000">
+                <a:schemeClr val="accent1">
+                  <a:tint val="75000"/>
+                  <a:satMod val="255000"/>
+                  <a:alpha val="88000"/>
+                </a:schemeClr>
+              </a:gs>
+              <a:gs pos="100000">
+                <a:schemeClr val="accent1">
+                  <a:tint val="100000"/>
+                  <a:shade val="90000"/>
+                  <a:satMod val="255000"/>
+                  <a:alpha val="85000"/>
+                </a:schemeClr>
+              </a:gs>
+            </a:gsLst>
+            <a:path path="circle">
+              <a:fillToRect l="25000" t="12500" r="75000" b="87500"/>
+            </a:path>
+          </a:gradFill>
+          <a:ln w="2000" cap="rnd" cmpd="sng" algn="ctr">
+            <a:solidFill>
+              <a:schemeClr val="accent1">
+                <a:shade val="90000"/>
+                <a:satMod val="110000"/>
+                <a:alpha val="60000"/>
+              </a:schemeClr>
+            </a:solidFill>
+            <a:prstDash val="solid"/>
+          </a:ln>
+          <a:effectLst/>
+        </p:spPr>
+        <p:style>
+          <a:lnRef idx="1">
+            <a:schemeClr val="accent1"/>
+          </a:lnRef>
+          <a:fillRef idx="2">
+            <a:schemeClr val="accent1"/>
+          </a:fillRef>
+          <a:effectRef idx="1">
+            <a:schemeClr val="accent1"/>
+          </a:effectRef>
+          <a:fontRef idx="minor">
+            <a:schemeClr val="dk1"/>
+          </a:fontRef>
+        </p:style>
+        <p:txBody>
+          <a:bodyPr anchor="ctr"/>
+          <a:lstStyle>
+            <a:extLst/>
+          </a:lstStyle>
+          <a:p>
+            <a:pPr algn="ctr" eaLnBrk="1" latinLnBrk="0" hangingPunct="1"/>
+            <a:endParaRPr kumimoji="0" lang="en-US"/>
+          </a:p>
+        </p:txBody>
+      </p:sp>
+      <p:sp>
+        <p:nvSpPr>
+          <p:cNvPr id="9" name="Elipse 8"/>
+          <p:cNvSpPr/>
+          <p:nvPr/>
+        </p:nvSpPr>
+        <p:spPr>
+          <a:xfrm>
+            <a:off x="2408064" y="2059403"/>
+            <a:ext cx="64008" cy="48006"/>
+          </a:xfrm>
+          <a:prstGeom prst="ellipse">
+            <a:avLst/>
+          </a:prstGeom>
+          <a:noFill/>
+          <a:ln w="12700" cap="rnd" cmpd="sng" algn="ctr">
+            <a:solidFill>
+              <a:schemeClr val="accent1">
+                <a:shade val="75000"/>
+                <a:alpha val="60000"/>
+              </a:schemeClr>
+            </a:solidFill>
+            <a:prstDash val="solid"/>
+          </a:ln>
+          <a:effectLst/>
+        </p:spPr>
+        <p:style>
+          <a:lnRef idx="1">
+            <a:schemeClr val="accent1"/>
+          </a:lnRef>
+          <a:fillRef idx="2">
+            <a:schemeClr val="accent1"/>
+          </a:fillRef>
+          <a:effectRef idx="1">
+            <a:schemeClr val="accent1"/>
+          </a:effectRef>
+          <a:fontRef idx="minor">
+            <a:schemeClr val="dk1"/>
+          </a:fontRef>
+        </p:style>
+        <p:txBody>
+          <a:bodyPr anchor="ctr"/>
+          <a:lstStyle>
+            <a:extLst/>
+          </a:lstStyle>
+          <a:p>
+            <a:pPr algn="ctr" eaLnBrk="1" latinLnBrk="0" hangingPunct="1"/>
+            <a:endParaRPr kumimoji="0" lang="en-US"/>
           </a:p>
         </p:txBody>
       </p:sp>
@@ -1117,33 +1484,40 @@
             <p:ph type="title"/>
           </p:nvPr>
         </p:nvSpPr>
-        <p:spPr/>
-        <p:txBody>
-          <a:bodyPr/>
-          <a:lstStyle/>
-          <a:p>
-            <a:r>
-              <a:rPr lang="pt-BR" smtClean="0"/>
-              <a:t>Clique para editar o estilo do título mestre</a:t>
-            </a:r>
-            <a:endParaRPr lang="pt-BR"/>
-          </a:p>
-        </p:txBody>
-      </p:sp>
-      <p:sp>
-        <p:nvSpPr>
-          <p:cNvPr id="3" name="Espaço Reservado para Conteúdo 2"/>
-          <p:cNvSpPr>
-            <a:spLocks noGrp="1"/>
-          </p:cNvSpPr>
-          <p:nvPr>
-            <p:ph sz="half" idx="1"/>
-          </p:nvPr>
-        </p:nvSpPr>
         <p:spPr>
           <a:xfrm>
-            <a:off x="457200" y="1600200"/>
-            <a:ext cx="4038600" cy="4525963"/>
+            <a:off x="1435608" y="205740"/>
+            <a:ext cx="7498080" cy="857250"/>
+          </a:xfrm>
+        </p:spPr>
+        <p:txBody>
+          <a:bodyPr/>
+          <a:lstStyle>
+            <a:extLst/>
+          </a:lstStyle>
+          <a:p>
+            <a:r>
+              <a:rPr kumimoji="0" lang="pt-BR" smtClean="0"/>
+              <a:t>Clique para editar o estilo do título mestre</a:t>
+            </a:r>
+            <a:endParaRPr kumimoji="0" lang="en-US"/>
+          </a:p>
+        </p:txBody>
+      </p:sp>
+      <p:sp>
+        <p:nvSpPr>
+          <p:cNvPr id="3" name="Espaço Reservado para Conteúdo 2"/>
+          <p:cNvSpPr>
+            <a:spLocks noGrp="1"/>
+          </p:cNvSpPr>
+          <p:nvPr>
+            <p:ph sz="half" idx="1"/>
+          </p:nvPr>
+        </p:nvSpPr>
+        <p:spPr>
+          <a:xfrm>
+            <a:off x="1435608" y="1143000"/>
+            <a:ext cx="3657600" cy="3497580"/>
           </a:xfrm>
         </p:spPr>
         <p:txBody>
@@ -1164,54 +1538,43 @@
             <a:lvl5pPr>
               <a:defRPr sz="1800"/>
             </a:lvl5pPr>
-            <a:lvl6pPr>
-              <a:defRPr sz="1800"/>
-            </a:lvl6pPr>
-            <a:lvl7pPr>
-              <a:defRPr sz="1800"/>
-            </a:lvl7pPr>
-            <a:lvl8pPr>
-              <a:defRPr sz="1800"/>
-            </a:lvl8pPr>
-            <a:lvl9pPr>
-              <a:defRPr sz="1800"/>
-            </a:lvl9pPr>
-          </a:lstStyle>
-          <a:p>
-            <a:pPr lvl="0"/>
+            <a:extLst/>
+          </a:lstStyle>
+          <a:p>
+            <a:pPr lvl="0" eaLnBrk="1" latinLnBrk="0" hangingPunct="1"/>
             <a:r>
               <a:rPr lang="pt-BR" smtClean="0"/>
               <a:t>Clique para editar os estilos do texto mestre</a:t>
             </a:r>
           </a:p>
           <a:p>
-            <a:pPr lvl="1"/>
+            <a:pPr lvl="1" eaLnBrk="1" latinLnBrk="0" hangingPunct="1"/>
             <a:r>
               <a:rPr lang="pt-BR" smtClean="0"/>
               <a:t>Segundo nível</a:t>
             </a:r>
           </a:p>
           <a:p>
-            <a:pPr lvl="2"/>
+            <a:pPr lvl="2" eaLnBrk="1" latinLnBrk="0" hangingPunct="1"/>
             <a:r>
               <a:rPr lang="pt-BR" smtClean="0"/>
               <a:t>Terceiro nível</a:t>
             </a:r>
           </a:p>
           <a:p>
-            <a:pPr lvl="3"/>
+            <a:pPr lvl="3" eaLnBrk="1" latinLnBrk="0" hangingPunct="1"/>
             <a:r>
               <a:rPr lang="pt-BR" smtClean="0"/>
               <a:t>Quarto nível</a:t>
             </a:r>
           </a:p>
           <a:p>
-            <a:pPr lvl="4"/>
+            <a:pPr lvl="4" eaLnBrk="1" latinLnBrk="0" hangingPunct="1"/>
             <a:r>
               <a:rPr lang="pt-BR" smtClean="0"/>
               <a:t>Quinto nível</a:t>
             </a:r>
-            <a:endParaRPr lang="pt-BR"/>
+            <a:endParaRPr kumimoji="0" lang="en-US"/>
           </a:p>
         </p:txBody>
       </p:sp>
@@ -1227,8 +1590,8 @@
         </p:nvSpPr>
         <p:spPr>
           <a:xfrm>
-            <a:off x="4648200" y="1600200"/>
-            <a:ext cx="4038600" cy="4525963"/>
+            <a:off x="5276088" y="1143000"/>
+            <a:ext cx="3657600" cy="3497580"/>
           </a:xfrm>
         </p:spPr>
         <p:txBody>
@@ -1249,54 +1612,43 @@
             <a:lvl5pPr>
               <a:defRPr sz="1800"/>
             </a:lvl5pPr>
-            <a:lvl6pPr>
-              <a:defRPr sz="1800"/>
-            </a:lvl6pPr>
-            <a:lvl7pPr>
-              <a:defRPr sz="1800"/>
-            </a:lvl7pPr>
-            <a:lvl8pPr>
-              <a:defRPr sz="1800"/>
-            </a:lvl8pPr>
-            <a:lvl9pPr>
-              <a:defRPr sz="1800"/>
-            </a:lvl9pPr>
-          </a:lstStyle>
-          <a:p>
-            <a:pPr lvl="0"/>
+            <a:extLst/>
+          </a:lstStyle>
+          <a:p>
+            <a:pPr lvl="0" eaLnBrk="1" latinLnBrk="0" hangingPunct="1"/>
             <a:r>
               <a:rPr lang="pt-BR" smtClean="0"/>
               <a:t>Clique para editar os estilos do texto mestre</a:t>
             </a:r>
           </a:p>
           <a:p>
-            <a:pPr lvl="1"/>
+            <a:pPr lvl="1" eaLnBrk="1" latinLnBrk="0" hangingPunct="1"/>
             <a:r>
               <a:rPr lang="pt-BR" smtClean="0"/>
               <a:t>Segundo nível</a:t>
             </a:r>
           </a:p>
           <a:p>
-            <a:pPr lvl="2"/>
+            <a:pPr lvl="2" eaLnBrk="1" latinLnBrk="0" hangingPunct="1"/>
             <a:r>
               <a:rPr lang="pt-BR" smtClean="0"/>
               <a:t>Terceiro nível</a:t>
             </a:r>
           </a:p>
           <a:p>
-            <a:pPr lvl="3"/>
+            <a:pPr lvl="3" eaLnBrk="1" latinLnBrk="0" hangingPunct="1"/>
             <a:r>
               <a:rPr lang="pt-BR" smtClean="0"/>
               <a:t>Quarto nível</a:t>
             </a:r>
           </a:p>
           <a:p>
-            <a:pPr lvl="4"/>
+            <a:pPr lvl="4" eaLnBrk="1" latinLnBrk="0" hangingPunct="1"/>
             <a:r>
               <a:rPr lang="pt-BR" smtClean="0"/>
               <a:t>Quinto nível</a:t>
             </a:r>
-            <a:endParaRPr lang="pt-BR"/>
+            <a:endParaRPr kumimoji="0" lang="en-US"/>
           </a:p>
         </p:txBody>
       </p:sp>
@@ -1313,11 +1665,14 @@
         <p:spPr/>
         <p:txBody>
           <a:bodyPr/>
-          <a:lstStyle/>
+          <a:lstStyle>
+            <a:extLst/>
+          </a:lstStyle>
           <a:p>
             <a:fld id="{815D387A-2B89-42D1-BC01-813720712B43}" type="datetimeFigureOut">
               <a:rPr lang="pt-BR" smtClean="0"/>
-              <a:t>21/07/2020</a:t>
+              <a:pPr/>
+              <a:t>22/07/2020</a:t>
             </a:fld>
             <a:endParaRPr lang="pt-BR"/>
           </a:p>
@@ -1336,7 +1691,9 @@
         <p:spPr/>
         <p:txBody>
           <a:bodyPr/>
-          <a:lstStyle/>
+          <a:lstStyle>
+            <a:extLst/>
+          </a:lstStyle>
           <a:p>
             <a:endParaRPr lang="pt-BR"/>
           </a:p>
@@ -1355,10 +1712,13 @@
         <p:spPr/>
         <p:txBody>
           <a:bodyPr/>
-          <a:lstStyle/>
+          <a:lstStyle>
+            <a:extLst/>
+          </a:lstStyle>
           <a:p>
             <a:fld id="{CE1C710C-DF62-4FEB-AA18-B6BCF6E74BCE}" type="slidenum">
               <a:rPr lang="pt-BR" smtClean="0"/>
+              <a:pPr/>
               <a:t>‹nº›</a:t>
             </a:fld>
             <a:endParaRPr lang="pt-BR"/>
@@ -1374,7 +1734,7 @@
 </file>
 
 <file path=ppt/slideLayouts/slideLayout5.xml><?xml version="1.0" encoding="utf-8"?>
-<p:sldLayout xmlns:a="http://schemas.openxmlformats.org/drawingml/2006/main" xmlns:r="http://schemas.openxmlformats.org/officeDocument/2006/relationships" xmlns:p="http://schemas.openxmlformats.org/presentationml/2006/main" type="twoTxTwoObj" preserve="1">
+<p:sldLayout xmlns:a="http://schemas.openxmlformats.org/drawingml/2006/main" xmlns:r="http://schemas.openxmlformats.org/officeDocument/2006/relationships" xmlns:p="http://schemas.openxmlformats.org/presentationml/2006/main" showMasterSp="0" type="twoTxTwoObj" preserve="1">
   <p:cSld name="Comparação">
     <p:spTree>
       <p:nvGrpSpPr>
@@ -1400,83 +1760,162 @@
             <p:ph type="title"/>
           </p:nvPr>
         </p:nvSpPr>
-        <p:spPr/>
-        <p:txBody>
-          <a:bodyPr/>
-          <a:lstStyle>
-            <a:lvl1pPr>
-              <a:defRPr/>
-            </a:lvl1pPr>
-          </a:lstStyle>
-          <a:p>
-            <a:r>
-              <a:rPr lang="pt-BR" smtClean="0"/>
-              <a:t>Clique para editar o estilo do título mestre</a:t>
-            </a:r>
-            <a:endParaRPr lang="pt-BR"/>
-          </a:p>
-        </p:txBody>
-      </p:sp>
-      <p:sp>
-        <p:nvSpPr>
-          <p:cNvPr id="3" name="Espaço Reservado para Texto 2"/>
-          <p:cNvSpPr>
-            <a:spLocks noGrp="1"/>
-          </p:cNvSpPr>
-          <p:nvPr>
-            <p:ph type="body" idx="1"/>
-          </p:nvPr>
-        </p:nvSpPr>
         <p:spPr>
           <a:xfrm>
-            <a:off x="457200" y="1535113"/>
-            <a:ext cx="4040188" cy="639762"/>
+            <a:off x="457200" y="3870252"/>
+            <a:ext cx="8229600" cy="857250"/>
           </a:xfrm>
         </p:spPr>
         <p:txBody>
-          <a:bodyPr anchor="b"/>
-          <a:lstStyle>
-            <a:lvl1pPr marL="0" indent="0">
+          <a:bodyPr anchor="ctr"/>
+          <a:lstStyle>
+            <a:lvl1pPr algn="ctr">
+              <a:defRPr sz="4500" b="1" cap="none" baseline="0"/>
+            </a:lvl1pPr>
+            <a:extLst/>
+          </a:lstStyle>
+          <a:p>
+            <a:r>
+              <a:rPr kumimoji="0" lang="pt-BR" smtClean="0"/>
+              <a:t>Clique para editar o estilo do título mestre</a:t>
+            </a:r>
+            <a:endParaRPr kumimoji="0" lang="en-US"/>
+          </a:p>
+        </p:txBody>
+      </p:sp>
+      <p:sp>
+        <p:nvSpPr>
+          <p:cNvPr id="3" name="Espaço Reservado para Texto 2"/>
+          <p:cNvSpPr>
+            <a:spLocks noGrp="1"/>
+          </p:cNvSpPr>
+          <p:nvPr>
+            <p:ph type="body" idx="1"/>
+          </p:nvPr>
+        </p:nvSpPr>
+        <p:spPr>
+          <a:xfrm>
+            <a:off x="457200" y="246209"/>
+            <a:ext cx="4023360" cy="480060"/>
+          </a:xfrm>
+          <a:solidFill>
+            <a:schemeClr val="bg1"/>
+          </a:solidFill>
+          <a:ln w="10795">
+            <a:solidFill>
+              <a:schemeClr val="bg1"/>
+            </a:solidFill>
+            <a:miter lim="800000"/>
+          </a:ln>
+        </p:spPr>
+        <p:txBody>
+          <a:bodyPr anchor="ctr"/>
+          <a:lstStyle>
+            <a:lvl1pPr marL="64008" indent="0" algn="l">
+              <a:lnSpc>
+                <a:spcPct val="100000"/>
+              </a:lnSpc>
+              <a:spcBef>
+                <a:spcPts val="100"/>
+              </a:spcBef>
               <a:buNone/>
-              <a:defRPr sz="2400" b="1"/>
+              <a:defRPr sz="1900" b="0">
+                <a:solidFill>
+                  <a:schemeClr val="tx1"/>
+                </a:solidFill>
+              </a:defRPr>
             </a:lvl1pPr>
-            <a:lvl2pPr marL="457200" indent="0">
+            <a:lvl2pPr>
               <a:buNone/>
               <a:defRPr sz="2000" b="1"/>
             </a:lvl2pPr>
-            <a:lvl3pPr marL="914400" indent="0">
+            <a:lvl3pPr>
               <a:buNone/>
               <a:defRPr sz="1800" b="1"/>
             </a:lvl3pPr>
-            <a:lvl4pPr marL="1371600" indent="0">
+            <a:lvl4pPr>
               <a:buNone/>
               <a:defRPr sz="1600" b="1"/>
             </a:lvl4pPr>
-            <a:lvl5pPr marL="1828800" indent="0">
+            <a:lvl5pPr>
               <a:buNone/>
               <a:defRPr sz="1600" b="1"/>
             </a:lvl5pPr>
-            <a:lvl6pPr marL="2286000" indent="0">
+            <a:extLst/>
+          </a:lstStyle>
+          <a:p>
+            <a:pPr lvl="0" eaLnBrk="1" latinLnBrk="0" hangingPunct="1"/>
+            <a:r>
+              <a:rPr kumimoji="0" lang="pt-BR" smtClean="0"/>
+              <a:t>Clique para editar os estilos do texto mestre</a:t>
+            </a:r>
+          </a:p>
+        </p:txBody>
+      </p:sp>
+      <p:sp>
+        <p:nvSpPr>
+          <p:cNvPr id="4" name="Espaço Reservado para Texto 3"/>
+          <p:cNvSpPr>
+            <a:spLocks noGrp="1"/>
+          </p:cNvSpPr>
+          <p:nvPr>
+            <p:ph type="body" sz="half" idx="3"/>
+          </p:nvPr>
+        </p:nvSpPr>
+        <p:spPr>
+          <a:xfrm>
+            <a:off x="4663440" y="246209"/>
+            <a:ext cx="4023360" cy="480060"/>
+          </a:xfrm>
+          <a:solidFill>
+            <a:schemeClr val="bg1"/>
+          </a:solidFill>
+          <a:ln w="10795">
+            <a:solidFill>
+              <a:schemeClr val="bg1"/>
+            </a:solidFill>
+            <a:miter lim="800000"/>
+          </a:ln>
+        </p:spPr>
+        <p:txBody>
+          <a:bodyPr anchor="ctr"/>
+          <a:lstStyle>
+            <a:lvl1pPr marL="64008" indent="0" algn="l">
+              <a:lnSpc>
+                <a:spcPct val="100000"/>
+              </a:lnSpc>
+              <a:spcBef>
+                <a:spcPts val="100"/>
+              </a:spcBef>
+              <a:buNone/>
+              <a:defRPr sz="1900" b="0">
+                <a:solidFill>
+                  <a:schemeClr val="tx1"/>
+                </a:solidFill>
+              </a:defRPr>
+            </a:lvl1pPr>
+            <a:lvl2pPr>
+              <a:buNone/>
+              <a:defRPr sz="2000" b="1"/>
+            </a:lvl2pPr>
+            <a:lvl3pPr>
+              <a:buNone/>
+              <a:defRPr sz="1800" b="1"/>
+            </a:lvl3pPr>
+            <a:lvl4pPr>
               <a:buNone/>
               <a:defRPr sz="1600" b="1"/>
-            </a:lvl6pPr>
-            <a:lvl7pPr marL="2743200" indent="0">
+            </a:lvl4pPr>
+            <a:lvl5pPr>
               <a:buNone/>
               <a:defRPr sz="1600" b="1"/>
-            </a:lvl7pPr>
-            <a:lvl8pPr marL="3200400" indent="0">
-              <a:buNone/>
-              <a:defRPr sz="1600" b="1"/>
-            </a:lvl8pPr>
-            <a:lvl9pPr marL="3657600" indent="0">
-              <a:buNone/>
-              <a:defRPr sz="1600" b="1"/>
-            </a:lvl9pPr>
-          </a:lstStyle>
-          <a:p>
-            <a:pPr lvl="0"/>
-            <a:r>
-              <a:rPr lang="pt-BR" smtClean="0"/>
+            </a:lvl5pPr>
+            <a:extLst/>
+          </a:lstStyle>
+          <a:p>
+            <a:pPr lvl="0" eaLnBrk="1" latinLnBrk="0" hangingPunct="1"/>
+            <a:r>
+              <a:rPr kumimoji="0" lang="pt-BR" smtClean="0"/>
               <a:t>Clique para editar os estilos do texto mestre</a:t>
             </a:r>
           </a:p>
@@ -1484,236 +1923,223 @@
       </p:sp>
       <p:sp>
         <p:nvSpPr>
-          <p:cNvPr id="4" name="Espaço Reservado para Conteúdo 3"/>
-          <p:cNvSpPr>
-            <a:spLocks noGrp="1"/>
-          </p:cNvSpPr>
-          <p:nvPr>
-            <p:ph sz="half" idx="2"/>
+          <p:cNvPr id="5" name="Espaço Reservado para Conteúdo 4"/>
+          <p:cNvSpPr>
+            <a:spLocks noGrp="1"/>
+          </p:cNvSpPr>
+          <p:nvPr>
+            <p:ph sz="quarter" idx="2"/>
           </p:nvPr>
         </p:nvSpPr>
         <p:spPr>
           <a:xfrm>
-            <a:off x="457200" y="2174875"/>
-            <a:ext cx="4040188" cy="3951288"/>
+            <a:off x="457200" y="727002"/>
+            <a:ext cx="4023360" cy="3086100"/>
           </a:xfrm>
+          <a:ln w="10795">
+            <a:solidFill>
+              <a:schemeClr val="bg1"/>
+            </a:solidFill>
+            <a:prstDash val="dash"/>
+            <a:miter lim="800000"/>
+          </a:ln>
         </p:spPr>
         <p:txBody>
           <a:bodyPr/>
           <a:lstStyle>
-            <a:lvl1pPr>
+            <a:lvl1pPr marL="393192" indent="-274320">
+              <a:lnSpc>
+                <a:spcPct val="100000"/>
+              </a:lnSpc>
+              <a:spcBef>
+                <a:spcPts val="700"/>
+              </a:spcBef>
               <a:defRPr sz="2400"/>
             </a:lvl1pPr>
             <a:lvl2pPr>
+              <a:lnSpc>
+                <a:spcPct val="100000"/>
+              </a:lnSpc>
+              <a:spcBef>
+                <a:spcPts val="700"/>
+              </a:spcBef>
               <a:defRPr sz="2000"/>
             </a:lvl2pPr>
             <a:lvl3pPr>
+              <a:lnSpc>
+                <a:spcPct val="100000"/>
+              </a:lnSpc>
+              <a:spcBef>
+                <a:spcPts val="700"/>
+              </a:spcBef>
               <a:defRPr sz="1800"/>
             </a:lvl3pPr>
             <a:lvl4pPr>
+              <a:lnSpc>
+                <a:spcPct val="100000"/>
+              </a:lnSpc>
+              <a:spcBef>
+                <a:spcPts val="700"/>
+              </a:spcBef>
               <a:defRPr sz="1600"/>
             </a:lvl4pPr>
             <a:lvl5pPr>
+              <a:lnSpc>
+                <a:spcPct val="100000"/>
+              </a:lnSpc>
+              <a:spcBef>
+                <a:spcPts val="700"/>
+              </a:spcBef>
               <a:defRPr sz="1600"/>
             </a:lvl5pPr>
-            <a:lvl6pPr>
-              <a:defRPr sz="1600"/>
-            </a:lvl6pPr>
-            <a:lvl7pPr>
-              <a:defRPr sz="1600"/>
-            </a:lvl7pPr>
-            <a:lvl8pPr>
-              <a:defRPr sz="1600"/>
-            </a:lvl8pPr>
-            <a:lvl9pPr>
-              <a:defRPr sz="1600"/>
-            </a:lvl9pPr>
-          </a:lstStyle>
-          <a:p>
-            <a:pPr lvl="0"/>
+            <a:extLst/>
+          </a:lstStyle>
+          <a:p>
+            <a:pPr lvl="0" eaLnBrk="1" latinLnBrk="0" hangingPunct="1"/>
             <a:r>
               <a:rPr lang="pt-BR" smtClean="0"/>
               <a:t>Clique para editar os estilos do texto mestre</a:t>
             </a:r>
           </a:p>
           <a:p>
-            <a:pPr lvl="1"/>
+            <a:pPr lvl="1" eaLnBrk="1" latinLnBrk="0" hangingPunct="1"/>
             <a:r>
               <a:rPr lang="pt-BR" smtClean="0"/>
               <a:t>Segundo nível</a:t>
             </a:r>
           </a:p>
           <a:p>
-            <a:pPr lvl="2"/>
+            <a:pPr lvl="2" eaLnBrk="1" latinLnBrk="0" hangingPunct="1"/>
             <a:r>
               <a:rPr lang="pt-BR" smtClean="0"/>
               <a:t>Terceiro nível</a:t>
             </a:r>
           </a:p>
           <a:p>
-            <a:pPr lvl="3"/>
+            <a:pPr lvl="3" eaLnBrk="1" latinLnBrk="0" hangingPunct="1"/>
             <a:r>
               <a:rPr lang="pt-BR" smtClean="0"/>
               <a:t>Quarto nível</a:t>
             </a:r>
           </a:p>
           <a:p>
-            <a:pPr lvl="4"/>
+            <a:pPr lvl="4" eaLnBrk="1" latinLnBrk="0" hangingPunct="1"/>
             <a:r>
               <a:rPr lang="pt-BR" smtClean="0"/>
               <a:t>Quinto nível</a:t>
             </a:r>
-            <a:endParaRPr lang="pt-BR"/>
-          </a:p>
-        </p:txBody>
-      </p:sp>
-      <p:sp>
-        <p:nvSpPr>
-          <p:cNvPr id="5" name="Espaço Reservado para Texto 4"/>
-          <p:cNvSpPr>
-            <a:spLocks noGrp="1"/>
-          </p:cNvSpPr>
-          <p:nvPr>
-            <p:ph type="body" sz="quarter" idx="3"/>
+            <a:endParaRPr kumimoji="0" lang="en-US"/>
+          </a:p>
+        </p:txBody>
+      </p:sp>
+      <p:sp>
+        <p:nvSpPr>
+          <p:cNvPr id="6" name="Espaço Reservado para Conteúdo 5"/>
+          <p:cNvSpPr>
+            <a:spLocks noGrp="1"/>
+          </p:cNvSpPr>
+          <p:nvPr>
+            <p:ph sz="quarter" idx="4"/>
           </p:nvPr>
         </p:nvSpPr>
         <p:spPr>
           <a:xfrm>
-            <a:off x="4645025" y="1535113"/>
-            <a:ext cx="4041775" cy="639762"/>
+            <a:off x="4663440" y="727002"/>
+            <a:ext cx="4023360" cy="3086100"/>
           </a:xfrm>
+          <a:ln w="10795">
+            <a:solidFill>
+              <a:schemeClr val="bg1"/>
+            </a:solidFill>
+            <a:prstDash val="dash"/>
+            <a:miter lim="800000"/>
+          </a:ln>
         </p:spPr>
         <p:txBody>
-          <a:bodyPr anchor="b"/>
-          <a:lstStyle>
-            <a:lvl1pPr marL="0" indent="0">
-              <a:buNone/>
-              <a:defRPr sz="2400" b="1"/>
-            </a:lvl1pPr>
-            <a:lvl2pPr marL="457200" indent="0">
-              <a:buNone/>
-              <a:defRPr sz="2000" b="1"/>
-            </a:lvl2pPr>
-            <a:lvl3pPr marL="914400" indent="0">
-              <a:buNone/>
-              <a:defRPr sz="1800" b="1"/>
-            </a:lvl3pPr>
-            <a:lvl4pPr marL="1371600" indent="0">
-              <a:buNone/>
-              <a:defRPr sz="1600" b="1"/>
-            </a:lvl4pPr>
-            <a:lvl5pPr marL="1828800" indent="0">
-              <a:buNone/>
-              <a:defRPr sz="1600" b="1"/>
-            </a:lvl5pPr>
-            <a:lvl6pPr marL="2286000" indent="0">
-              <a:buNone/>
-              <a:defRPr sz="1600" b="1"/>
-            </a:lvl6pPr>
-            <a:lvl7pPr marL="2743200" indent="0">
-              <a:buNone/>
-              <a:defRPr sz="1600" b="1"/>
-            </a:lvl7pPr>
-            <a:lvl8pPr marL="3200400" indent="0">
-              <a:buNone/>
-              <a:defRPr sz="1600" b="1"/>
-            </a:lvl8pPr>
-            <a:lvl9pPr marL="3657600" indent="0">
-              <a:buNone/>
-              <a:defRPr sz="1600" b="1"/>
-            </a:lvl9pPr>
-          </a:lstStyle>
-          <a:p>
-            <a:pPr lvl="0"/>
-            <a:r>
-              <a:rPr lang="pt-BR" smtClean="0"/>
-              <a:t>Clique para editar os estilos do texto mestre</a:t>
-            </a:r>
-          </a:p>
-        </p:txBody>
-      </p:sp>
-      <p:sp>
-        <p:nvSpPr>
-          <p:cNvPr id="6" name="Espaço Reservado para Conteúdo 5"/>
-          <p:cNvSpPr>
-            <a:spLocks noGrp="1"/>
-          </p:cNvSpPr>
-          <p:nvPr>
-            <p:ph sz="quarter" idx="4"/>
-          </p:nvPr>
-        </p:nvSpPr>
-        <p:spPr>
-          <a:xfrm>
-            <a:off x="4645025" y="2174875"/>
-            <a:ext cx="4041775" cy="3951288"/>
-          </a:xfrm>
-        </p:spPr>
-        <p:txBody>
           <a:bodyPr/>
           <a:lstStyle>
-            <a:lvl1pPr>
+            <a:lvl1pPr marL="393192" indent="-274320">
+              <a:lnSpc>
+                <a:spcPct val="100000"/>
+              </a:lnSpc>
+              <a:spcBef>
+                <a:spcPts val="700"/>
+              </a:spcBef>
               <a:defRPr sz="2400"/>
             </a:lvl1pPr>
             <a:lvl2pPr>
+              <a:lnSpc>
+                <a:spcPct val="100000"/>
+              </a:lnSpc>
+              <a:spcBef>
+                <a:spcPts val="700"/>
+              </a:spcBef>
               <a:defRPr sz="2000"/>
             </a:lvl2pPr>
             <a:lvl3pPr>
+              <a:lnSpc>
+                <a:spcPct val="100000"/>
+              </a:lnSpc>
+              <a:spcBef>
+                <a:spcPts val="700"/>
+              </a:spcBef>
               <a:defRPr sz="1800"/>
             </a:lvl3pPr>
             <a:lvl4pPr>
+              <a:lnSpc>
+                <a:spcPct val="100000"/>
+              </a:lnSpc>
+              <a:spcBef>
+                <a:spcPts val="700"/>
+              </a:spcBef>
               <a:defRPr sz="1600"/>
             </a:lvl4pPr>
             <a:lvl5pPr>
+              <a:lnSpc>
+                <a:spcPct val="100000"/>
+              </a:lnSpc>
+              <a:spcBef>
+                <a:spcPts val="700"/>
+              </a:spcBef>
               <a:defRPr sz="1600"/>
             </a:lvl5pPr>
-            <a:lvl6pPr>
-              <a:defRPr sz="1600"/>
-            </a:lvl6pPr>
-            <a:lvl7pPr>
-              <a:defRPr sz="1600"/>
-            </a:lvl7pPr>
-            <a:lvl8pPr>
-              <a:defRPr sz="1600"/>
-            </a:lvl8pPr>
-            <a:lvl9pPr>
-              <a:defRPr sz="1600"/>
-            </a:lvl9pPr>
-          </a:lstStyle>
-          <a:p>
-            <a:pPr lvl="0"/>
+            <a:extLst/>
+          </a:lstStyle>
+          <a:p>
+            <a:pPr lvl="0" eaLnBrk="1" latinLnBrk="0" hangingPunct="1"/>
             <a:r>
               <a:rPr lang="pt-BR" smtClean="0"/>
               <a:t>Clique para editar os estilos do texto mestre</a:t>
             </a:r>
           </a:p>
           <a:p>
-            <a:pPr lvl="1"/>
+            <a:pPr lvl="1" eaLnBrk="1" latinLnBrk="0" hangingPunct="1"/>
             <a:r>
               <a:rPr lang="pt-BR" smtClean="0"/>
               <a:t>Segundo nível</a:t>
             </a:r>
           </a:p>
           <a:p>
-            <a:pPr lvl="2"/>
+            <a:pPr lvl="2" eaLnBrk="1" latinLnBrk="0" hangingPunct="1"/>
             <a:r>
               <a:rPr lang="pt-BR" smtClean="0"/>
               <a:t>Terceiro nível</a:t>
             </a:r>
           </a:p>
           <a:p>
-            <a:pPr lvl="3"/>
+            <a:pPr lvl="3" eaLnBrk="1" latinLnBrk="0" hangingPunct="1"/>
             <a:r>
               <a:rPr lang="pt-BR" smtClean="0"/>
               <a:t>Quarto nível</a:t>
             </a:r>
           </a:p>
           <a:p>
-            <a:pPr lvl="4"/>
+            <a:pPr lvl="4" eaLnBrk="1" latinLnBrk="0" hangingPunct="1"/>
             <a:r>
               <a:rPr lang="pt-BR" smtClean="0"/>
               <a:t>Quinto nível</a:t>
             </a:r>
-            <a:endParaRPr lang="pt-BR"/>
+            <a:endParaRPr kumimoji="0" lang="en-US"/>
           </a:p>
         </p:txBody>
       </p:sp>
@@ -1730,11 +2156,14 @@
         <p:spPr/>
         <p:txBody>
           <a:bodyPr/>
-          <a:lstStyle/>
+          <a:lstStyle>
+            <a:extLst/>
+          </a:lstStyle>
           <a:p>
             <a:fld id="{815D387A-2B89-42D1-BC01-813720712B43}" type="datetimeFigureOut">
               <a:rPr lang="pt-BR" smtClean="0"/>
-              <a:t>21/07/2020</a:t>
+              <a:pPr/>
+              <a:t>22/07/2020</a:t>
             </a:fld>
             <a:endParaRPr lang="pt-BR"/>
           </a:p>
@@ -1753,7 +2182,9 @@
         <p:spPr/>
         <p:txBody>
           <a:bodyPr/>
-          <a:lstStyle/>
+          <a:lstStyle>
+            <a:extLst/>
+          </a:lstStyle>
           <a:p>
             <a:endParaRPr lang="pt-BR"/>
           </a:p>
@@ -1772,10 +2203,13 @@
         <p:spPr/>
         <p:txBody>
           <a:bodyPr/>
-          <a:lstStyle/>
+          <a:lstStyle>
+            <a:extLst/>
+          </a:lstStyle>
           <a:p>
             <a:fld id="{CE1C710C-DF62-4FEB-AA18-B6BCF6E74BCE}" type="slidenum">
               <a:rPr lang="pt-BR" smtClean="0"/>
+              <a:pPr/>
               <a:t>‹nº›</a:t>
             </a:fld>
             <a:endParaRPr lang="pt-BR"/>
@@ -1817,37 +2251,47 @@
             <p:ph type="title"/>
           </p:nvPr>
         </p:nvSpPr>
+        <p:spPr>
+          <a:xfrm>
+            <a:off x="1435608" y="205740"/>
+            <a:ext cx="7498080" cy="857250"/>
+          </a:xfrm>
+        </p:spPr>
+        <p:txBody>
+          <a:bodyPr anchor="ctr"/>
+          <a:lstStyle>
+            <a:extLst/>
+          </a:lstStyle>
+          <a:p>
+            <a:r>
+              <a:rPr kumimoji="0" lang="pt-BR" smtClean="0"/>
+              <a:t>Clique para editar o estilo do título mestre</a:t>
+            </a:r>
+            <a:endParaRPr kumimoji="0" lang="en-US"/>
+          </a:p>
+        </p:txBody>
+      </p:sp>
+      <p:sp>
+        <p:nvSpPr>
+          <p:cNvPr id="3" name="Espaço Reservado para Data 2"/>
+          <p:cNvSpPr>
+            <a:spLocks noGrp="1"/>
+          </p:cNvSpPr>
+          <p:nvPr>
+            <p:ph type="dt" sz="half" idx="10"/>
+          </p:nvPr>
+        </p:nvSpPr>
         <p:spPr/>
         <p:txBody>
           <a:bodyPr/>
-          <a:lstStyle/>
-          <a:p>
-            <a:r>
-              <a:rPr lang="pt-BR" smtClean="0"/>
-              <a:t>Clique para editar o estilo do título mestre</a:t>
-            </a:r>
-            <a:endParaRPr lang="pt-BR"/>
-          </a:p>
-        </p:txBody>
-      </p:sp>
-      <p:sp>
-        <p:nvSpPr>
-          <p:cNvPr id="3" name="Espaço Reservado para Data 2"/>
-          <p:cNvSpPr>
-            <a:spLocks noGrp="1"/>
-          </p:cNvSpPr>
-          <p:nvPr>
-            <p:ph type="dt" sz="half" idx="10"/>
-          </p:nvPr>
-        </p:nvSpPr>
-        <p:spPr/>
-        <p:txBody>
-          <a:bodyPr/>
-          <a:lstStyle/>
+          <a:lstStyle>
+            <a:extLst/>
+          </a:lstStyle>
           <a:p>
             <a:fld id="{815D387A-2B89-42D1-BC01-813720712B43}" type="datetimeFigureOut">
               <a:rPr lang="pt-BR" smtClean="0"/>
-              <a:t>21/07/2020</a:t>
+              <a:pPr/>
+              <a:t>22/07/2020</a:t>
             </a:fld>
             <a:endParaRPr lang="pt-BR"/>
           </a:p>
@@ -1866,7 +2310,9 @@
         <p:spPr/>
         <p:txBody>
           <a:bodyPr/>
-          <a:lstStyle/>
+          <a:lstStyle>
+            <a:extLst/>
+          </a:lstStyle>
           <a:p>
             <a:endParaRPr lang="pt-BR"/>
           </a:p>
@@ -1885,10 +2331,13 @@
         <p:spPr/>
         <p:txBody>
           <a:bodyPr/>
-          <a:lstStyle/>
+          <a:lstStyle>
+            <a:extLst/>
+          </a:lstStyle>
           <a:p>
             <a:fld id="{CE1C710C-DF62-4FEB-AA18-B6BCF6E74BCE}" type="slidenum">
               <a:rPr lang="pt-BR" smtClean="0"/>
+              <a:pPr/>
               <a:t>‹nº›</a:t>
             </a:fld>
             <a:endParaRPr lang="pt-BR"/>
@@ -1904,7 +2353,7 @@
 </file>
 
 <file path=ppt/slideLayouts/slideLayout7.xml><?xml version="1.0" encoding="utf-8"?>
-<p:sldLayout xmlns:a="http://schemas.openxmlformats.org/drawingml/2006/main" xmlns:r="http://schemas.openxmlformats.org/officeDocument/2006/relationships" xmlns:p="http://schemas.openxmlformats.org/presentationml/2006/main" type="blank" preserve="1">
+<p:sldLayout xmlns:a="http://schemas.openxmlformats.org/drawingml/2006/main" xmlns:r="http://schemas.openxmlformats.org/officeDocument/2006/relationships" xmlns:p="http://schemas.openxmlformats.org/presentationml/2006/main" showMasterSp="0" type="blank" preserve="1">
   <p:cSld name="Em branco">
     <p:spTree>
       <p:nvGrpSpPr>
@@ -1922,6 +2371,54 @@
       </p:grpSpPr>
       <p:sp>
         <p:nvSpPr>
+          <p:cNvPr id="5" name="Retângulo 4"/>
+          <p:cNvSpPr/>
+          <p:nvPr/>
+        </p:nvSpPr>
+        <p:spPr>
+          <a:xfrm>
+            <a:off x="1014984" y="0"/>
+            <a:ext cx="8129016" cy="5143500"/>
+          </a:xfrm>
+          <a:prstGeom prst="rect">
+            <a:avLst/>
+          </a:prstGeom>
+          <a:solidFill>
+            <a:schemeClr val="bg1"/>
+          </a:solidFill>
+          <a:ln w="25400" cap="rnd" cmpd="sng" algn="ctr">
+            <a:noFill/>
+            <a:prstDash val="solid"/>
+          </a:ln>
+          <a:effectLst/>
+        </p:spPr>
+        <p:style>
+          <a:lnRef idx="3">
+            <a:schemeClr val="lt1"/>
+          </a:lnRef>
+          <a:fillRef idx="1">
+            <a:schemeClr val="accent1"/>
+          </a:fillRef>
+          <a:effectRef idx="1">
+            <a:schemeClr val="accent1"/>
+          </a:effectRef>
+          <a:fontRef idx="minor">
+            <a:schemeClr val="lt1"/>
+          </a:fontRef>
+        </p:style>
+        <p:txBody>
+          <a:bodyPr anchor="ctr"/>
+          <a:lstStyle>
+            <a:extLst/>
+          </a:lstStyle>
+          <a:p>
+            <a:pPr algn="ctr" eaLnBrk="1" latinLnBrk="0" hangingPunct="1"/>
+            <a:endParaRPr kumimoji="0" lang="en-US"/>
+          </a:p>
+        </p:txBody>
+      </p:sp>
+      <p:sp>
+        <p:nvSpPr>
           <p:cNvPr id="2" name="Espaço Reservado para Data 1"/>
           <p:cNvSpPr>
             <a:spLocks noGrp="1"/>
@@ -1933,11 +2430,14 @@
         <p:spPr/>
         <p:txBody>
           <a:bodyPr/>
-          <a:lstStyle/>
+          <a:lstStyle>
+            <a:extLst/>
+          </a:lstStyle>
           <a:p>
             <a:fld id="{815D387A-2B89-42D1-BC01-813720712B43}" type="datetimeFigureOut">
               <a:rPr lang="pt-BR" smtClean="0"/>
-              <a:t>21/07/2020</a:t>
+              <a:pPr/>
+              <a:t>22/07/2020</a:t>
             </a:fld>
             <a:endParaRPr lang="pt-BR"/>
           </a:p>
@@ -1956,7 +2456,9 @@
         <p:spPr/>
         <p:txBody>
           <a:bodyPr/>
-          <a:lstStyle/>
+          <a:lstStyle>
+            <a:extLst/>
+          </a:lstStyle>
           <a:p>
             <a:endParaRPr lang="pt-BR"/>
           </a:p>
@@ -1975,13 +2477,72 @@
         <p:spPr/>
         <p:txBody>
           <a:bodyPr/>
-          <a:lstStyle/>
+          <a:lstStyle>
+            <a:extLst/>
+          </a:lstStyle>
           <a:p>
             <a:fld id="{CE1C710C-DF62-4FEB-AA18-B6BCF6E74BCE}" type="slidenum">
               <a:rPr lang="pt-BR" smtClean="0"/>
+              <a:pPr/>
               <a:t>‹nº›</a:t>
             </a:fld>
             <a:endParaRPr lang="pt-BR"/>
+          </a:p>
+        </p:txBody>
+      </p:sp>
+      <p:sp>
+        <p:nvSpPr>
+          <p:cNvPr id="6" name="Retângulo 5"/>
+          <p:cNvSpPr/>
+          <p:nvPr/>
+        </p:nvSpPr>
+        <p:spPr bwMode="invGray">
+          <a:xfrm>
+            <a:off x="1014984" y="-41"/>
+            <a:ext cx="73152" cy="5143541"/>
+          </a:xfrm>
+          <a:prstGeom prst="rect">
+            <a:avLst/>
+          </a:prstGeom>
+          <a:solidFill>
+            <a:schemeClr val="bg1"/>
+          </a:solidFill>
+          <a:ln w="25400" cap="rnd" cmpd="sng" algn="ctr">
+            <a:noFill/>
+            <a:prstDash val="solid"/>
+          </a:ln>
+          <a:effectLst>
+            <a:outerShdw blurRad="38550" dist="38000" dir="10800000" algn="tl" rotWithShape="0">
+              <a:schemeClr val="bg2">
+                <a:shade val="20000"/>
+                <a:satMod val="110000"/>
+                <a:alpha val="25000"/>
+              </a:schemeClr>
+            </a:outerShdw>
+          </a:effectLst>
+        </p:spPr>
+        <p:style>
+          <a:lnRef idx="3">
+            <a:schemeClr val="lt1"/>
+          </a:lnRef>
+          <a:fillRef idx="1">
+            <a:schemeClr val="accent1"/>
+          </a:fillRef>
+          <a:effectRef idx="1">
+            <a:schemeClr val="accent1"/>
+          </a:effectRef>
+          <a:fontRef idx="minor">
+            <a:schemeClr val="lt1"/>
+          </a:fontRef>
+        </p:style>
+        <p:txBody>
+          <a:bodyPr anchor="ctr"/>
+          <a:lstStyle>
+            <a:extLst/>
+          </a:lstStyle>
+          <a:p>
+            <a:pPr algn="ctr" eaLnBrk="1" latinLnBrk="0" hangingPunct="1"/>
+            <a:endParaRPr kumimoji="0" lang="en-US"/>
           </a:p>
         </p:txBody>
       </p:sp>
@@ -1994,7 +2555,7 @@
 </file>
 
 <file path=ppt/slideLayouts/slideLayout8.xml><?xml version="1.0" encoding="utf-8"?>
-<p:sldLayout xmlns:a="http://schemas.openxmlformats.org/drawingml/2006/main" xmlns:r="http://schemas.openxmlformats.org/officeDocument/2006/relationships" xmlns:p="http://schemas.openxmlformats.org/presentationml/2006/main" type="objTx" preserve="1">
+<p:sldLayout xmlns:a="http://schemas.openxmlformats.org/drawingml/2006/main" xmlns:r="http://schemas.openxmlformats.org/officeDocument/2006/relationships" xmlns:p="http://schemas.openxmlformats.org/presentationml/2006/main" showMasterSp="0" type="objTx" preserve="1">
   <p:cSld name="Conteúdo com Legenda">
     <p:spTree>
       <p:nvGrpSpPr>
@@ -2022,40 +2583,104 @@
         </p:nvSpPr>
         <p:spPr>
           <a:xfrm>
-            <a:off x="457200" y="273050"/>
-            <a:ext cx="3008313" cy="1162050"/>
+            <a:off x="457200" y="162583"/>
+            <a:ext cx="3810000" cy="871538"/>
+          </a:xfrm>
+          <a:ln>
+            <a:noFill/>
+          </a:ln>
+        </p:spPr>
+        <p:txBody>
+          <a:bodyPr anchor="b"/>
+          <a:lstStyle>
+            <a:lvl1pPr algn="l">
+              <a:lnSpc>
+                <a:spcPts val="2000"/>
+              </a:lnSpc>
+              <a:buNone/>
+              <a:defRPr sz="2200" b="1" cap="all" baseline="0"/>
+            </a:lvl1pPr>
+            <a:extLst/>
+          </a:lstStyle>
+          <a:p>
+            <a:r>
+              <a:rPr kumimoji="0" lang="pt-BR" smtClean="0"/>
+              <a:t>Clique para editar o estilo do título mestre</a:t>
+            </a:r>
+            <a:endParaRPr kumimoji="0" lang="en-US"/>
+          </a:p>
+        </p:txBody>
+      </p:sp>
+      <p:sp>
+        <p:nvSpPr>
+          <p:cNvPr id="3" name="Espaço Reservado para Texto 2"/>
+          <p:cNvSpPr>
+            <a:spLocks noGrp="1"/>
+          </p:cNvSpPr>
+          <p:nvPr>
+            <p:ph type="body" idx="2"/>
+          </p:nvPr>
+        </p:nvSpPr>
+        <p:spPr>
+          <a:xfrm>
+            <a:off x="457200" y="1055223"/>
+            <a:ext cx="3810000" cy="523875"/>
           </a:xfrm>
         </p:spPr>
         <p:txBody>
-          <a:bodyPr anchor="b"/>
-          <a:lstStyle>
-            <a:lvl1pPr algn="l">
-              <a:defRPr sz="2000" b="1"/>
+          <a:bodyPr/>
+          <a:lstStyle>
+            <a:lvl1pPr marL="45720" indent="0">
+              <a:lnSpc>
+                <a:spcPct val="100000"/>
+              </a:lnSpc>
+              <a:spcBef>
+                <a:spcPts val="0"/>
+              </a:spcBef>
+              <a:buNone/>
+              <a:defRPr sz="1400"/>
             </a:lvl1pPr>
-          </a:lstStyle>
-          <a:p>
-            <a:r>
-              <a:rPr lang="pt-BR" smtClean="0"/>
-              <a:t>Clique para editar o estilo do título mestre</a:t>
-            </a:r>
-            <a:endParaRPr lang="pt-BR"/>
-          </a:p>
-        </p:txBody>
-      </p:sp>
-      <p:sp>
-        <p:nvSpPr>
-          <p:cNvPr id="3" name="Espaço Reservado para Conteúdo 2"/>
-          <p:cNvSpPr>
-            <a:spLocks noGrp="1"/>
-          </p:cNvSpPr>
-          <p:nvPr>
-            <p:ph idx="1"/>
+            <a:lvl2pPr>
+              <a:buNone/>
+              <a:defRPr sz="1200"/>
+            </a:lvl2pPr>
+            <a:lvl3pPr>
+              <a:buNone/>
+              <a:defRPr sz="1000"/>
+            </a:lvl3pPr>
+            <a:lvl4pPr>
+              <a:buNone/>
+              <a:defRPr sz="900"/>
+            </a:lvl4pPr>
+            <a:lvl5pPr>
+              <a:buNone/>
+              <a:defRPr sz="900"/>
+            </a:lvl5pPr>
+            <a:extLst/>
+          </a:lstStyle>
+          <a:p>
+            <a:pPr lvl="0" eaLnBrk="1" latinLnBrk="0" hangingPunct="1"/>
+            <a:r>
+              <a:rPr kumimoji="0" lang="pt-BR" smtClean="0"/>
+              <a:t>Clique para editar os estilos do texto mestre</a:t>
+            </a:r>
+          </a:p>
+        </p:txBody>
+      </p:sp>
+      <p:sp>
+        <p:nvSpPr>
+          <p:cNvPr id="4" name="Espaço Reservado para Conteúdo 3"/>
+          <p:cNvSpPr>
+            <a:spLocks noGrp="1"/>
+          </p:cNvSpPr>
+          <p:nvPr>
+            <p:ph sz="half" idx="1"/>
           </p:nvPr>
         </p:nvSpPr>
         <p:spPr>
           <a:xfrm>
-            <a:off x="3575050" y="273050"/>
-            <a:ext cx="5111750" cy="5853113"/>
+            <a:off x="457200" y="1600201"/>
+            <a:ext cx="8153400" cy="2994422"/>
           </a:xfrm>
         </p:spPr>
         <p:txBody>
@@ -2076,140 +2701,67 @@
             <a:lvl5pPr>
               <a:defRPr sz="2000"/>
             </a:lvl5pPr>
-            <a:lvl6pPr>
-              <a:defRPr sz="2000"/>
-            </a:lvl6pPr>
-            <a:lvl7pPr>
-              <a:defRPr sz="2000"/>
-            </a:lvl7pPr>
-            <a:lvl8pPr>
-              <a:defRPr sz="2000"/>
-            </a:lvl8pPr>
-            <a:lvl9pPr>
-              <a:defRPr sz="2000"/>
-            </a:lvl9pPr>
-          </a:lstStyle>
-          <a:p>
-            <a:pPr lvl="0"/>
+            <a:extLst/>
+          </a:lstStyle>
+          <a:p>
+            <a:pPr lvl="0" eaLnBrk="1" latinLnBrk="0" hangingPunct="1"/>
             <a:r>
               <a:rPr lang="pt-BR" smtClean="0"/>
               <a:t>Clique para editar os estilos do texto mestre</a:t>
             </a:r>
           </a:p>
           <a:p>
-            <a:pPr lvl="1"/>
+            <a:pPr lvl="1" eaLnBrk="1" latinLnBrk="0" hangingPunct="1"/>
             <a:r>
               <a:rPr lang="pt-BR" smtClean="0"/>
               <a:t>Segundo nível</a:t>
             </a:r>
           </a:p>
           <a:p>
-            <a:pPr lvl="2"/>
+            <a:pPr lvl="2" eaLnBrk="1" latinLnBrk="0" hangingPunct="1"/>
             <a:r>
               <a:rPr lang="pt-BR" smtClean="0"/>
               <a:t>Terceiro nível</a:t>
             </a:r>
           </a:p>
           <a:p>
-            <a:pPr lvl="3"/>
+            <a:pPr lvl="3" eaLnBrk="1" latinLnBrk="0" hangingPunct="1"/>
             <a:r>
               <a:rPr lang="pt-BR" smtClean="0"/>
               <a:t>Quarto nível</a:t>
             </a:r>
           </a:p>
           <a:p>
-            <a:pPr lvl="4"/>
+            <a:pPr lvl="4" eaLnBrk="1" latinLnBrk="0" hangingPunct="1"/>
             <a:r>
               <a:rPr lang="pt-BR" smtClean="0"/>
               <a:t>Quinto nível</a:t>
             </a:r>
-            <a:endParaRPr lang="pt-BR"/>
-          </a:p>
-        </p:txBody>
-      </p:sp>
-      <p:sp>
-        <p:nvSpPr>
-          <p:cNvPr id="4" name="Espaço Reservado para Texto 3"/>
-          <p:cNvSpPr>
-            <a:spLocks noGrp="1"/>
-          </p:cNvSpPr>
-          <p:nvPr>
-            <p:ph type="body" sz="half" idx="2"/>
-          </p:nvPr>
-        </p:nvSpPr>
-        <p:spPr>
-          <a:xfrm>
-            <a:off x="457200" y="1435100"/>
-            <a:ext cx="3008313" cy="4691063"/>
-          </a:xfrm>
-        </p:spPr>
+            <a:endParaRPr kumimoji="0" lang="en-US"/>
+          </a:p>
+        </p:txBody>
+      </p:sp>
+      <p:sp>
+        <p:nvSpPr>
+          <p:cNvPr id="5" name="Espaço Reservado para Data 4"/>
+          <p:cNvSpPr>
+            <a:spLocks noGrp="1"/>
+          </p:cNvSpPr>
+          <p:nvPr>
+            <p:ph type="dt" sz="half" idx="10"/>
+          </p:nvPr>
+        </p:nvSpPr>
+        <p:spPr/>
         <p:txBody>
           <a:bodyPr/>
           <a:lstStyle>
-            <a:lvl1pPr marL="0" indent="0">
-              <a:buNone/>
-              <a:defRPr sz="1400"/>
-            </a:lvl1pPr>
-            <a:lvl2pPr marL="457200" indent="0">
-              <a:buNone/>
-              <a:defRPr sz="1200"/>
-            </a:lvl2pPr>
-            <a:lvl3pPr marL="914400" indent="0">
-              <a:buNone/>
-              <a:defRPr sz="1000"/>
-            </a:lvl3pPr>
-            <a:lvl4pPr marL="1371600" indent="0">
-              <a:buNone/>
-              <a:defRPr sz="900"/>
-            </a:lvl4pPr>
-            <a:lvl5pPr marL="1828800" indent="0">
-              <a:buNone/>
-              <a:defRPr sz="900"/>
-            </a:lvl5pPr>
-            <a:lvl6pPr marL="2286000" indent="0">
-              <a:buNone/>
-              <a:defRPr sz="900"/>
-            </a:lvl6pPr>
-            <a:lvl7pPr marL="2743200" indent="0">
-              <a:buNone/>
-              <a:defRPr sz="900"/>
-            </a:lvl7pPr>
-            <a:lvl8pPr marL="3200400" indent="0">
-              <a:buNone/>
-              <a:defRPr sz="900"/>
-            </a:lvl8pPr>
-            <a:lvl9pPr marL="3657600" indent="0">
-              <a:buNone/>
-              <a:defRPr sz="900"/>
-            </a:lvl9pPr>
-          </a:lstStyle>
-          <a:p>
-            <a:pPr lvl="0"/>
-            <a:r>
-              <a:rPr lang="pt-BR" smtClean="0"/>
-              <a:t>Clique para editar os estilos do texto mestre</a:t>
-            </a:r>
-          </a:p>
-        </p:txBody>
-      </p:sp>
-      <p:sp>
-        <p:nvSpPr>
-          <p:cNvPr id="5" name="Espaço Reservado para Data 4"/>
-          <p:cNvSpPr>
-            <a:spLocks noGrp="1"/>
-          </p:cNvSpPr>
-          <p:nvPr>
-            <p:ph type="dt" sz="half" idx="10"/>
-          </p:nvPr>
-        </p:nvSpPr>
-        <p:spPr/>
-        <p:txBody>
-          <a:bodyPr/>
-          <a:lstStyle/>
+            <a:extLst/>
+          </a:lstStyle>
           <a:p>
             <a:fld id="{815D387A-2B89-42D1-BC01-813720712B43}" type="datetimeFigureOut">
               <a:rPr lang="pt-BR" smtClean="0"/>
-              <a:t>21/07/2020</a:t>
+              <a:pPr/>
+              <a:t>22/07/2020</a:t>
             </a:fld>
             <a:endParaRPr lang="pt-BR"/>
           </a:p>
@@ -2228,7 +2780,9 @@
         <p:spPr/>
         <p:txBody>
           <a:bodyPr/>
-          <a:lstStyle/>
+          <a:lstStyle>
+            <a:extLst/>
+          </a:lstStyle>
           <a:p>
             <a:endParaRPr lang="pt-BR"/>
           </a:p>
@@ -2247,10 +2801,13 @@
         <p:spPr/>
         <p:txBody>
           <a:bodyPr/>
-          <a:lstStyle/>
+          <a:lstStyle>
+            <a:extLst/>
+          </a:lstStyle>
           <a:p>
             <a:fld id="{CE1C710C-DF62-4FEB-AA18-B6BCF6E74BCE}" type="slidenum">
               <a:rPr lang="pt-BR" smtClean="0"/>
+              <a:pPr/>
               <a:t>‹nº›</a:t>
             </a:fld>
             <a:endParaRPr lang="pt-BR"/>
@@ -2266,7 +2823,7 @@
 </file>
 
 <file path=ppt/slideLayouts/slideLayout9.xml><?xml version="1.0" encoding="utf-8"?>
-<p:sldLayout xmlns:a="http://schemas.openxmlformats.org/drawingml/2006/main" xmlns:r="http://schemas.openxmlformats.org/officeDocument/2006/relationships" xmlns:p="http://schemas.openxmlformats.org/presentationml/2006/main" type="picTx" preserve="1">
+<p:sldLayout xmlns:a="http://schemas.openxmlformats.org/drawingml/2006/main" xmlns:r="http://schemas.openxmlformats.org/officeDocument/2006/relationships" xmlns:p="http://schemas.openxmlformats.org/presentationml/2006/main" showMasterSp="0" type="picTx" preserve="1">
   <p:cSld name="Imagem com Legenda">
     <p:spTree>
       <p:nvGrpSpPr>
@@ -2294,84 +2851,348 @@
         </p:nvSpPr>
         <p:spPr>
           <a:xfrm>
-            <a:off x="1792288" y="4800600"/>
-            <a:ext cx="5486400" cy="566738"/>
+            <a:off x="5886896" y="800100"/>
+            <a:ext cx="2743200" cy="1485900"/>
           </a:xfrm>
         </p:spPr>
         <p:txBody>
-          <a:bodyPr anchor="b"/>
+          <a:bodyPr anchor="b">
+            <a:noAutofit/>
+          </a:bodyPr>
           <a:lstStyle>
             <a:lvl1pPr algn="l">
-              <a:defRPr sz="2000" b="1"/>
+              <a:buNone/>
+              <a:defRPr sz="2100" b="1">
+                <a:effectLst/>
+              </a:defRPr>
             </a:lvl1pPr>
-          </a:lstStyle>
-          <a:p>
-            <a:r>
+            <a:extLst/>
+          </a:lstStyle>
+          <a:p>
+            <a:r>
+              <a:rPr kumimoji="0" lang="pt-BR" smtClean="0"/>
+              <a:t>Clique para editar o estilo do título mestre</a:t>
+            </a:r>
+            <a:endParaRPr kumimoji="0" lang="en-US"/>
+          </a:p>
+        </p:txBody>
+      </p:sp>
+      <p:sp>
+        <p:nvSpPr>
+          <p:cNvPr id="5" name="Espaço Reservado para Data 4"/>
+          <p:cNvSpPr>
+            <a:spLocks noGrp="1"/>
+          </p:cNvSpPr>
+          <p:nvPr>
+            <p:ph type="dt" sz="half" idx="10"/>
+          </p:nvPr>
+        </p:nvSpPr>
+        <p:spPr/>
+        <p:txBody>
+          <a:bodyPr/>
+          <a:lstStyle>
+            <a:extLst/>
+          </a:lstStyle>
+          <a:p>
+            <a:fld id="{815D387A-2B89-42D1-BC01-813720712B43}" type="datetimeFigureOut">
               <a:rPr lang="pt-BR" smtClean="0"/>
-              <a:t>Clique para editar o estilo do título mestre</a:t>
-            </a:r>
+              <a:pPr/>
+              <a:t>22/07/2020</a:t>
+            </a:fld>
             <a:endParaRPr lang="pt-BR"/>
           </a:p>
         </p:txBody>
       </p:sp>
       <p:sp>
         <p:nvSpPr>
-          <p:cNvPr id="3" name="Espaço Reservado para Imagem 2"/>
-          <p:cNvSpPr>
-            <a:spLocks noGrp="1"/>
-          </p:cNvSpPr>
-          <p:nvPr>
-            <p:ph type="pic" idx="1"/>
-          </p:nvPr>
+          <p:cNvPr id="6" name="Espaço Reservado para Rodapé 5"/>
+          <p:cNvSpPr>
+            <a:spLocks noGrp="1"/>
+          </p:cNvSpPr>
+          <p:nvPr>
+            <p:ph type="ftr" sz="quarter" idx="11"/>
+          </p:nvPr>
+        </p:nvSpPr>
+        <p:spPr/>
+        <p:txBody>
+          <a:bodyPr/>
+          <a:lstStyle>
+            <a:extLst/>
+          </a:lstStyle>
+          <a:p>
+            <a:endParaRPr lang="pt-BR"/>
+          </a:p>
+        </p:txBody>
+      </p:sp>
+      <p:sp>
+        <p:nvSpPr>
+          <p:cNvPr id="7" name="Espaço Reservado para Número de Slide 6"/>
+          <p:cNvSpPr>
+            <a:spLocks noGrp="1"/>
+          </p:cNvSpPr>
+          <p:nvPr>
+            <p:ph type="sldNum" sz="quarter" idx="12"/>
+          </p:nvPr>
+        </p:nvSpPr>
+        <p:spPr/>
+        <p:txBody>
+          <a:bodyPr/>
+          <a:lstStyle>
+            <a:extLst/>
+          </a:lstStyle>
+          <a:p>
+            <a:fld id="{CE1C710C-DF62-4FEB-AA18-B6BCF6E74BCE}" type="slidenum">
+              <a:rPr lang="pt-BR" smtClean="0"/>
+              <a:pPr/>
+              <a:t>‹nº›</a:t>
+            </a:fld>
+            <a:endParaRPr lang="pt-BR"/>
+          </a:p>
+        </p:txBody>
+      </p:sp>
+      <p:sp>
+        <p:nvSpPr>
+          <p:cNvPr id="8" name="Retângulo 7"/>
+          <p:cNvSpPr/>
+          <p:nvPr/>
         </p:nvSpPr>
         <p:spPr>
           <a:xfrm>
-            <a:off x="1792288" y="612775"/>
-            <a:ext cx="5486400" cy="4114800"/>
+            <a:off x="762000" y="800100"/>
+            <a:ext cx="4572000" cy="3429000"/>
           </a:xfrm>
+          <a:prstGeom prst="rect">
+            <a:avLst/>
+          </a:prstGeom>
+          <a:solidFill>
+            <a:srgbClr val="FFFFFF"/>
+          </a:solidFill>
+          <a:ln w="88900" cap="sq">
+            <a:solidFill>
+              <a:srgbClr val="FFFFFF"/>
+            </a:solidFill>
+            <a:miter lim="800000"/>
+          </a:ln>
+          <a:effectLst>
+            <a:outerShdw blurRad="55500" dist="18500" dir="5400000" algn="tl" rotWithShape="0">
+              <a:srgbClr val="000000">
+                <a:alpha val="35000"/>
+              </a:srgbClr>
+            </a:outerShdw>
+          </a:effectLst>
+          <a:scene3d>
+            <a:camera prst="orthographicFront"/>
+            <a:lightRig rig="twoPt" dir="t">
+              <a:rot lat="0" lon="0" rev="7200000"/>
+            </a:lightRig>
+          </a:scene3d>
+          <a:sp3d contourW="635">
+            <a:bevelT w="25400" h="19050"/>
+            <a:contourClr>
+              <a:srgbClr val="969696"/>
+            </a:contourClr>
+          </a:sp3d>
         </p:spPr>
         <p:txBody>
-          <a:bodyPr/>
-          <a:lstStyle>
-            <a:lvl1pPr marL="0" indent="0">
+          <a:bodyPr lIns="91440" tIns="274320" rtlCol="0" anchor="t">
+            <a:normAutofit/>
+          </a:bodyPr>
+          <a:lstStyle>
+            <a:extLst/>
+          </a:lstStyle>
+          <a:p>
+            <a:pPr marL="0" indent="-283464" algn="l" rtl="0" eaLnBrk="1" latinLnBrk="0" hangingPunct="1">
+              <a:lnSpc>
+                <a:spcPts val="3000"/>
+              </a:lnSpc>
+              <a:spcBef>
+                <a:spcPts val="600"/>
+              </a:spcBef>
+              <a:buClr>
+                <a:schemeClr val="accent1"/>
+              </a:buClr>
+              <a:buSzPct val="80000"/>
+              <a:buFont typeface="Wingdings 2"/>
+              <a:buNone/>
+            </a:pPr>
+            <a:endParaRPr kumimoji="0" lang="en-US" sz="3200" kern="1200">
+              <a:solidFill>
+                <a:schemeClr val="tx1"/>
+              </a:solidFill>
+              <a:latin typeface="+mn-lt"/>
+              <a:ea typeface="+mn-ea"/>
+              <a:cs typeface="+mn-cs"/>
+            </a:endParaRPr>
+          </a:p>
+        </p:txBody>
+      </p:sp>
+      <p:sp>
+        <p:nvSpPr>
+          <p:cNvPr id="3" name="Espaço Reservado para Imagem 2"/>
+          <p:cNvSpPr>
+            <a:spLocks noGrp="1"/>
+          </p:cNvSpPr>
+          <p:nvPr>
+            <p:ph type="pic" idx="1"/>
+          </p:nvPr>
+        </p:nvSpPr>
+        <p:spPr>
+          <a:xfrm>
+            <a:off x="838200" y="857253"/>
+            <a:ext cx="4419600" cy="2635898"/>
+          </a:xfrm>
+          <a:prstGeom prst="roundRect">
+            <a:avLst>
+              <a:gd name="adj" fmla="val 783"/>
+            </a:avLst>
+          </a:prstGeom>
+          <a:solidFill>
+            <a:schemeClr val="bg2"/>
+          </a:solidFill>
+          <a:ln w="127000">
+            <a:noFill/>
+            <a:miter lim="800000"/>
+          </a:ln>
+          <a:effectLst/>
+        </p:spPr>
+        <p:txBody>
+          <a:bodyPr lIns="91440" tIns="274320" anchor="t"/>
+          <a:lstStyle>
+            <a:lvl1pPr indent="0">
               <a:buNone/>
               <a:defRPr sz="3200"/>
             </a:lvl1pPr>
-            <a:lvl2pPr marL="457200" indent="0">
-              <a:buNone/>
-              <a:defRPr sz="2800"/>
-            </a:lvl2pPr>
-            <a:lvl3pPr marL="914400" indent="0">
-              <a:buNone/>
-              <a:defRPr sz="2400"/>
-            </a:lvl3pPr>
-            <a:lvl4pPr marL="1371600" indent="0">
-              <a:buNone/>
-              <a:defRPr sz="2000"/>
-            </a:lvl4pPr>
-            <a:lvl5pPr marL="1828800" indent="0">
-              <a:buNone/>
-              <a:defRPr sz="2000"/>
-            </a:lvl5pPr>
-            <a:lvl6pPr marL="2286000" indent="0">
-              <a:buNone/>
-              <a:defRPr sz="2000"/>
-            </a:lvl6pPr>
-            <a:lvl7pPr marL="2743200" indent="0">
-              <a:buNone/>
-              <a:defRPr sz="2000"/>
-            </a:lvl7pPr>
-            <a:lvl8pPr marL="3200400" indent="0">
-              <a:buNone/>
-              <a:defRPr sz="2000"/>
-            </a:lvl8pPr>
-            <a:lvl9pPr marL="3657600" indent="0">
-              <a:buNone/>
-              <a:defRPr sz="2000"/>
-            </a:lvl9pPr>
-          </a:lstStyle>
-          <a:p>
-            <a:endParaRPr lang="pt-BR"/>
+            <a:extLst/>
+          </a:lstStyle>
+          <a:p>
+            <a:pPr marL="0" algn="l" eaLnBrk="1" latinLnBrk="0" hangingPunct="1"/>
+            <a:r>
+              <a:rPr kumimoji="0" lang="pt-BR" smtClean="0"/>
+              <a:t>Clique no ícone para adicionar uma imagem</a:t>
+            </a:r>
+            <a:endParaRPr kumimoji="0" lang="en-US" dirty="0"/>
+          </a:p>
+        </p:txBody>
+      </p:sp>
+      <p:sp>
+        <p:nvSpPr>
+          <p:cNvPr id="9" name="Fluxograma: Processo 8"/>
+          <p:cNvSpPr/>
+          <p:nvPr/>
+        </p:nvSpPr>
+        <p:spPr>
+          <a:xfrm rot="19468671">
+            <a:off x="396725" y="715756"/>
+            <a:ext cx="685800" cy="153233"/>
+          </a:xfrm>
+          <a:prstGeom prst="flowChartProcess">
+            <a:avLst/>
+          </a:prstGeom>
+          <a:solidFill>
+            <a:srgbClr val="FBFBFB">
+              <a:alpha val="45098"/>
+            </a:srgbClr>
+          </a:solidFill>
+          <a:ln w="6350" cap="rnd" cmpd="sng" algn="ctr">
+            <a:solidFill>
+              <a:srgbClr val="FFFFFF">
+                <a:alpha val="100000"/>
+              </a:srgbClr>
+            </a:solidFill>
+            <a:prstDash val="solid"/>
+          </a:ln>
+          <a:effectLst>
+            <a:outerShdw blurRad="25400" dist="25400" dir="3300000" sx="96000" sy="96000" algn="tl" rotWithShape="0">
+              <a:schemeClr val="bg2">
+                <a:shade val="90000"/>
+                <a:satMod val="200000"/>
+                <a:alpha val="40000"/>
+              </a:schemeClr>
+            </a:outerShdw>
+          </a:effectLst>
+        </p:spPr>
+        <p:style>
+          <a:lnRef idx="3">
+            <a:schemeClr val="lt1"/>
+          </a:lnRef>
+          <a:fillRef idx="1">
+            <a:schemeClr val="accent1"/>
+          </a:fillRef>
+          <a:effectRef idx="1">
+            <a:schemeClr val="accent1"/>
+          </a:effectRef>
+          <a:fontRef idx="minor">
+            <a:schemeClr val="lt1"/>
+          </a:fontRef>
+        </p:style>
+        <p:txBody>
+          <a:bodyPr anchor="ctr"/>
+          <a:lstStyle>
+            <a:extLst/>
+          </a:lstStyle>
+          <a:p>
+            <a:pPr algn="ctr" eaLnBrk="1" latinLnBrk="0" hangingPunct="1"/>
+            <a:endParaRPr kumimoji="0" lang="en-US"/>
+          </a:p>
+        </p:txBody>
+      </p:sp>
+      <p:sp>
+        <p:nvSpPr>
+          <p:cNvPr id="10" name="Fluxograma: Processo 9"/>
+          <p:cNvSpPr/>
+          <p:nvPr/>
+        </p:nvSpPr>
+        <p:spPr>
+          <a:xfrm rot="2103354" flipH="1">
+            <a:off x="5003667" y="702589"/>
+            <a:ext cx="649224" cy="153233"/>
+          </a:xfrm>
+          <a:prstGeom prst="flowChartProcess">
+            <a:avLst/>
+          </a:prstGeom>
+          <a:solidFill>
+            <a:srgbClr val="FBFBFB">
+              <a:alpha val="45098"/>
+            </a:srgbClr>
+          </a:solidFill>
+          <a:ln w="6350" cap="rnd" cmpd="sng" algn="ctr">
+            <a:solidFill>
+              <a:srgbClr val="FFFFFF">
+                <a:alpha val="100000"/>
+              </a:srgbClr>
+            </a:solidFill>
+            <a:prstDash val="solid"/>
+          </a:ln>
+          <a:effectLst>
+            <a:outerShdw blurRad="25400" dist="25400" dir="3300000" sx="96000" sy="96000" algn="tl" rotWithShape="0">
+              <a:schemeClr val="bg2">
+                <a:alpha val="20000"/>
+              </a:schemeClr>
+            </a:outerShdw>
+          </a:effectLst>
+        </p:spPr>
+        <p:style>
+          <a:lnRef idx="3">
+            <a:schemeClr val="lt1"/>
+          </a:lnRef>
+          <a:fillRef idx="1">
+            <a:schemeClr val="accent1"/>
+          </a:fillRef>
+          <a:effectRef idx="1">
+            <a:schemeClr val="accent1"/>
+          </a:effectRef>
+          <a:fontRef idx="minor">
+            <a:schemeClr val="lt1"/>
+          </a:fontRef>
+        </p:style>
+        <p:txBody>
+          <a:bodyPr anchor="ctr"/>
+          <a:lstStyle>
+            <a:extLst/>
+          </a:lstStyle>
+          <a:p>
+            <a:pPr algn="ctr" eaLnBrk="1" latinLnBrk="0" hangingPunct="1"/>
+            <a:endParaRPr kumimoji="0" lang="en-US" dirty="0"/>
           </a:p>
         </p:txBody>
       </p:sp>
@@ -2387,121 +3208,47 @@
         </p:nvSpPr>
         <p:spPr>
           <a:xfrm>
-            <a:off x="1792288" y="5367338"/>
-            <a:ext cx="5486400" cy="804862"/>
+            <a:off x="838200" y="3600450"/>
+            <a:ext cx="4419600" cy="571500"/>
           </a:xfrm>
         </p:spPr>
         <p:txBody>
-          <a:bodyPr/>
-          <a:lstStyle>
-            <a:lvl1pPr marL="0" indent="0">
+          <a:bodyPr anchor="ctr"/>
+          <a:lstStyle>
+            <a:lvl1pPr marL="0" indent="0" algn="l">
+              <a:lnSpc>
+                <a:spcPts val="1600"/>
+              </a:lnSpc>
+              <a:spcBef>
+                <a:spcPts val="0"/>
+              </a:spcBef>
               <a:buNone/>
-              <a:defRPr sz="1400"/>
+              <a:defRPr sz="1400">
+                <a:solidFill>
+                  <a:srgbClr val="777777"/>
+                </a:solidFill>
+              </a:defRPr>
             </a:lvl1pPr>
-            <a:lvl2pPr marL="457200" indent="0">
-              <a:buNone/>
+            <a:lvl2pPr>
               <a:defRPr sz="1200"/>
             </a:lvl2pPr>
-            <a:lvl3pPr marL="914400" indent="0">
-              <a:buNone/>
+            <a:lvl3pPr>
               <a:defRPr sz="1000"/>
             </a:lvl3pPr>
-            <a:lvl4pPr marL="1371600" indent="0">
-              <a:buNone/>
+            <a:lvl4pPr>
               <a:defRPr sz="900"/>
             </a:lvl4pPr>
-            <a:lvl5pPr marL="1828800" indent="0">
-              <a:buNone/>
+            <a:lvl5pPr>
               <a:defRPr sz="900"/>
             </a:lvl5pPr>
-            <a:lvl6pPr marL="2286000" indent="0">
-              <a:buNone/>
-              <a:defRPr sz="900"/>
-            </a:lvl6pPr>
-            <a:lvl7pPr marL="2743200" indent="0">
-              <a:buNone/>
-              <a:defRPr sz="900"/>
-            </a:lvl7pPr>
-            <a:lvl8pPr marL="3200400" indent="0">
-              <a:buNone/>
-              <a:defRPr sz="900"/>
-            </a:lvl8pPr>
-            <a:lvl9pPr marL="3657600" indent="0">
-              <a:buNone/>
-              <a:defRPr sz="900"/>
-            </a:lvl9pPr>
-          </a:lstStyle>
-          <a:p>
-            <a:pPr lvl="0"/>
-            <a:r>
-              <a:rPr lang="pt-BR" smtClean="0"/>
+            <a:extLst/>
+          </a:lstStyle>
+          <a:p>
+            <a:pPr lvl="0" eaLnBrk="1" latinLnBrk="0" hangingPunct="1"/>
+            <a:r>
+              <a:rPr kumimoji="0" lang="pt-BR" smtClean="0"/>
               <a:t>Clique para editar os estilos do texto mestre</a:t>
             </a:r>
-          </a:p>
-        </p:txBody>
-      </p:sp>
-      <p:sp>
-        <p:nvSpPr>
-          <p:cNvPr id="5" name="Espaço Reservado para Data 4"/>
-          <p:cNvSpPr>
-            <a:spLocks noGrp="1"/>
-          </p:cNvSpPr>
-          <p:nvPr>
-            <p:ph type="dt" sz="half" idx="10"/>
-          </p:nvPr>
-        </p:nvSpPr>
-        <p:spPr/>
-        <p:txBody>
-          <a:bodyPr/>
-          <a:lstStyle/>
-          <a:p>
-            <a:fld id="{815D387A-2B89-42D1-BC01-813720712B43}" type="datetimeFigureOut">
-              <a:rPr lang="pt-BR" smtClean="0"/>
-              <a:t>21/07/2020</a:t>
-            </a:fld>
-            <a:endParaRPr lang="pt-BR"/>
-          </a:p>
-        </p:txBody>
-      </p:sp>
-      <p:sp>
-        <p:nvSpPr>
-          <p:cNvPr id="6" name="Espaço Reservado para Rodapé 5"/>
-          <p:cNvSpPr>
-            <a:spLocks noGrp="1"/>
-          </p:cNvSpPr>
-          <p:nvPr>
-            <p:ph type="ftr" sz="quarter" idx="11"/>
-          </p:nvPr>
-        </p:nvSpPr>
-        <p:spPr/>
-        <p:txBody>
-          <a:bodyPr/>
-          <a:lstStyle/>
-          <a:p>
-            <a:endParaRPr lang="pt-BR"/>
-          </a:p>
-        </p:txBody>
-      </p:sp>
-      <p:sp>
-        <p:nvSpPr>
-          <p:cNvPr id="7" name="Espaço Reservado para Número de Slide 6"/>
-          <p:cNvSpPr>
-            <a:spLocks noGrp="1"/>
-          </p:cNvSpPr>
-          <p:nvPr>
-            <p:ph type="sldNum" sz="quarter" idx="12"/>
-          </p:nvPr>
-        </p:nvSpPr>
-        <p:spPr/>
-        <p:txBody>
-          <a:bodyPr/>
-          <a:lstStyle/>
-          <a:p>
-            <a:fld id="{CE1C710C-DF62-4FEB-AA18-B6BCF6E74BCE}" type="slidenum">
-              <a:rPr lang="pt-BR" smtClean="0"/>
-              <a:t>‹nº›</a:t>
-            </a:fld>
-            <a:endParaRPr lang="pt-BR"/>
           </a:p>
         </p:txBody>
       </p:sp>
@@ -2517,8 +3264,8 @@
 <p:sldMaster xmlns:a="http://schemas.openxmlformats.org/drawingml/2006/main" xmlns:r="http://schemas.openxmlformats.org/officeDocument/2006/relationships" xmlns:p="http://schemas.openxmlformats.org/presentationml/2006/main">
   <p:cSld>
     <p:bg>
-      <p:bgRef idx="1001">
-        <a:schemeClr val="bg1"/>
+      <p:bgRef idx="1003">
+        <a:schemeClr val="bg2"/>
       </p:bgRef>
     </p:bg>
     <p:spTree>
@@ -2537,40 +3284,303 @@
       </p:grpSpPr>
       <p:sp>
         <p:nvSpPr>
-          <p:cNvPr id="2" name="Espaço Reservado para Título 1"/>
-          <p:cNvSpPr>
-            <a:spLocks noGrp="1"/>
-          </p:cNvSpPr>
-          <p:nvPr>
-            <p:ph type="title"/>
-          </p:nvPr>
+          <p:cNvPr id="7" name="Pizza 6"/>
+          <p:cNvSpPr/>
+          <p:nvPr/>
         </p:nvSpPr>
         <p:spPr>
           <a:xfrm>
-            <a:off x="457200" y="274638"/>
-            <a:ext cx="8229600" cy="1143000"/>
+            <a:off x="-815927" y="-611941"/>
+            <a:ext cx="1638887" cy="1229165"/>
+          </a:xfrm>
+          <a:prstGeom prst="pie">
+            <a:avLst>
+              <a:gd name="adj1" fmla="val 0"/>
+              <a:gd name="adj2" fmla="val 5402120"/>
+            </a:avLst>
+          </a:prstGeom>
+          <a:solidFill>
+            <a:schemeClr val="bg2">
+              <a:tint val="18000"/>
+              <a:satMod val="220000"/>
+              <a:alpha val="33000"/>
+            </a:schemeClr>
+          </a:solidFill>
+          <a:ln w="3175" cap="rnd" cmpd="sng" algn="ctr">
+            <a:solidFill>
+              <a:schemeClr val="bg2">
+                <a:shade val="70000"/>
+                <a:satMod val="200000"/>
+                <a:alpha val="100000"/>
+              </a:schemeClr>
+            </a:solidFill>
+            <a:prstDash val="solid"/>
+          </a:ln>
+          <a:effectLst/>
+        </p:spPr>
+        <p:style>
+          <a:lnRef idx="3">
+            <a:schemeClr val="lt1"/>
+          </a:lnRef>
+          <a:fillRef idx="1">
+            <a:schemeClr val="accent1"/>
+          </a:fillRef>
+          <a:effectRef idx="1">
+            <a:schemeClr val="accent1"/>
+          </a:effectRef>
+          <a:fontRef idx="minor">
+            <a:schemeClr val="lt1"/>
+          </a:fontRef>
+        </p:style>
+        <p:txBody>
+          <a:bodyPr anchor="ctr"/>
+          <a:lstStyle>
+            <a:extLst/>
+          </a:lstStyle>
+          <a:p>
+            <a:pPr algn="ctr" eaLnBrk="1" latinLnBrk="0" hangingPunct="1"/>
+            <a:endParaRPr kumimoji="0" lang="en-US"/>
+          </a:p>
+        </p:txBody>
+      </p:sp>
+      <p:sp>
+        <p:nvSpPr>
+          <p:cNvPr id="8" name="Elipse 7"/>
+          <p:cNvSpPr/>
+          <p:nvPr/>
+        </p:nvSpPr>
+        <p:spPr>
+          <a:xfrm>
+            <a:off x="168817" y="15827"/>
+            <a:ext cx="1702191" cy="1276643"/>
+          </a:xfrm>
+          <a:prstGeom prst="ellipse">
+            <a:avLst/>
+          </a:prstGeom>
+          <a:noFill/>
+          <a:ln w="27305" cap="rnd" cmpd="sng" algn="ctr">
+            <a:solidFill>
+              <a:schemeClr val="bg2">
+                <a:tint val="45000"/>
+                <a:satMod val="325000"/>
+                <a:alpha val="100000"/>
+              </a:schemeClr>
+            </a:solidFill>
+            <a:prstDash val="solid"/>
+          </a:ln>
+          <a:effectLst>
+            <a:outerShdw blurRad="25400" dist="25400" dir="5400000" algn="tl" rotWithShape="0">
+              <a:schemeClr val="bg2">
+                <a:shade val="50000"/>
+                <a:satMod val="150000"/>
+                <a:alpha val="85000"/>
+              </a:schemeClr>
+            </a:outerShdw>
+          </a:effectLst>
+        </p:spPr>
+        <p:style>
+          <a:lnRef idx="3">
+            <a:schemeClr val="lt1"/>
+          </a:lnRef>
+          <a:fillRef idx="1">
+            <a:schemeClr val="accent1"/>
+          </a:fillRef>
+          <a:effectRef idx="1">
+            <a:schemeClr val="accent1"/>
+          </a:effectRef>
+          <a:fontRef idx="minor">
+            <a:schemeClr val="lt1"/>
+          </a:fontRef>
+        </p:style>
+        <p:txBody>
+          <a:bodyPr anchor="ctr"/>
+          <a:lstStyle>
+            <a:extLst/>
+          </a:lstStyle>
+          <a:p>
+            <a:pPr algn="ctr" eaLnBrk="1" latinLnBrk="0" hangingPunct="1"/>
+            <a:endParaRPr kumimoji="0" lang="en-US"/>
+          </a:p>
+        </p:txBody>
+      </p:sp>
+      <p:sp>
+        <p:nvSpPr>
+          <p:cNvPr id="11" name="Rosca 10"/>
+          <p:cNvSpPr/>
+          <p:nvPr/>
+        </p:nvSpPr>
+        <p:spPr>
+          <a:xfrm rot="2315675">
+            <a:off x="182882" y="791308"/>
+            <a:ext cx="1125717" cy="826968"/>
+          </a:xfrm>
+          <a:prstGeom prst="donut">
+            <a:avLst>
+              <a:gd name="adj" fmla="val 11833"/>
+            </a:avLst>
+          </a:prstGeom>
+          <a:gradFill rotWithShape="1">
+            <a:gsLst>
+              <a:gs pos="0">
+                <a:schemeClr val="bg2">
+                  <a:tint val="10000"/>
+                  <a:shade val="99000"/>
+                  <a:satMod val="355000"/>
+                  <a:alpha val="70000"/>
+                </a:schemeClr>
+              </a:gs>
+              <a:gs pos="70000">
+                <a:schemeClr val="bg2">
+                  <a:tint val="6000"/>
+                  <a:shade val="100000"/>
+                  <a:satMod val="400000"/>
+                  <a:alpha val="55000"/>
+                </a:schemeClr>
+              </a:gs>
+              <a:gs pos="100000">
+                <a:schemeClr val="bg2">
+                  <a:tint val="100000"/>
+                  <a:shade val="75000"/>
+                  <a:satMod val="370000"/>
+                  <a:alpha val="60000"/>
+                </a:schemeClr>
+              </a:gs>
+            </a:gsLst>
+            <a:path path="circle">
+              <a:fillToRect l="-407500" t="-50000" r="507500" b="150000"/>
+            </a:path>
+          </a:gradFill>
+          <a:ln w="7350" cap="rnd" cmpd="sng" algn="ctr">
+            <a:solidFill>
+              <a:schemeClr val="bg2">
+                <a:shade val="60000"/>
+                <a:satMod val="220000"/>
+                <a:alpha val="100000"/>
+              </a:schemeClr>
+            </a:solidFill>
+            <a:prstDash val="solid"/>
+          </a:ln>
+          <a:effectLst>
+            <a:outerShdw blurRad="12700" dist="15000" dir="4500000" algn="tl" rotWithShape="0">
+              <a:schemeClr val="bg2">
+                <a:shade val="10000"/>
+                <a:satMod val="200000"/>
+                <a:alpha val="35000"/>
+              </a:schemeClr>
+            </a:outerShdw>
+          </a:effectLst>
+        </p:spPr>
+        <p:style>
+          <a:lnRef idx="3">
+            <a:schemeClr val="lt1"/>
+          </a:lnRef>
+          <a:fillRef idx="1">
+            <a:schemeClr val="accent1"/>
+          </a:fillRef>
+          <a:effectRef idx="1">
+            <a:schemeClr val="accent1"/>
+          </a:effectRef>
+          <a:fontRef idx="minor">
+            <a:schemeClr val="lt1"/>
+          </a:fontRef>
+        </p:style>
+        <p:txBody>
+          <a:bodyPr anchor="ctr"/>
+          <a:lstStyle>
+            <a:extLst/>
+          </a:lstStyle>
+          <a:p>
+            <a:pPr algn="ctr" eaLnBrk="1" latinLnBrk="0" hangingPunct="1"/>
+            <a:endParaRPr kumimoji="0" lang="en-US"/>
+          </a:p>
+        </p:txBody>
+      </p:sp>
+      <p:sp>
+        <p:nvSpPr>
+          <p:cNvPr id="12" name="Retângulo 11"/>
+          <p:cNvSpPr/>
+          <p:nvPr/>
+        </p:nvSpPr>
+        <p:spPr>
+          <a:xfrm>
+            <a:off x="1012874" y="-41"/>
+            <a:ext cx="8131127" cy="5143541"/>
+          </a:xfrm>
+          <a:prstGeom prst="rect">
+            <a:avLst/>
+          </a:prstGeom>
+          <a:solidFill>
+            <a:schemeClr val="bg1"/>
+          </a:solidFill>
+          <a:ln w="25400" cap="rnd" cmpd="sng" algn="ctr">
+            <a:noFill/>
+            <a:prstDash val="solid"/>
+          </a:ln>
+          <a:effectLst/>
+        </p:spPr>
+        <p:style>
+          <a:lnRef idx="3">
+            <a:schemeClr val="lt1"/>
+          </a:lnRef>
+          <a:fillRef idx="1">
+            <a:schemeClr val="accent1"/>
+          </a:fillRef>
+          <a:effectRef idx="1">
+            <a:schemeClr val="accent1"/>
+          </a:effectRef>
+          <a:fontRef idx="minor">
+            <a:schemeClr val="lt1"/>
+          </a:fontRef>
+        </p:style>
+        <p:txBody>
+          <a:bodyPr anchor="ctr"/>
+          <a:lstStyle>
+            <a:extLst/>
+          </a:lstStyle>
+          <a:p>
+            <a:pPr algn="ctr" eaLnBrk="1" latinLnBrk="0" hangingPunct="1"/>
+            <a:endParaRPr kumimoji="0" lang="en-US"/>
+          </a:p>
+        </p:txBody>
+      </p:sp>
+      <p:sp>
+        <p:nvSpPr>
+          <p:cNvPr id="5" name="Espaço Reservado para Título 4"/>
+          <p:cNvSpPr>
+            <a:spLocks noGrp="1"/>
+          </p:cNvSpPr>
+          <p:nvPr>
+            <p:ph type="title"/>
+          </p:nvPr>
+        </p:nvSpPr>
+        <p:spPr>
+          <a:xfrm>
+            <a:off x="1435608" y="205979"/>
+            <a:ext cx="7498080" cy="857250"/>
           </a:xfrm>
           <a:prstGeom prst="rect">
             <a:avLst/>
           </a:prstGeom>
         </p:spPr>
         <p:txBody>
-          <a:bodyPr vert="horz" lIns="91440" tIns="45720" rIns="91440" bIns="45720" rtlCol="0" anchor="ctr">
+          <a:bodyPr anchor="ctr">
             <a:normAutofit/>
           </a:bodyPr>
-          <a:lstStyle/>
-          <a:p>
-            <a:r>
-              <a:rPr lang="pt-BR" smtClean="0"/>
+          <a:lstStyle>
+            <a:extLst/>
+          </a:lstStyle>
+          <a:p>
+            <a:r>
+              <a:rPr kumimoji="0" lang="pt-BR" smtClean="0"/>
               <a:t>Clique para editar o estilo do título mestre</a:t>
             </a:r>
-            <a:endParaRPr lang="pt-BR"/>
-          </a:p>
-        </p:txBody>
-      </p:sp>
-      <p:sp>
-        <p:nvSpPr>
-          <p:cNvPr id="3" name="Espaço Reservado para Texto 2"/>
+            <a:endParaRPr kumimoji="0" lang="en-US"/>
+          </a:p>
+        </p:txBody>
+      </p:sp>
+      <p:sp>
+        <p:nvSpPr>
+          <p:cNvPr id="9" name="Espaço Reservado para Texto 8"/>
           <p:cNvSpPr>
             <a:spLocks noGrp="1"/>
           </p:cNvSpPr>
@@ -2580,59 +3590,61 @@
         </p:nvSpPr>
         <p:spPr>
           <a:xfrm>
-            <a:off x="457200" y="1600200"/>
-            <a:ext cx="8229600" cy="4525963"/>
+            <a:off x="1435608" y="1085850"/>
+            <a:ext cx="7498080" cy="3600450"/>
           </a:xfrm>
           <a:prstGeom prst="rect">
             <a:avLst/>
           </a:prstGeom>
         </p:spPr>
         <p:txBody>
-          <a:bodyPr vert="horz" lIns="91440" tIns="45720" rIns="91440" bIns="45720" rtlCol="0">
+          <a:bodyPr>
             <a:normAutofit/>
           </a:bodyPr>
-          <a:lstStyle/>
-          <a:p>
-            <a:pPr lvl="0"/>
-            <a:r>
-              <a:rPr lang="pt-BR" smtClean="0"/>
+          <a:lstStyle>
+            <a:extLst/>
+          </a:lstStyle>
+          <a:p>
+            <a:pPr lvl="0" eaLnBrk="1" latinLnBrk="0" hangingPunct="1"/>
+            <a:r>
+              <a:rPr kumimoji="0" lang="pt-BR" smtClean="0"/>
               <a:t>Clique para editar os estilos do texto mestre</a:t>
             </a:r>
           </a:p>
           <a:p>
-            <a:pPr lvl="1"/>
-            <a:r>
-              <a:rPr lang="pt-BR" smtClean="0"/>
+            <a:pPr lvl="1" eaLnBrk="1" latinLnBrk="0" hangingPunct="1"/>
+            <a:r>
+              <a:rPr kumimoji="0" lang="pt-BR" smtClean="0"/>
               <a:t>Segundo nível</a:t>
             </a:r>
           </a:p>
           <a:p>
-            <a:pPr lvl="2"/>
-            <a:r>
-              <a:rPr lang="pt-BR" smtClean="0"/>
+            <a:pPr lvl="2" eaLnBrk="1" latinLnBrk="0" hangingPunct="1"/>
+            <a:r>
+              <a:rPr kumimoji="0" lang="pt-BR" smtClean="0"/>
               <a:t>Terceiro nível</a:t>
             </a:r>
           </a:p>
           <a:p>
-            <a:pPr lvl="3"/>
-            <a:r>
-              <a:rPr lang="pt-BR" smtClean="0"/>
+            <a:pPr lvl="3" eaLnBrk="1" latinLnBrk="0" hangingPunct="1"/>
+            <a:r>
+              <a:rPr kumimoji="0" lang="pt-BR" smtClean="0"/>
               <a:t>Quarto nível</a:t>
             </a:r>
           </a:p>
           <a:p>
-            <a:pPr lvl="4"/>
-            <a:r>
-              <a:rPr lang="pt-BR" smtClean="0"/>
+            <a:pPr lvl="4" eaLnBrk="1" latinLnBrk="0" hangingPunct="1"/>
+            <a:r>
+              <a:rPr kumimoji="0" lang="pt-BR" smtClean="0"/>
               <a:t>Quinto nível</a:t>
             </a:r>
-            <a:endParaRPr lang="pt-BR"/>
-          </a:p>
-        </p:txBody>
-      </p:sp>
-      <p:sp>
-        <p:nvSpPr>
-          <p:cNvPr id="4" name="Espaço Reservado para Data 3"/>
+            <a:endParaRPr kumimoji="0" lang="en-US"/>
+          </a:p>
+        </p:txBody>
+      </p:sp>
+      <p:sp>
+        <p:nvSpPr>
+          <p:cNvPr id="24" name="Espaço Reservado para Data 23"/>
           <p:cNvSpPr>
             <a:spLocks noGrp="1"/>
           </p:cNvSpPr>
@@ -2642,30 +3654,33 @@
         </p:nvSpPr>
         <p:spPr>
           <a:xfrm>
-            <a:off x="457200" y="6356350"/>
-            <a:ext cx="2133600" cy="365125"/>
+            <a:off x="3581400" y="4729162"/>
+            <a:ext cx="2133600" cy="357188"/>
           </a:xfrm>
           <a:prstGeom prst="rect">
             <a:avLst/>
           </a:prstGeom>
         </p:spPr>
         <p:txBody>
-          <a:bodyPr vert="horz" lIns="91440" tIns="45720" rIns="91440" bIns="45720" rtlCol="0" anchor="ctr"/>
-          <a:lstStyle>
-            <a:lvl1pPr algn="l">
-              <a:defRPr sz="1200">
+          <a:bodyPr anchor="b"/>
+          <a:lstStyle>
+            <a:lvl1pPr algn="r" eaLnBrk="1" latinLnBrk="0" hangingPunct="1">
+              <a:defRPr kumimoji="0" sz="1200">
                 <a:solidFill>
-                  <a:schemeClr val="tx1">
-                    <a:tint val="75000"/>
+                  <a:schemeClr val="bg2">
+                    <a:shade val="50000"/>
+                    <a:satMod val="200000"/>
                   </a:schemeClr>
                 </a:solidFill>
               </a:defRPr>
             </a:lvl1pPr>
+            <a:extLst/>
           </a:lstStyle>
           <a:p>
             <a:fld id="{815D387A-2B89-42D1-BC01-813720712B43}" type="datetimeFigureOut">
               <a:rPr lang="pt-BR" smtClean="0"/>
-              <a:t>21/07/2020</a:t>
+              <a:pPr/>
+              <a:t>22/07/2020</a:t>
             </a:fld>
             <a:endParaRPr lang="pt-BR"/>
           </a:p>
@@ -2673,7 +3688,7 @@
       </p:sp>
       <p:sp>
         <p:nvSpPr>
-          <p:cNvPr id="5" name="Espaço Reservado para Rodapé 4"/>
+          <p:cNvPr id="10" name="Espaço Reservado para Rodapé 9"/>
           <p:cNvSpPr>
             <a:spLocks noGrp="1"/>
           </p:cNvSpPr>
@@ -2683,25 +3698,28 @@
         </p:nvSpPr>
         <p:spPr>
           <a:xfrm>
-            <a:off x="3124200" y="6356350"/>
-            <a:ext cx="2895600" cy="365125"/>
+            <a:off x="5715000" y="4729162"/>
+            <a:ext cx="2895600" cy="357188"/>
           </a:xfrm>
           <a:prstGeom prst="rect">
             <a:avLst/>
           </a:prstGeom>
         </p:spPr>
         <p:txBody>
-          <a:bodyPr vert="horz" lIns="91440" tIns="45720" rIns="91440" bIns="45720" rtlCol="0" anchor="ctr"/>
-          <a:lstStyle>
-            <a:lvl1pPr algn="ctr">
-              <a:defRPr sz="1200">
+          <a:bodyPr anchor="b"/>
+          <a:lstStyle>
+            <a:lvl1pPr eaLnBrk="1" latinLnBrk="0" hangingPunct="1">
+              <a:defRPr kumimoji="0" sz="1200">
                 <a:solidFill>
-                  <a:schemeClr val="tx1">
-                    <a:tint val="75000"/>
+                  <a:schemeClr val="bg2">
+                    <a:shade val="50000"/>
+                    <a:satMod val="200000"/>
                   </a:schemeClr>
                 </a:solidFill>
+                <a:effectLst/>
               </a:defRPr>
             </a:lvl1pPr>
+            <a:extLst/>
           </a:lstStyle>
           <a:p>
             <a:endParaRPr lang="pt-BR"/>
@@ -2710,7 +3728,7 @@
       </p:sp>
       <p:sp>
         <p:nvSpPr>
-          <p:cNvPr id="6" name="Espaço Reservado para Número de Slide 5"/>
+          <p:cNvPr id="22" name="Espaço Reservado para Número de Slide 21"/>
           <p:cNvSpPr>
             <a:spLocks noGrp="1"/>
           </p:cNvSpPr>
@@ -2720,32 +3738,92 @@
         </p:nvSpPr>
         <p:spPr>
           <a:xfrm>
-            <a:off x="6553200" y="6356350"/>
-            <a:ext cx="2133600" cy="365125"/>
+            <a:off x="8613648" y="4729162"/>
+            <a:ext cx="457200" cy="357188"/>
           </a:xfrm>
           <a:prstGeom prst="rect">
             <a:avLst/>
           </a:prstGeom>
         </p:spPr>
         <p:txBody>
-          <a:bodyPr vert="horz" lIns="91440" tIns="45720" rIns="91440" bIns="45720" rtlCol="0" anchor="ctr"/>
-          <a:lstStyle>
-            <a:lvl1pPr algn="r">
-              <a:defRPr sz="1200">
+          <a:bodyPr anchor="b"/>
+          <a:lstStyle>
+            <a:lvl1pPr algn="ctr" eaLnBrk="1" latinLnBrk="0" hangingPunct="1">
+              <a:defRPr kumimoji="0" sz="1200">
                 <a:solidFill>
-                  <a:schemeClr val="tx1">
-                    <a:tint val="75000"/>
+                  <a:schemeClr val="bg2">
+                    <a:shade val="50000"/>
+                    <a:satMod val="200000"/>
                   </a:schemeClr>
                 </a:solidFill>
+                <a:effectLst/>
               </a:defRPr>
             </a:lvl1pPr>
+            <a:extLst/>
           </a:lstStyle>
           <a:p>
             <a:fld id="{CE1C710C-DF62-4FEB-AA18-B6BCF6E74BCE}" type="slidenum">
               <a:rPr lang="pt-BR" smtClean="0"/>
+              <a:pPr/>
               <a:t>‹nº›</a:t>
             </a:fld>
             <a:endParaRPr lang="pt-BR"/>
+          </a:p>
+        </p:txBody>
+      </p:sp>
+      <p:sp>
+        <p:nvSpPr>
+          <p:cNvPr id="15" name="Retângulo 14"/>
+          <p:cNvSpPr/>
+          <p:nvPr/>
+        </p:nvSpPr>
+        <p:spPr bwMode="invGray">
+          <a:xfrm>
+            <a:off x="1014984" y="-41"/>
+            <a:ext cx="73152" cy="5143541"/>
+          </a:xfrm>
+          <a:prstGeom prst="rect">
+            <a:avLst/>
+          </a:prstGeom>
+          <a:solidFill>
+            <a:schemeClr val="bg1"/>
+          </a:solidFill>
+          <a:ln w="25400" cap="rnd" cmpd="sng" algn="ctr">
+            <a:noFill/>
+            <a:prstDash val="solid"/>
+          </a:ln>
+          <a:effectLst>
+            <a:outerShdw blurRad="38550" dist="38000" dir="10800000" algn="tl" rotWithShape="0">
+              <a:schemeClr val="bg2">
+                <a:shade val="20000"/>
+                <a:satMod val="110000"/>
+                <a:alpha val="25000"/>
+              </a:schemeClr>
+            </a:outerShdw>
+          </a:effectLst>
+        </p:spPr>
+        <p:style>
+          <a:lnRef idx="3">
+            <a:schemeClr val="lt1"/>
+          </a:lnRef>
+          <a:fillRef idx="1">
+            <a:schemeClr val="accent1"/>
+          </a:fillRef>
+          <a:effectRef idx="1">
+            <a:schemeClr val="accent1"/>
+          </a:effectRef>
+          <a:fontRef idx="minor">
+            <a:schemeClr val="lt1"/>
+          </a:fontRef>
+        </p:style>
+        <p:txBody>
+          <a:bodyPr anchor="ctr"/>
+          <a:lstStyle>
+            <a:extLst/>
+          </a:lstStyle>
+          <a:p>
+            <a:pPr algn="ctr" eaLnBrk="1" latinLnBrk="0" hangingPunct="1"/>
+            <a:endParaRPr kumimoji="0" lang="en-US"/>
           </a:p>
         </p:txBody>
       </p:sp>
@@ -2753,43 +3831,60 @@
   </p:cSld>
   <p:clrMap bg1="lt1" tx1="dk1" bg2="lt2" tx2="dk2" accent1="accent1" accent2="accent2" accent3="accent3" accent4="accent4" accent5="accent5" accent6="accent6" hlink="hlink" folHlink="folHlink"/>
   <p:sldLayoutIdLst>
-    <p:sldLayoutId id="2147483649" r:id="rId1"/>
-    <p:sldLayoutId id="2147483650" r:id="rId2"/>
-    <p:sldLayoutId id="2147483651" r:id="rId3"/>
-    <p:sldLayoutId id="2147483652" r:id="rId4"/>
-    <p:sldLayoutId id="2147483653" r:id="rId5"/>
-    <p:sldLayoutId id="2147483654" r:id="rId6"/>
-    <p:sldLayoutId id="2147483655" r:id="rId7"/>
-    <p:sldLayoutId id="2147483656" r:id="rId8"/>
-    <p:sldLayoutId id="2147483657" r:id="rId9"/>
-    <p:sldLayoutId id="2147483658" r:id="rId10"/>
-    <p:sldLayoutId id="2147483659" r:id="rId11"/>
+    <p:sldLayoutId id="2147483685" r:id="rId1"/>
+    <p:sldLayoutId id="2147483686" r:id="rId2"/>
+    <p:sldLayoutId id="2147483687" r:id="rId3"/>
+    <p:sldLayoutId id="2147483688" r:id="rId4"/>
+    <p:sldLayoutId id="2147483689" r:id="rId5"/>
+    <p:sldLayoutId id="2147483690" r:id="rId6"/>
+    <p:sldLayoutId id="2147483691" r:id="rId7"/>
+    <p:sldLayoutId id="2147483692" r:id="rId8"/>
+    <p:sldLayoutId id="2147483693" r:id="rId9"/>
+    <p:sldLayoutId id="2147483694" r:id="rId10"/>
+    <p:sldLayoutId id="2147483695" r:id="rId11"/>
   </p:sldLayoutIdLst>
   <p:txStyles>
     <p:titleStyle>
-      <a:lvl1pPr algn="ctr" defTabSz="914400" rtl="0" eaLnBrk="1" latinLnBrk="0" hangingPunct="1">
+      <a:lvl1pPr algn="l" rtl="0" eaLnBrk="1" latinLnBrk="0" hangingPunct="1">
         <a:spcBef>
           <a:spcPct val="0"/>
         </a:spcBef>
         <a:buNone/>
-        <a:defRPr sz="4400" kern="1200">
+        <a:defRPr kumimoji="0" sz="4300" kern="1200">
           <a:solidFill>
-            <a:schemeClr val="tx1"/>
+            <a:schemeClr val="tx2">
+              <a:satMod val="130000"/>
+            </a:schemeClr>
           </a:solidFill>
+          <a:effectLst>
+            <a:outerShdw blurRad="50000" dist="30000" dir="5400000" algn="tl" rotWithShape="0">
+              <a:srgbClr val="000000">
+                <a:alpha val="30000"/>
+              </a:srgbClr>
+            </a:outerShdw>
+          </a:effectLst>
           <a:latin typeface="+mj-lt"/>
           <a:ea typeface="+mj-ea"/>
           <a:cs typeface="+mj-cs"/>
         </a:defRPr>
       </a:lvl1pPr>
+      <a:extLst/>
     </p:titleStyle>
     <p:bodyStyle>
-      <a:lvl1pPr marL="342900" indent="-342900" algn="l" defTabSz="914400" rtl="0" eaLnBrk="1" latinLnBrk="0" hangingPunct="1">
+      <a:lvl1pPr marL="365760" indent="-283464" algn="l" rtl="0" eaLnBrk="1" latinLnBrk="0" hangingPunct="1">
+        <a:lnSpc>
+          <a:spcPct val="100000"/>
+        </a:lnSpc>
         <a:spcBef>
-          <a:spcPct val="20000"/>
+          <a:spcPts val="600"/>
         </a:spcBef>
-        <a:buFont typeface="Arial" pitchFamily="34" charset="0"/>
-        <a:buChar char="•"/>
-        <a:defRPr sz="3200" kern="1200">
+        <a:buClr>
+          <a:schemeClr val="accent1"/>
+        </a:buClr>
+        <a:buSzPct val="80000"/>
+        <a:buFont typeface="Wingdings 2"/>
+        <a:buChar char=""/>
+        <a:defRPr kumimoji="0" sz="3200" kern="1200">
           <a:solidFill>
             <a:schemeClr val="tx1"/>
           </a:solidFill>
@@ -2798,13 +3893,19 @@
           <a:cs typeface="+mn-cs"/>
         </a:defRPr>
       </a:lvl1pPr>
-      <a:lvl2pPr marL="742950" indent="-285750" algn="l" defTabSz="914400" rtl="0" eaLnBrk="1" latinLnBrk="0" hangingPunct="1">
+      <a:lvl2pPr marL="640080" indent="-237744" algn="l" rtl="0" eaLnBrk="1" latinLnBrk="0" hangingPunct="1">
+        <a:lnSpc>
+          <a:spcPct val="100000"/>
+        </a:lnSpc>
         <a:spcBef>
-          <a:spcPct val="20000"/>
+          <a:spcPts val="550"/>
         </a:spcBef>
-        <a:buFont typeface="Arial" pitchFamily="34" charset="0"/>
-        <a:buChar char="–"/>
-        <a:defRPr sz="2800" kern="1200">
+        <a:buClr>
+          <a:schemeClr val="accent1"/>
+        </a:buClr>
+        <a:buFont typeface="Verdana"/>
+        <a:buChar char="◦"/>
+        <a:defRPr kumimoji="0" sz="2800" kern="1200">
           <a:solidFill>
             <a:schemeClr val="tx1"/>
           </a:solidFill>
@@ -2813,13 +3914,19 @@
           <a:cs typeface="+mn-cs"/>
         </a:defRPr>
       </a:lvl2pPr>
-      <a:lvl3pPr marL="1143000" indent="-228600" algn="l" defTabSz="914400" rtl="0" eaLnBrk="1" latinLnBrk="0" hangingPunct="1">
+      <a:lvl3pPr marL="886968" indent="-228600" algn="l" rtl="0" eaLnBrk="1" latinLnBrk="0" hangingPunct="1">
+        <a:lnSpc>
+          <a:spcPct val="100000"/>
+        </a:lnSpc>
         <a:spcBef>
           <a:spcPct val="20000"/>
         </a:spcBef>
-        <a:buFont typeface="Arial" pitchFamily="34" charset="0"/>
-        <a:buChar char="•"/>
-        <a:defRPr sz="2400" kern="1200">
+        <a:buClr>
+          <a:schemeClr val="accent2"/>
+        </a:buClr>
+        <a:buFont typeface="Wingdings 2"/>
+        <a:buChar char=""/>
+        <a:defRPr kumimoji="0" sz="2400" kern="1200">
           <a:solidFill>
             <a:schemeClr val="tx1"/>
           </a:solidFill>
@@ -2828,13 +3935,19 @@
           <a:cs typeface="+mn-cs"/>
         </a:defRPr>
       </a:lvl3pPr>
-      <a:lvl4pPr marL="1600200" indent="-228600" algn="l" defTabSz="914400" rtl="0" eaLnBrk="1" latinLnBrk="0" hangingPunct="1">
+      <a:lvl4pPr marL="1097280" indent="-173736" algn="l" rtl="0" eaLnBrk="1" latinLnBrk="0" hangingPunct="1">
+        <a:lnSpc>
+          <a:spcPct val="100000"/>
+        </a:lnSpc>
         <a:spcBef>
           <a:spcPct val="20000"/>
         </a:spcBef>
-        <a:buFont typeface="Arial" pitchFamily="34" charset="0"/>
-        <a:buChar char="–"/>
-        <a:defRPr sz="2000" kern="1200">
+        <a:buClr>
+          <a:schemeClr val="accent3"/>
+        </a:buClr>
+        <a:buFont typeface="Wingdings 2"/>
+        <a:buChar char=""/>
+        <a:defRPr kumimoji="0" sz="2000" kern="1200">
           <a:solidFill>
             <a:schemeClr val="tx1"/>
           </a:solidFill>
@@ -2843,13 +3956,19 @@
           <a:cs typeface="+mn-cs"/>
         </a:defRPr>
       </a:lvl4pPr>
-      <a:lvl5pPr marL="2057400" indent="-228600" algn="l" defTabSz="914400" rtl="0" eaLnBrk="1" latinLnBrk="0" hangingPunct="1">
+      <a:lvl5pPr marL="1298448" indent="-182880" algn="l" rtl="0" eaLnBrk="1" latinLnBrk="0" hangingPunct="1">
+        <a:lnSpc>
+          <a:spcPct val="100000"/>
+        </a:lnSpc>
         <a:spcBef>
           <a:spcPct val="20000"/>
         </a:spcBef>
-        <a:buFont typeface="Arial" pitchFamily="34" charset="0"/>
-        <a:buChar char="»"/>
-        <a:defRPr sz="2000" kern="1200">
+        <a:buClr>
+          <a:schemeClr val="accent4"/>
+        </a:buClr>
+        <a:buFont typeface="Wingdings 2"/>
+        <a:buChar char=""/>
+        <a:defRPr kumimoji="0" sz="2000" kern="1200">
           <a:solidFill>
             <a:schemeClr val="tx1"/>
           </a:solidFill>
@@ -2858,13 +3977,19 @@
           <a:cs typeface="+mn-cs"/>
         </a:defRPr>
       </a:lvl5pPr>
-      <a:lvl6pPr marL="2514600" indent="-228600" algn="l" defTabSz="914400" rtl="0" eaLnBrk="1" latinLnBrk="0" hangingPunct="1">
+      <a:lvl6pPr marL="1508760" indent="-182880" algn="l" rtl="0" eaLnBrk="1" latinLnBrk="0" hangingPunct="1">
+        <a:lnSpc>
+          <a:spcPct val="100000"/>
+        </a:lnSpc>
         <a:spcBef>
           <a:spcPct val="20000"/>
         </a:spcBef>
-        <a:buFont typeface="Arial" pitchFamily="34" charset="0"/>
-        <a:buChar char="•"/>
-        <a:defRPr sz="2000" kern="1200">
+        <a:buClr>
+          <a:schemeClr val="accent5"/>
+        </a:buClr>
+        <a:buFont typeface="Wingdings 2"/>
+        <a:buChar char=""/>
+        <a:defRPr kumimoji="0" sz="2000" kern="1200">
           <a:solidFill>
             <a:schemeClr val="tx1"/>
           </a:solidFill>
@@ -2873,13 +3998,19 @@
           <a:cs typeface="+mn-cs"/>
         </a:defRPr>
       </a:lvl6pPr>
-      <a:lvl7pPr marL="2971800" indent="-228600" algn="l" defTabSz="914400" rtl="0" eaLnBrk="1" latinLnBrk="0" hangingPunct="1">
+      <a:lvl7pPr marL="1719072" indent="-182880" algn="l" rtl="0" eaLnBrk="1" latinLnBrk="0" hangingPunct="1">
+        <a:lnSpc>
+          <a:spcPct val="100000"/>
+        </a:lnSpc>
         <a:spcBef>
           <a:spcPct val="20000"/>
         </a:spcBef>
-        <a:buFont typeface="Arial" pitchFamily="34" charset="0"/>
-        <a:buChar char="•"/>
-        <a:defRPr sz="2000" kern="1200">
+        <a:buClr>
+          <a:schemeClr val="accent6"/>
+        </a:buClr>
+        <a:buFont typeface="Wingdings 2"/>
+        <a:buChar char=""/>
+        <a:defRPr kumimoji="0" sz="2000" kern="1200">
           <a:solidFill>
             <a:schemeClr val="tx1"/>
           </a:solidFill>
@@ -2888,13 +4019,19 @@
           <a:cs typeface="+mn-cs"/>
         </a:defRPr>
       </a:lvl7pPr>
-      <a:lvl8pPr marL="3429000" indent="-228600" algn="l" defTabSz="914400" rtl="0" eaLnBrk="1" latinLnBrk="0" hangingPunct="1">
+      <a:lvl8pPr marL="1920240" indent="-182880" algn="l" rtl="0" eaLnBrk="1" latinLnBrk="0" hangingPunct="1">
+        <a:lnSpc>
+          <a:spcPct val="100000"/>
+        </a:lnSpc>
         <a:spcBef>
           <a:spcPct val="20000"/>
         </a:spcBef>
-        <a:buFont typeface="Arial" pitchFamily="34" charset="0"/>
-        <a:buChar char="•"/>
-        <a:defRPr sz="2000" kern="1200">
+        <a:buClr>
+          <a:schemeClr val="accent6"/>
+        </a:buClr>
+        <a:buFont typeface="Wingdings 2"/>
+        <a:buChar char=""/>
+        <a:defRPr kumimoji="0" sz="2000" kern="1200">
           <a:solidFill>
             <a:schemeClr val="tx1"/>
           </a:solidFill>
@@ -2903,13 +4040,19 @@
           <a:cs typeface="+mn-cs"/>
         </a:defRPr>
       </a:lvl8pPr>
-      <a:lvl9pPr marL="3886200" indent="-228600" algn="l" defTabSz="914400" rtl="0" eaLnBrk="1" latinLnBrk="0" hangingPunct="1">
+      <a:lvl9pPr marL="2130552" indent="-182880" algn="l" rtl="0" eaLnBrk="1" latinLnBrk="0" hangingPunct="1">
+        <a:lnSpc>
+          <a:spcPct val="100000"/>
+        </a:lnSpc>
         <a:spcBef>
           <a:spcPct val="20000"/>
         </a:spcBef>
-        <a:buFont typeface="Arial" pitchFamily="34" charset="0"/>
-        <a:buChar char="•"/>
-        <a:defRPr sz="2000" kern="1200">
+        <a:buClr>
+          <a:schemeClr val="accent6"/>
+        </a:buClr>
+        <a:buFont typeface="Wingdings 2"/>
+        <a:buChar char=""/>
+        <a:defRPr kumimoji="0" sz="2000" kern="1200">
           <a:solidFill>
             <a:schemeClr val="tx1"/>
           </a:solidFill>
@@ -2918,13 +4061,11 @@
           <a:cs typeface="+mn-cs"/>
         </a:defRPr>
       </a:lvl9pPr>
+      <a:extLst/>
     </p:bodyStyle>
     <p:otherStyle>
-      <a:defPPr>
-        <a:defRPr lang="pt-BR"/>
-      </a:defPPr>
-      <a:lvl1pPr marL="0" algn="l" defTabSz="914400" rtl="0" eaLnBrk="1" latinLnBrk="0" hangingPunct="1">
-        <a:defRPr sz="1800" kern="1200">
+      <a:lvl1pPr marL="0" algn="l" rtl="0" eaLnBrk="1" latinLnBrk="0" hangingPunct="1">
+        <a:defRPr kumimoji="0" kern="1200">
           <a:solidFill>
             <a:schemeClr val="tx1"/>
           </a:solidFill>
@@ -2933,8 +4074,8 @@
           <a:cs typeface="+mn-cs"/>
         </a:defRPr>
       </a:lvl1pPr>
-      <a:lvl2pPr marL="457200" algn="l" defTabSz="914400" rtl="0" eaLnBrk="1" latinLnBrk="0" hangingPunct="1">
-        <a:defRPr sz="1800" kern="1200">
+      <a:lvl2pPr marL="457200" algn="l" rtl="0" eaLnBrk="1" latinLnBrk="0" hangingPunct="1">
+        <a:defRPr kumimoji="0" kern="1200">
           <a:solidFill>
             <a:schemeClr val="tx1"/>
           </a:solidFill>
@@ -2943,8 +4084,8 @@
           <a:cs typeface="+mn-cs"/>
         </a:defRPr>
       </a:lvl2pPr>
-      <a:lvl3pPr marL="914400" algn="l" defTabSz="914400" rtl="0" eaLnBrk="1" latinLnBrk="0" hangingPunct="1">
-        <a:defRPr sz="1800" kern="1200">
+      <a:lvl3pPr marL="914400" algn="l" rtl="0" eaLnBrk="1" latinLnBrk="0" hangingPunct="1">
+        <a:defRPr kumimoji="0" kern="1200">
           <a:solidFill>
             <a:schemeClr val="tx1"/>
           </a:solidFill>
@@ -2953,8 +4094,8 @@
           <a:cs typeface="+mn-cs"/>
         </a:defRPr>
       </a:lvl3pPr>
-      <a:lvl4pPr marL="1371600" algn="l" defTabSz="914400" rtl="0" eaLnBrk="1" latinLnBrk="0" hangingPunct="1">
-        <a:defRPr sz="1800" kern="1200">
+      <a:lvl4pPr marL="1371600" algn="l" rtl="0" eaLnBrk="1" latinLnBrk="0" hangingPunct="1">
+        <a:defRPr kumimoji="0" kern="1200">
           <a:solidFill>
             <a:schemeClr val="tx1"/>
           </a:solidFill>
@@ -2963,8 +4104,8 @@
           <a:cs typeface="+mn-cs"/>
         </a:defRPr>
       </a:lvl4pPr>
-      <a:lvl5pPr marL="1828800" algn="l" defTabSz="914400" rtl="0" eaLnBrk="1" latinLnBrk="0" hangingPunct="1">
-        <a:defRPr sz="1800" kern="1200">
+      <a:lvl5pPr marL="1828800" algn="l" rtl="0" eaLnBrk="1" latinLnBrk="0" hangingPunct="1">
+        <a:defRPr kumimoji="0" kern="1200">
           <a:solidFill>
             <a:schemeClr val="tx1"/>
           </a:solidFill>
@@ -2973,8 +4114,8 @@
           <a:cs typeface="+mn-cs"/>
         </a:defRPr>
       </a:lvl5pPr>
-      <a:lvl6pPr marL="2286000" algn="l" defTabSz="914400" rtl="0" eaLnBrk="1" latinLnBrk="0" hangingPunct="1">
-        <a:defRPr sz="1800" kern="1200">
+      <a:lvl6pPr marL="2286000" algn="l" rtl="0" eaLnBrk="1" latinLnBrk="0" hangingPunct="1">
+        <a:defRPr kumimoji="0" kern="1200">
           <a:solidFill>
             <a:schemeClr val="tx1"/>
           </a:solidFill>
@@ -2983,8 +4124,8 @@
           <a:cs typeface="+mn-cs"/>
         </a:defRPr>
       </a:lvl6pPr>
-      <a:lvl7pPr marL="2743200" algn="l" defTabSz="914400" rtl="0" eaLnBrk="1" latinLnBrk="0" hangingPunct="1">
-        <a:defRPr sz="1800" kern="1200">
+      <a:lvl7pPr marL="2743200" algn="l" rtl="0" eaLnBrk="1" latinLnBrk="0" hangingPunct="1">
+        <a:defRPr kumimoji="0" kern="1200">
           <a:solidFill>
             <a:schemeClr val="tx1"/>
           </a:solidFill>
@@ -2993,8 +4134,8 @@
           <a:cs typeface="+mn-cs"/>
         </a:defRPr>
       </a:lvl7pPr>
-      <a:lvl8pPr marL="3200400" algn="l" defTabSz="914400" rtl="0" eaLnBrk="1" latinLnBrk="0" hangingPunct="1">
-        <a:defRPr sz="1800" kern="1200">
+      <a:lvl8pPr marL="3200400" algn="l" rtl="0" eaLnBrk="1" latinLnBrk="0" hangingPunct="1">
+        <a:defRPr kumimoji="0" kern="1200">
           <a:solidFill>
             <a:schemeClr val="tx1"/>
           </a:solidFill>
@@ -3003,8 +4144,8 @@
           <a:cs typeface="+mn-cs"/>
         </a:defRPr>
       </a:lvl8pPr>
-      <a:lvl9pPr marL="3657600" algn="l" defTabSz="914400" rtl="0" eaLnBrk="1" latinLnBrk="0" hangingPunct="1">
-        <a:defRPr sz="1800" kern="1200">
+      <a:lvl9pPr marL="3657600" algn="l" rtl="0" eaLnBrk="1" latinLnBrk="0" hangingPunct="1">
+        <a:defRPr kumimoji="0" kern="1200">
           <a:solidFill>
             <a:schemeClr val="tx1"/>
           </a:solidFill>
@@ -3013,6 +4154,7 @@
           <a:cs typeface="+mn-cs"/>
         </a:defRPr>
       </a:lvl9pPr>
+      <a:extLst/>
     </p:otherStyle>
   </p:txStyles>
 </p:sldMaster>
@@ -3050,7 +4192,35 @@
           <a:bodyPr/>
           <a:lstStyle/>
           <a:p>
-            <a:endParaRPr lang="pt-BR"/>
+            <a:r>
+              <a:rPr lang="pt-BR" dirty="0" err="1" smtClean="0"/>
+              <a:t>The</a:t>
+            </a:r>
+            <a:r>
+              <a:rPr lang="pt-BR" dirty="0" smtClean="0"/>
+              <a:t> </a:t>
+            </a:r>
+            <a:r>
+              <a:rPr lang="pt-BR" dirty="0" err="1" smtClean="0"/>
+              <a:t>Battle</a:t>
+            </a:r>
+            <a:r>
+              <a:rPr lang="pt-BR" dirty="0" smtClean="0"/>
+              <a:t> </a:t>
+            </a:r>
+            <a:r>
+              <a:rPr lang="pt-BR" dirty="0" err="1" smtClean="0"/>
+              <a:t>of</a:t>
+            </a:r>
+            <a:r>
+              <a:rPr lang="pt-BR" dirty="0" smtClean="0"/>
+              <a:t> </a:t>
+            </a:r>
+            <a:r>
+              <a:rPr lang="pt-BR" dirty="0" err="1" smtClean="0"/>
+              <a:t>Neighborhoods</a:t>
+            </a:r>
+            <a:endParaRPr lang="pt-BR" dirty="0"/>
           </a:p>
         </p:txBody>
       </p:sp>
@@ -3069,7 +4239,127 @@
           <a:bodyPr/>
           <a:lstStyle/>
           <a:p>
-            <a:endParaRPr lang="pt-BR"/>
+            <a:r>
+              <a:rPr lang="pt-BR" dirty="0" smtClean="0"/>
+              <a:t>Toronto </a:t>
+            </a:r>
+            <a:r>
+              <a:rPr lang="pt-BR" dirty="0" err="1" smtClean="0"/>
+              <a:t>neighborhood</a:t>
+            </a:r>
+            <a:r>
+              <a:rPr lang="pt-BR" dirty="0" smtClean="0"/>
+              <a:t> - </a:t>
+            </a:r>
+            <a:r>
+              <a:rPr lang="pt-BR" dirty="0" err="1" smtClean="0"/>
+              <a:t>Vegan</a:t>
+            </a:r>
+            <a:r>
+              <a:rPr lang="pt-BR" dirty="0" smtClean="0"/>
+              <a:t> </a:t>
+            </a:r>
+            <a:r>
+              <a:rPr lang="pt-BR" dirty="0" err="1" smtClean="0"/>
+              <a:t>restaurants</a:t>
+            </a:r>
+            <a:endParaRPr lang="pt-BR" dirty="0"/>
+          </a:p>
+        </p:txBody>
+      </p:sp>
+      <p:sp>
+        <p:nvSpPr>
+          <p:cNvPr id="4" name="Subtítulo 2"/>
+          <p:cNvSpPr txBox="1">
+            <a:spLocks/>
+          </p:cNvSpPr>
+          <p:nvPr/>
+        </p:nvSpPr>
+        <p:spPr>
+          <a:xfrm>
+            <a:off x="1403648" y="4371950"/>
+            <a:ext cx="5544616" cy="432048"/>
+          </a:xfrm>
+          <a:prstGeom prst="rect">
+            <a:avLst/>
+          </a:prstGeom>
+        </p:spPr>
+        <p:txBody>
+          <a:bodyPr tIns="0">
+            <a:normAutofit/>
+          </a:bodyPr>
+          <a:lstStyle/>
+          <a:p>
+            <a:pPr marL="27432" lvl="0">
+              <a:spcBef>
+                <a:spcPts val="600"/>
+              </a:spcBef>
+              <a:buClr>
+                <a:schemeClr val="accent1"/>
+              </a:buClr>
+              <a:buSzPct val="80000"/>
+            </a:pPr>
+            <a:r>
+              <a:rPr lang="pt-BR" sz="2000" dirty="0" err="1" smtClean="0">
+                <a:solidFill>
+                  <a:schemeClr val="tx2">
+                    <a:shade val="30000"/>
+                    <a:satMod val="150000"/>
+                  </a:schemeClr>
+                </a:solidFill>
+              </a:rPr>
+              <a:t>Author</a:t>
+            </a:r>
+            <a:r>
+              <a:rPr lang="pt-BR" sz="2000" dirty="0" smtClean="0">
+                <a:solidFill>
+                  <a:schemeClr val="tx2">
+                    <a:shade val="30000"/>
+                    <a:satMod val="150000"/>
+                  </a:schemeClr>
+                </a:solidFill>
+              </a:rPr>
+              <a:t>: Hércules </a:t>
+            </a:r>
+            <a:r>
+              <a:rPr lang="pt-BR" sz="2000" dirty="0" err="1" smtClean="0">
+                <a:solidFill>
+                  <a:schemeClr val="tx2">
+                    <a:shade val="30000"/>
+                    <a:satMod val="150000"/>
+                  </a:schemeClr>
+                </a:solidFill>
+              </a:rPr>
+              <a:t>Sant'Ana</a:t>
+            </a:r>
+            <a:r>
+              <a:rPr lang="pt-BR" sz="2000" dirty="0" smtClean="0">
+                <a:solidFill>
+                  <a:schemeClr val="tx2">
+                    <a:shade val="30000"/>
+                    <a:satMod val="150000"/>
+                  </a:schemeClr>
+                </a:solidFill>
+              </a:rPr>
+              <a:t> da Silva José</a:t>
+            </a:r>
+            <a:endParaRPr kumimoji="0" lang="pt-BR" sz="2000" b="0" i="0" u="none" strike="noStrike" kern="1200" cap="none" spc="0" normalizeH="0" baseline="0" noProof="0" dirty="0">
+              <a:ln>
+                <a:noFill/>
+              </a:ln>
+              <a:solidFill>
+                <a:schemeClr val="tx2">
+                  <a:shade val="30000"/>
+                  <a:satMod val="150000"/>
+                </a:schemeClr>
+              </a:solidFill>
+              <a:effectLst/>
+              <a:uLnTx/>
+              <a:uFillTx/>
+              <a:latin typeface="+mn-lt"/>
+              <a:ea typeface="+mn-ea"/>
+              <a:cs typeface="+mn-cs"/>
+            </a:endParaRPr>
           </a:p>
         </p:txBody>
       </p:sp>
@@ -3081,10 +4371,1734 @@
 </p:sld>
 </file>
 
+<file path=ppt/slides/slide10.xml><?xml version="1.0" encoding="utf-8"?>
+<p:sld xmlns:a="http://schemas.openxmlformats.org/drawingml/2006/main" xmlns:r="http://schemas.openxmlformats.org/officeDocument/2006/relationships" xmlns:p="http://schemas.openxmlformats.org/presentationml/2006/main">
+  <p:cSld>
+    <p:spTree>
+      <p:nvGrpSpPr>
+        <p:cNvPr id="1" name=""/>
+        <p:cNvGrpSpPr/>
+        <p:nvPr/>
+      </p:nvGrpSpPr>
+      <p:grpSpPr>
+        <a:xfrm>
+          <a:off x="0" y="0"/>
+          <a:ext cx="0" cy="0"/>
+          <a:chOff x="0" y="0"/>
+          <a:chExt cx="0" cy="0"/>
+        </a:xfrm>
+      </p:grpSpPr>
+      <p:sp>
+        <p:nvSpPr>
+          <p:cNvPr id="2" name="Título 1"/>
+          <p:cNvSpPr>
+            <a:spLocks noGrp="1"/>
+          </p:cNvSpPr>
+          <p:nvPr>
+            <p:ph type="title"/>
+          </p:nvPr>
+        </p:nvSpPr>
+        <p:spPr/>
+        <p:txBody>
+          <a:bodyPr/>
+          <a:lstStyle/>
+          <a:p>
+            <a:r>
+              <a:rPr lang="pt-BR" dirty="0" err="1" smtClean="0"/>
+              <a:t>Discussion</a:t>
+            </a:r>
+            <a:endParaRPr lang="pt-BR" dirty="0"/>
+          </a:p>
+        </p:txBody>
+      </p:sp>
+      <p:pic>
+        <p:nvPicPr>
+          <p:cNvPr id="5" name="Espaço Reservado para Conteúdo 4" descr="Fig07.jpg"/>
+          <p:cNvPicPr>
+            <a:picLocks noGrp="1" noChangeAspect="1"/>
+          </p:cNvPicPr>
+          <p:nvPr>
+            <p:ph idx="1"/>
+          </p:nvPr>
+        </p:nvPicPr>
+        <p:blipFill>
+          <a:blip r:embed="rId2" cstate="print"/>
+          <a:stretch>
+            <a:fillRect/>
+          </a:stretch>
+        </p:blipFill>
+        <p:spPr>
+          <a:xfrm>
+            <a:off x="3952490" y="1085850"/>
+            <a:ext cx="5191510" cy="4057650"/>
+          </a:xfrm>
+        </p:spPr>
+      </p:pic>
+      <p:sp>
+        <p:nvSpPr>
+          <p:cNvPr id="6" name="CaixaDeTexto 5"/>
+          <p:cNvSpPr txBox="1"/>
+          <p:nvPr/>
+        </p:nvSpPr>
+        <p:spPr>
+          <a:xfrm>
+            <a:off x="1187624" y="1851670"/>
+            <a:ext cx="2520280" cy="646331"/>
+          </a:xfrm>
+          <a:prstGeom prst="rect">
+            <a:avLst/>
+          </a:prstGeom>
+          <a:noFill/>
+        </p:spPr>
+        <p:txBody>
+          <a:bodyPr wrap="square" rtlCol="0">
+            <a:spAutoFit/>
+          </a:bodyPr>
+          <a:lstStyle/>
+          <a:p>
+            <a:r>
+              <a:rPr lang="pt-BR" b="1" dirty="0" smtClean="0">
+                <a:solidFill>
+                  <a:schemeClr val="accent4">
+                    <a:lumMod val="40000"/>
+                    <a:lumOff val="60000"/>
+                  </a:schemeClr>
+                </a:solidFill>
+              </a:rPr>
+              <a:t>Green – </a:t>
+            </a:r>
+            <a:r>
+              <a:rPr lang="pt-BR" b="1" dirty="0" err="1" smtClean="0">
+                <a:solidFill>
+                  <a:schemeClr val="accent4">
+                    <a:lumMod val="40000"/>
+                    <a:lumOff val="60000"/>
+                  </a:schemeClr>
+                </a:solidFill>
+              </a:rPr>
+              <a:t>high</a:t>
+            </a:r>
+            <a:r>
+              <a:rPr lang="pt-BR" b="1" dirty="0" smtClean="0">
+                <a:solidFill>
+                  <a:schemeClr val="accent4">
+                    <a:lumMod val="40000"/>
+                    <a:lumOff val="60000"/>
+                  </a:schemeClr>
+                </a:solidFill>
+              </a:rPr>
+              <a:t> </a:t>
+            </a:r>
+            <a:r>
+              <a:rPr lang="pt-BR" b="1" dirty="0" err="1" smtClean="0">
+                <a:solidFill>
+                  <a:schemeClr val="accent4">
+                    <a:lumMod val="40000"/>
+                    <a:lumOff val="60000"/>
+                  </a:schemeClr>
+                </a:solidFill>
+              </a:rPr>
+              <a:t>concentration</a:t>
+            </a:r>
+            <a:endParaRPr lang="pt-BR" b="1" dirty="0">
+              <a:solidFill>
+                <a:schemeClr val="accent4">
+                  <a:lumMod val="40000"/>
+                  <a:lumOff val="60000"/>
+                </a:schemeClr>
+              </a:solidFill>
+            </a:endParaRPr>
+          </a:p>
+        </p:txBody>
+      </p:sp>
+      <p:sp>
+        <p:nvSpPr>
+          <p:cNvPr id="7" name="CaixaDeTexto 6"/>
+          <p:cNvSpPr txBox="1"/>
+          <p:nvPr/>
+        </p:nvSpPr>
+        <p:spPr>
+          <a:xfrm>
+            <a:off x="1187624" y="2643758"/>
+            <a:ext cx="2736304" cy="646331"/>
+          </a:xfrm>
+          <a:prstGeom prst="rect">
+            <a:avLst/>
+          </a:prstGeom>
+          <a:noFill/>
+        </p:spPr>
+        <p:txBody>
+          <a:bodyPr wrap="square" rtlCol="0">
+            <a:spAutoFit/>
+          </a:bodyPr>
+          <a:lstStyle/>
+          <a:p>
+            <a:r>
+              <a:rPr lang="pt-BR" b="1" dirty="0" err="1" smtClean="0">
+                <a:solidFill>
+                  <a:schemeClr val="accent6">
+                    <a:lumMod val="60000"/>
+                    <a:lumOff val="40000"/>
+                  </a:schemeClr>
+                </a:solidFill>
+              </a:rPr>
+              <a:t>Blue</a:t>
+            </a:r>
+            <a:r>
+              <a:rPr lang="pt-BR" b="1" dirty="0" smtClean="0">
+                <a:solidFill>
+                  <a:schemeClr val="accent6">
+                    <a:lumMod val="60000"/>
+                    <a:lumOff val="40000"/>
+                  </a:schemeClr>
+                </a:solidFill>
+              </a:rPr>
+              <a:t> – </a:t>
+            </a:r>
+            <a:r>
+              <a:rPr lang="pt-BR" b="1" dirty="0" err="1" smtClean="0">
+                <a:solidFill>
+                  <a:schemeClr val="accent6">
+                    <a:lumMod val="60000"/>
+                    <a:lumOff val="40000"/>
+                  </a:schemeClr>
+                </a:solidFill>
+              </a:rPr>
+              <a:t>low</a:t>
+            </a:r>
+            <a:r>
+              <a:rPr lang="pt-BR" b="1" dirty="0" smtClean="0">
+                <a:solidFill>
+                  <a:schemeClr val="accent6">
+                    <a:lumMod val="60000"/>
+                    <a:lumOff val="40000"/>
+                  </a:schemeClr>
+                </a:solidFill>
+              </a:rPr>
+              <a:t> </a:t>
+            </a:r>
+            <a:r>
+              <a:rPr lang="pt-BR" b="1" dirty="0" err="1" smtClean="0">
+                <a:solidFill>
+                  <a:schemeClr val="accent6">
+                    <a:lumMod val="60000"/>
+                    <a:lumOff val="40000"/>
+                  </a:schemeClr>
+                </a:solidFill>
+              </a:rPr>
+              <a:t>concentration</a:t>
+            </a:r>
+            <a:endParaRPr lang="pt-BR" b="1" dirty="0">
+              <a:solidFill>
+                <a:schemeClr val="accent6">
+                  <a:lumMod val="60000"/>
+                  <a:lumOff val="40000"/>
+                </a:schemeClr>
+              </a:solidFill>
+            </a:endParaRPr>
+          </a:p>
+        </p:txBody>
+      </p:sp>
+      <p:sp>
+        <p:nvSpPr>
+          <p:cNvPr id="8" name="CaixaDeTexto 7"/>
+          <p:cNvSpPr txBox="1"/>
+          <p:nvPr/>
+        </p:nvSpPr>
+        <p:spPr>
+          <a:xfrm>
+            <a:off x="1187624" y="3435846"/>
+            <a:ext cx="2736304" cy="646331"/>
+          </a:xfrm>
+          <a:prstGeom prst="rect">
+            <a:avLst/>
+          </a:prstGeom>
+          <a:noFill/>
+        </p:spPr>
+        <p:txBody>
+          <a:bodyPr wrap="square" rtlCol="0">
+            <a:spAutoFit/>
+          </a:bodyPr>
+          <a:lstStyle/>
+          <a:p>
+            <a:r>
+              <a:rPr lang="pt-BR" b="1" dirty="0" err="1" smtClean="0">
+                <a:solidFill>
+                  <a:srgbClr val="FF0000"/>
+                </a:solidFill>
+              </a:rPr>
+              <a:t>Red</a:t>
+            </a:r>
+            <a:r>
+              <a:rPr lang="pt-BR" b="1" dirty="0" smtClean="0">
+                <a:solidFill>
+                  <a:srgbClr val="FF0000"/>
+                </a:solidFill>
+              </a:rPr>
+              <a:t> – do </a:t>
+            </a:r>
+            <a:r>
+              <a:rPr lang="pt-BR" b="1" dirty="0" err="1" smtClean="0">
+                <a:solidFill>
+                  <a:srgbClr val="FF0000"/>
+                </a:solidFill>
+              </a:rPr>
+              <a:t>not</a:t>
+            </a:r>
+            <a:r>
+              <a:rPr lang="pt-BR" b="1" dirty="0" smtClean="0">
+                <a:solidFill>
+                  <a:srgbClr val="FF0000"/>
+                </a:solidFill>
+              </a:rPr>
+              <a:t> </a:t>
+            </a:r>
+            <a:r>
+              <a:rPr lang="pt-BR" b="1" dirty="0" err="1" smtClean="0">
+                <a:solidFill>
+                  <a:srgbClr val="FF0000"/>
+                </a:solidFill>
+              </a:rPr>
+              <a:t>have</a:t>
+            </a:r>
+            <a:r>
+              <a:rPr lang="pt-BR" b="1" dirty="0" smtClean="0">
+                <a:solidFill>
+                  <a:srgbClr val="FF0000"/>
+                </a:solidFill>
+              </a:rPr>
+              <a:t> </a:t>
+            </a:r>
+            <a:r>
+              <a:rPr lang="pt-BR" b="1" dirty="0" err="1" smtClean="0">
+                <a:solidFill>
+                  <a:srgbClr val="FF0000"/>
+                </a:solidFill>
+              </a:rPr>
+              <a:t>restaurants</a:t>
+            </a:r>
+            <a:endParaRPr lang="pt-BR" b="1" dirty="0">
+              <a:solidFill>
+                <a:srgbClr val="FF0000"/>
+              </a:solidFill>
+            </a:endParaRPr>
+          </a:p>
+        </p:txBody>
+      </p:sp>
+    </p:spTree>
+  </p:cSld>
+  <p:clrMapOvr>
+    <a:masterClrMapping/>
+  </p:clrMapOvr>
+  <p:timing>
+    <p:tnLst>
+      <p:par>
+        <p:cTn id="1" dur="indefinite" restart="never" nodeType="tmRoot"/>
+      </p:par>
+    </p:tnLst>
+  </p:timing>
+</p:sld>
+</file>
+
+<file path=ppt/slides/slide11.xml><?xml version="1.0" encoding="utf-8"?>
+<p:sld xmlns:a="http://schemas.openxmlformats.org/drawingml/2006/main" xmlns:r="http://schemas.openxmlformats.org/officeDocument/2006/relationships" xmlns:p="http://schemas.openxmlformats.org/presentationml/2006/main">
+  <p:cSld>
+    <p:spTree>
+      <p:nvGrpSpPr>
+        <p:cNvPr id="1" name=""/>
+        <p:cNvGrpSpPr/>
+        <p:nvPr/>
+      </p:nvGrpSpPr>
+      <p:grpSpPr>
+        <a:xfrm>
+          <a:off x="0" y="0"/>
+          <a:ext cx="0" cy="0"/>
+          <a:chOff x="0" y="0"/>
+          <a:chExt cx="0" cy="0"/>
+        </a:xfrm>
+      </p:grpSpPr>
+      <p:sp>
+        <p:nvSpPr>
+          <p:cNvPr id="2" name="Título 1"/>
+          <p:cNvSpPr>
+            <a:spLocks noGrp="1"/>
+          </p:cNvSpPr>
+          <p:nvPr>
+            <p:ph type="title"/>
+          </p:nvPr>
+        </p:nvSpPr>
+        <p:spPr/>
+        <p:txBody>
+          <a:bodyPr/>
+          <a:lstStyle/>
+          <a:p>
+            <a:r>
+              <a:rPr lang="pt-BR" dirty="0" err="1" smtClean="0"/>
+              <a:t>Conclusion</a:t>
+            </a:r>
+            <a:endParaRPr lang="pt-BR" dirty="0"/>
+          </a:p>
+        </p:txBody>
+      </p:sp>
+      <p:sp>
+        <p:nvSpPr>
+          <p:cNvPr id="9" name="Espaço Reservado para Conteúdo 8"/>
+          <p:cNvSpPr>
+            <a:spLocks noGrp="1"/>
+          </p:cNvSpPr>
+          <p:nvPr>
+            <p:ph idx="1"/>
+          </p:nvPr>
+        </p:nvSpPr>
+        <p:spPr/>
+        <p:txBody>
+          <a:bodyPr>
+            <a:normAutofit fontScale="92500" lnSpcReduction="10000"/>
+          </a:bodyPr>
+          <a:lstStyle/>
+          <a:p>
+            <a:r>
+              <a:rPr lang="en-US" dirty="0" smtClean="0"/>
+              <a:t>Vegan dining options are concentrated in Toronto downtown;</a:t>
+            </a:r>
+          </a:p>
+          <a:p>
+            <a:r>
+              <a:rPr lang="en-US" dirty="0" smtClean="0"/>
+              <a:t>Identified neighborhoods with few concentrations of restaurants, ideal to establish partnerships to open physical stores;</a:t>
+            </a:r>
+          </a:p>
+          <a:p>
+            <a:r>
+              <a:rPr lang="en-US" dirty="0" smtClean="0"/>
+              <a:t>Most of Toronto's neighborhoods don't have venue classified as a restaurant.</a:t>
+            </a:r>
+            <a:endParaRPr lang="pt-BR" dirty="0"/>
+          </a:p>
+        </p:txBody>
+      </p:sp>
+    </p:spTree>
+  </p:cSld>
+  <p:clrMapOvr>
+    <a:masterClrMapping/>
+  </p:clrMapOvr>
+  <p:timing>
+    <p:tnLst>
+      <p:par>
+        <p:cTn id="1" dur="indefinite" restart="never" nodeType="tmRoot"/>
+      </p:par>
+    </p:tnLst>
+  </p:timing>
+</p:sld>
+</file>
+
+<file path=ppt/slides/slide12.xml><?xml version="1.0" encoding="utf-8"?>
+<p:sld xmlns:a="http://schemas.openxmlformats.org/drawingml/2006/main" xmlns:r="http://schemas.openxmlformats.org/officeDocument/2006/relationships" xmlns:p="http://schemas.openxmlformats.org/presentationml/2006/main">
+  <p:cSld>
+    <p:spTree>
+      <p:nvGrpSpPr>
+        <p:cNvPr id="1" name=""/>
+        <p:cNvGrpSpPr/>
+        <p:nvPr/>
+      </p:nvGrpSpPr>
+      <p:grpSpPr>
+        <a:xfrm>
+          <a:off x="0" y="0"/>
+          <a:ext cx="0" cy="0"/>
+          <a:chOff x="0" y="0"/>
+          <a:chExt cx="0" cy="0"/>
+        </a:xfrm>
+      </p:grpSpPr>
+      <p:sp>
+        <p:nvSpPr>
+          <p:cNvPr id="2" name="Título 1"/>
+          <p:cNvSpPr>
+            <a:spLocks noGrp="1"/>
+          </p:cNvSpPr>
+          <p:nvPr>
+            <p:ph type="ctrTitle"/>
+          </p:nvPr>
+        </p:nvSpPr>
+        <p:spPr/>
+        <p:txBody>
+          <a:bodyPr/>
+          <a:lstStyle/>
+          <a:p>
+            <a:r>
+              <a:rPr lang="pt-BR" dirty="0" err="1" smtClean="0"/>
+              <a:t>The</a:t>
+            </a:r>
+            <a:r>
+              <a:rPr lang="pt-BR" dirty="0" smtClean="0"/>
+              <a:t> </a:t>
+            </a:r>
+            <a:r>
+              <a:rPr lang="pt-BR" dirty="0" err="1" smtClean="0"/>
+              <a:t>Battle</a:t>
+            </a:r>
+            <a:r>
+              <a:rPr lang="pt-BR" dirty="0" smtClean="0"/>
+              <a:t> </a:t>
+            </a:r>
+            <a:r>
+              <a:rPr lang="pt-BR" dirty="0" err="1" smtClean="0"/>
+              <a:t>of</a:t>
+            </a:r>
+            <a:r>
+              <a:rPr lang="pt-BR" dirty="0" smtClean="0"/>
+              <a:t> </a:t>
+            </a:r>
+            <a:r>
+              <a:rPr lang="pt-BR" dirty="0" err="1" smtClean="0"/>
+              <a:t>Neighborhoods</a:t>
+            </a:r>
+            <a:endParaRPr lang="pt-BR" dirty="0"/>
+          </a:p>
+        </p:txBody>
+      </p:sp>
+      <p:sp>
+        <p:nvSpPr>
+          <p:cNvPr id="3" name="Subtítulo 2"/>
+          <p:cNvSpPr>
+            <a:spLocks noGrp="1"/>
+          </p:cNvSpPr>
+          <p:nvPr>
+            <p:ph type="subTitle" idx="1"/>
+          </p:nvPr>
+        </p:nvSpPr>
+        <p:spPr/>
+        <p:txBody>
+          <a:bodyPr/>
+          <a:lstStyle/>
+          <a:p>
+            <a:r>
+              <a:rPr lang="pt-BR" dirty="0" smtClean="0"/>
+              <a:t>Toronto </a:t>
+            </a:r>
+            <a:r>
+              <a:rPr lang="pt-BR" dirty="0" err="1" smtClean="0"/>
+              <a:t>neighborhood</a:t>
+            </a:r>
+            <a:r>
+              <a:rPr lang="pt-BR" dirty="0" smtClean="0"/>
+              <a:t> - </a:t>
+            </a:r>
+            <a:r>
+              <a:rPr lang="pt-BR" dirty="0" err="1" smtClean="0"/>
+              <a:t>Vegan</a:t>
+            </a:r>
+            <a:r>
+              <a:rPr lang="pt-BR" dirty="0" smtClean="0"/>
+              <a:t> </a:t>
+            </a:r>
+            <a:r>
+              <a:rPr lang="pt-BR" dirty="0" err="1" smtClean="0"/>
+              <a:t>restaurants</a:t>
+            </a:r>
+            <a:endParaRPr lang="pt-BR" dirty="0"/>
+          </a:p>
+        </p:txBody>
+      </p:sp>
+      <p:sp>
+        <p:nvSpPr>
+          <p:cNvPr id="4" name="Subtítulo 2"/>
+          <p:cNvSpPr txBox="1">
+            <a:spLocks/>
+          </p:cNvSpPr>
+          <p:nvPr/>
+        </p:nvSpPr>
+        <p:spPr>
+          <a:xfrm>
+            <a:off x="1403648" y="4371950"/>
+            <a:ext cx="5544616" cy="432048"/>
+          </a:xfrm>
+          <a:prstGeom prst="rect">
+            <a:avLst/>
+          </a:prstGeom>
+        </p:spPr>
+        <p:txBody>
+          <a:bodyPr tIns="0">
+            <a:normAutofit/>
+          </a:bodyPr>
+          <a:lstStyle/>
+          <a:p>
+            <a:pPr marL="27432" lvl="0">
+              <a:spcBef>
+                <a:spcPts val="600"/>
+              </a:spcBef>
+              <a:buClr>
+                <a:schemeClr val="accent1"/>
+              </a:buClr>
+              <a:buSzPct val="80000"/>
+            </a:pPr>
+            <a:r>
+              <a:rPr lang="pt-BR" sz="2000" dirty="0" err="1" smtClean="0">
+                <a:solidFill>
+                  <a:schemeClr val="tx2">
+                    <a:shade val="30000"/>
+                    <a:satMod val="150000"/>
+                  </a:schemeClr>
+                </a:solidFill>
+              </a:rPr>
+              <a:t>Author</a:t>
+            </a:r>
+            <a:r>
+              <a:rPr lang="pt-BR" sz="2000" dirty="0" smtClean="0">
+                <a:solidFill>
+                  <a:schemeClr val="tx2">
+                    <a:shade val="30000"/>
+                    <a:satMod val="150000"/>
+                  </a:schemeClr>
+                </a:solidFill>
+              </a:rPr>
+              <a:t>: Hércules </a:t>
+            </a:r>
+            <a:r>
+              <a:rPr lang="pt-BR" sz="2000" dirty="0" err="1" smtClean="0">
+                <a:solidFill>
+                  <a:schemeClr val="tx2">
+                    <a:shade val="30000"/>
+                    <a:satMod val="150000"/>
+                  </a:schemeClr>
+                </a:solidFill>
+              </a:rPr>
+              <a:t>Sant'Ana</a:t>
+            </a:r>
+            <a:r>
+              <a:rPr lang="pt-BR" sz="2000" dirty="0" smtClean="0">
+                <a:solidFill>
+                  <a:schemeClr val="tx2">
+                    <a:shade val="30000"/>
+                    <a:satMod val="150000"/>
+                  </a:schemeClr>
+                </a:solidFill>
+              </a:rPr>
+              <a:t> da Silva José</a:t>
+            </a:r>
+            <a:endParaRPr kumimoji="0" lang="pt-BR" sz="2000" b="0" i="0" u="none" strike="noStrike" kern="1200" cap="none" spc="0" normalizeH="0" baseline="0" noProof="0" dirty="0">
+              <a:ln>
+                <a:noFill/>
+              </a:ln>
+              <a:solidFill>
+                <a:schemeClr val="tx2">
+                  <a:shade val="30000"/>
+                  <a:satMod val="150000"/>
+                </a:schemeClr>
+              </a:solidFill>
+              <a:effectLst/>
+              <a:uLnTx/>
+              <a:uFillTx/>
+              <a:latin typeface="+mn-lt"/>
+              <a:ea typeface="+mn-ea"/>
+              <a:cs typeface="+mn-cs"/>
+            </a:endParaRPr>
+          </a:p>
+        </p:txBody>
+      </p:sp>
+      <p:sp>
+        <p:nvSpPr>
+          <p:cNvPr id="5" name="CaixaDeTexto 4"/>
+          <p:cNvSpPr txBox="1"/>
+          <p:nvPr/>
+        </p:nvSpPr>
+        <p:spPr>
+          <a:xfrm>
+            <a:off x="3779912" y="2643758"/>
+            <a:ext cx="2227661" cy="646331"/>
+          </a:xfrm>
+          <a:prstGeom prst="rect">
+            <a:avLst/>
+          </a:prstGeom>
+          <a:noFill/>
+        </p:spPr>
+        <p:txBody>
+          <a:bodyPr wrap="none" rtlCol="0">
+            <a:spAutoFit/>
+          </a:bodyPr>
+          <a:lstStyle/>
+          <a:p>
+            <a:r>
+              <a:rPr lang="pt-BR" sz="3600" dirty="0" err="1" smtClean="0"/>
+              <a:t>Thank</a:t>
+            </a:r>
+            <a:r>
+              <a:rPr lang="pt-BR" sz="3600" dirty="0" smtClean="0"/>
+              <a:t> </a:t>
+            </a:r>
+            <a:r>
+              <a:rPr lang="pt-BR" sz="3600" dirty="0" err="1" smtClean="0"/>
+              <a:t>You</a:t>
+            </a:r>
+            <a:r>
+              <a:rPr lang="pt-BR" sz="3600" dirty="0" smtClean="0"/>
+              <a:t>!</a:t>
+            </a:r>
+            <a:endParaRPr lang="pt-BR" sz="3600" dirty="0"/>
+          </a:p>
+        </p:txBody>
+      </p:sp>
+    </p:spTree>
+  </p:cSld>
+  <p:clrMapOvr>
+    <a:masterClrMapping/>
+  </p:clrMapOvr>
+</p:sld>
+</file>
+
+<file path=ppt/slides/slide2.xml><?xml version="1.0" encoding="utf-8"?>
+<p:sld xmlns:a="http://schemas.openxmlformats.org/drawingml/2006/main" xmlns:r="http://schemas.openxmlformats.org/officeDocument/2006/relationships" xmlns:p="http://schemas.openxmlformats.org/presentationml/2006/main">
+  <p:cSld>
+    <p:spTree>
+      <p:nvGrpSpPr>
+        <p:cNvPr id="1" name=""/>
+        <p:cNvGrpSpPr/>
+        <p:nvPr/>
+      </p:nvGrpSpPr>
+      <p:grpSpPr>
+        <a:xfrm>
+          <a:off x="0" y="0"/>
+          <a:ext cx="0" cy="0"/>
+          <a:chOff x="0" y="0"/>
+          <a:chExt cx="0" cy="0"/>
+        </a:xfrm>
+      </p:grpSpPr>
+      <p:sp>
+        <p:nvSpPr>
+          <p:cNvPr id="2" name="Título 1"/>
+          <p:cNvSpPr>
+            <a:spLocks noGrp="1"/>
+          </p:cNvSpPr>
+          <p:nvPr>
+            <p:ph type="title"/>
+          </p:nvPr>
+        </p:nvSpPr>
+        <p:spPr/>
+        <p:txBody>
+          <a:bodyPr/>
+          <a:lstStyle/>
+          <a:p>
+            <a:r>
+              <a:rPr lang="pt-BR" dirty="0" err="1" smtClean="0"/>
+              <a:t>Summary</a:t>
+            </a:r>
+            <a:endParaRPr lang="pt-BR" dirty="0"/>
+          </a:p>
+        </p:txBody>
+      </p:sp>
+      <p:sp>
+        <p:nvSpPr>
+          <p:cNvPr id="3" name="Espaço Reservado para Conteúdo 2"/>
+          <p:cNvSpPr>
+            <a:spLocks noGrp="1"/>
+          </p:cNvSpPr>
+          <p:nvPr>
+            <p:ph idx="1"/>
+          </p:nvPr>
+        </p:nvSpPr>
+        <p:spPr/>
+        <p:txBody>
+          <a:bodyPr/>
+          <a:lstStyle/>
+          <a:p>
+            <a:r>
+              <a:rPr lang="en-US" dirty="0" smtClean="0"/>
+              <a:t>Introduction</a:t>
+            </a:r>
+          </a:p>
+          <a:p>
+            <a:r>
+              <a:rPr lang="en-US" dirty="0" smtClean="0"/>
+              <a:t>Data</a:t>
+            </a:r>
+          </a:p>
+          <a:p>
+            <a:r>
+              <a:rPr lang="en-US" dirty="0" smtClean="0"/>
+              <a:t>Methodology</a:t>
+            </a:r>
+          </a:p>
+          <a:p>
+            <a:r>
+              <a:rPr lang="en-US" dirty="0" smtClean="0"/>
+              <a:t>Results</a:t>
+            </a:r>
+          </a:p>
+          <a:p>
+            <a:r>
+              <a:rPr lang="en-US" dirty="0" smtClean="0"/>
+              <a:t>Discussion</a:t>
+            </a:r>
+          </a:p>
+          <a:p>
+            <a:r>
+              <a:rPr lang="en-US" dirty="0" smtClean="0"/>
+              <a:t>Conclusion</a:t>
+            </a:r>
+            <a:endParaRPr lang="en-US" dirty="0" smtClean="0"/>
+          </a:p>
+        </p:txBody>
+      </p:sp>
+    </p:spTree>
+  </p:cSld>
+  <p:clrMapOvr>
+    <a:masterClrMapping/>
+  </p:clrMapOvr>
+</p:sld>
+</file>
+
+<file path=ppt/slides/slide3.xml><?xml version="1.0" encoding="utf-8"?>
+<p:sld xmlns:a="http://schemas.openxmlformats.org/drawingml/2006/main" xmlns:r="http://schemas.openxmlformats.org/officeDocument/2006/relationships" xmlns:p="http://schemas.openxmlformats.org/presentationml/2006/main">
+  <p:cSld>
+    <p:spTree>
+      <p:nvGrpSpPr>
+        <p:cNvPr id="1" name=""/>
+        <p:cNvGrpSpPr/>
+        <p:nvPr/>
+      </p:nvGrpSpPr>
+      <p:grpSpPr>
+        <a:xfrm>
+          <a:off x="0" y="0"/>
+          <a:ext cx="0" cy="0"/>
+          <a:chOff x="0" y="0"/>
+          <a:chExt cx="0" cy="0"/>
+        </a:xfrm>
+      </p:grpSpPr>
+      <p:sp>
+        <p:nvSpPr>
+          <p:cNvPr id="2" name="Título 1"/>
+          <p:cNvSpPr>
+            <a:spLocks noGrp="1"/>
+          </p:cNvSpPr>
+          <p:nvPr>
+            <p:ph type="title"/>
+          </p:nvPr>
+        </p:nvSpPr>
+        <p:spPr/>
+        <p:txBody>
+          <a:bodyPr/>
+          <a:lstStyle/>
+          <a:p>
+            <a:r>
+              <a:rPr lang="pt-BR" dirty="0" err="1" smtClean="0"/>
+              <a:t>Introduction</a:t>
+            </a:r>
+            <a:endParaRPr lang="pt-BR" dirty="0"/>
+          </a:p>
+        </p:txBody>
+      </p:sp>
+      <p:sp>
+        <p:nvSpPr>
+          <p:cNvPr id="3" name="Espaço Reservado para Conteúdo 2"/>
+          <p:cNvSpPr>
+            <a:spLocks noGrp="1"/>
+          </p:cNvSpPr>
+          <p:nvPr>
+            <p:ph idx="1"/>
+          </p:nvPr>
+        </p:nvSpPr>
+        <p:spPr/>
+        <p:txBody>
+          <a:bodyPr>
+            <a:normAutofit fontScale="92500" lnSpcReduction="20000"/>
+          </a:bodyPr>
+          <a:lstStyle/>
+          <a:p>
+            <a:pPr>
+              <a:buNone/>
+            </a:pPr>
+            <a:r>
+              <a:rPr lang="en-US" dirty="0" smtClean="0"/>
+              <a:t>Our motivation</a:t>
+            </a:r>
+          </a:p>
+          <a:p>
+            <a:r>
+              <a:rPr lang="en-US" dirty="0" smtClean="0"/>
+              <a:t>About </a:t>
+            </a:r>
+            <a:r>
+              <a:rPr lang="en-US" dirty="0" smtClean="0"/>
+              <a:t>8% of the world's population is vegan;</a:t>
+            </a:r>
+          </a:p>
+          <a:p>
+            <a:r>
+              <a:rPr lang="en-US" dirty="0" smtClean="0"/>
+              <a:t>Sometimes </a:t>
+            </a:r>
+            <a:r>
+              <a:rPr lang="en-US" dirty="0" smtClean="0"/>
+              <a:t>be difficult to find great vegan restaurants;</a:t>
+            </a:r>
+          </a:p>
+          <a:p>
+            <a:r>
+              <a:rPr lang="en-US" dirty="0" smtClean="0"/>
+              <a:t>Toronto </a:t>
+            </a:r>
+            <a:r>
+              <a:rPr lang="en-US" dirty="0" smtClean="0"/>
+              <a:t>is one of the most ethnic and culturally diverse cities in the world;</a:t>
+            </a:r>
+          </a:p>
+          <a:p>
+            <a:r>
+              <a:rPr lang="en-US" dirty="0" smtClean="0"/>
+              <a:t>Companies </a:t>
+            </a:r>
+            <a:r>
+              <a:rPr lang="en-US" dirty="0" smtClean="0"/>
+              <a:t>specialized in vegan product want to sell our products.</a:t>
+            </a:r>
+            <a:endParaRPr lang="pt-BR" dirty="0"/>
+          </a:p>
+        </p:txBody>
+      </p:sp>
+    </p:spTree>
+  </p:cSld>
+  <p:clrMapOvr>
+    <a:masterClrMapping/>
+  </p:clrMapOvr>
+</p:sld>
+</file>
+
+<file path=ppt/slides/slide4.xml><?xml version="1.0" encoding="utf-8"?>
+<p:sld xmlns:a="http://schemas.openxmlformats.org/drawingml/2006/main" xmlns:r="http://schemas.openxmlformats.org/officeDocument/2006/relationships" xmlns:p="http://schemas.openxmlformats.org/presentationml/2006/main">
+  <p:cSld>
+    <p:spTree>
+      <p:nvGrpSpPr>
+        <p:cNvPr id="1" name=""/>
+        <p:cNvGrpSpPr/>
+        <p:nvPr/>
+      </p:nvGrpSpPr>
+      <p:grpSpPr>
+        <a:xfrm>
+          <a:off x="0" y="0"/>
+          <a:ext cx="0" cy="0"/>
+          <a:chOff x="0" y="0"/>
+          <a:chExt cx="0" cy="0"/>
+        </a:xfrm>
+      </p:grpSpPr>
+      <p:sp>
+        <p:nvSpPr>
+          <p:cNvPr id="2" name="Título 1"/>
+          <p:cNvSpPr>
+            <a:spLocks noGrp="1"/>
+          </p:cNvSpPr>
+          <p:nvPr>
+            <p:ph type="title"/>
+          </p:nvPr>
+        </p:nvSpPr>
+        <p:spPr/>
+        <p:txBody>
+          <a:bodyPr/>
+          <a:lstStyle/>
+          <a:p>
+            <a:r>
+              <a:rPr lang="pt-BR" dirty="0" err="1" smtClean="0"/>
+              <a:t>Introduction</a:t>
+            </a:r>
+            <a:endParaRPr lang="pt-BR" dirty="0"/>
+          </a:p>
+        </p:txBody>
+      </p:sp>
+      <p:sp>
+        <p:nvSpPr>
+          <p:cNvPr id="3" name="Espaço Reservado para Conteúdo 2"/>
+          <p:cNvSpPr>
+            <a:spLocks noGrp="1"/>
+          </p:cNvSpPr>
+          <p:nvPr>
+            <p:ph idx="1"/>
+          </p:nvPr>
+        </p:nvSpPr>
+        <p:spPr/>
+        <p:txBody>
+          <a:bodyPr>
+            <a:normAutofit fontScale="70000" lnSpcReduction="20000"/>
+          </a:bodyPr>
+          <a:lstStyle/>
+          <a:p>
+            <a:pPr>
+              <a:buNone/>
+            </a:pPr>
+            <a:r>
+              <a:rPr lang="en-US" u="sng" dirty="0" smtClean="0"/>
+              <a:t>Business problem</a:t>
+            </a:r>
+          </a:p>
+          <a:p>
+            <a:r>
+              <a:rPr lang="en-US" dirty="0" smtClean="0"/>
+              <a:t>Identify existing vegan restaurants in Toronto, and identify the best neighborhoods where vegan companies can partner with restaurants to promote their products or open new physical stores.</a:t>
+            </a:r>
+          </a:p>
+          <a:p>
+            <a:pPr>
+              <a:buNone/>
+            </a:pPr>
+            <a:endParaRPr lang="en-US" dirty="0" smtClean="0"/>
+          </a:p>
+          <a:p>
+            <a:pPr>
+              <a:buNone/>
+            </a:pPr>
+            <a:r>
+              <a:rPr lang="en-US" u="sng" dirty="0" smtClean="0"/>
+              <a:t>Audience</a:t>
+            </a:r>
+          </a:p>
+          <a:p>
+            <a:r>
+              <a:rPr lang="en-US" dirty="0" smtClean="0"/>
+              <a:t>Vegan audience that comes to Toronto to come to work, study or tourism, and also companies interested in selling and promoting their vegan products.</a:t>
+            </a:r>
+            <a:endParaRPr lang="pt-BR" dirty="0"/>
+          </a:p>
+        </p:txBody>
+      </p:sp>
+    </p:spTree>
+  </p:cSld>
+  <p:clrMapOvr>
+    <a:masterClrMapping/>
+  </p:clrMapOvr>
+</p:sld>
+</file>
+
+<file path=ppt/slides/slide5.xml><?xml version="1.0" encoding="utf-8"?>
+<p:sld xmlns:a="http://schemas.openxmlformats.org/drawingml/2006/main" xmlns:r="http://schemas.openxmlformats.org/officeDocument/2006/relationships" xmlns:p="http://schemas.openxmlformats.org/presentationml/2006/main">
+  <p:cSld>
+    <p:spTree>
+      <p:nvGrpSpPr>
+        <p:cNvPr id="1" name=""/>
+        <p:cNvGrpSpPr/>
+        <p:nvPr/>
+      </p:nvGrpSpPr>
+      <p:grpSpPr>
+        <a:xfrm>
+          <a:off x="0" y="0"/>
+          <a:ext cx="0" cy="0"/>
+          <a:chOff x="0" y="0"/>
+          <a:chExt cx="0" cy="0"/>
+        </a:xfrm>
+      </p:grpSpPr>
+      <p:sp>
+        <p:nvSpPr>
+          <p:cNvPr id="2" name="Título 1"/>
+          <p:cNvSpPr>
+            <a:spLocks noGrp="1"/>
+          </p:cNvSpPr>
+          <p:nvPr>
+            <p:ph type="title"/>
+          </p:nvPr>
+        </p:nvSpPr>
+        <p:spPr/>
+        <p:txBody>
+          <a:bodyPr/>
+          <a:lstStyle/>
+          <a:p>
+            <a:r>
+              <a:rPr lang="pt-BR" dirty="0" smtClean="0"/>
+              <a:t>Data</a:t>
+            </a:r>
+            <a:endParaRPr lang="pt-BR" dirty="0"/>
+          </a:p>
+        </p:txBody>
+      </p:sp>
+      <p:sp>
+        <p:nvSpPr>
+          <p:cNvPr id="3" name="Espaço Reservado para Conteúdo 2"/>
+          <p:cNvSpPr>
+            <a:spLocks noGrp="1"/>
+          </p:cNvSpPr>
+          <p:nvPr>
+            <p:ph idx="1"/>
+          </p:nvPr>
+        </p:nvSpPr>
+        <p:spPr/>
+        <p:txBody>
+          <a:bodyPr>
+            <a:normAutofit fontScale="70000" lnSpcReduction="20000"/>
+          </a:bodyPr>
+          <a:lstStyle/>
+          <a:p>
+            <a:pPr>
+              <a:buNone/>
+            </a:pPr>
+            <a:r>
+              <a:rPr lang="en-US" u="sng" dirty="0" smtClean="0"/>
+              <a:t>Source</a:t>
+            </a:r>
+          </a:p>
+          <a:p>
+            <a:r>
+              <a:rPr lang="en-US" dirty="0" err="1" smtClean="0"/>
+              <a:t>Geografic</a:t>
+            </a:r>
+            <a:r>
+              <a:rPr lang="en-US" dirty="0" smtClean="0"/>
+              <a:t> data from borough and neighborhood of Toronto;</a:t>
+            </a:r>
+          </a:p>
+          <a:p>
+            <a:r>
+              <a:rPr lang="en-US" dirty="0" smtClean="0"/>
+              <a:t>Foursquare API with all venues in Toronto.</a:t>
+            </a:r>
+          </a:p>
+          <a:p>
+            <a:endParaRPr lang="en-US" dirty="0" smtClean="0"/>
+          </a:p>
+          <a:p>
+            <a:pPr>
+              <a:buNone/>
+            </a:pPr>
+            <a:r>
+              <a:rPr lang="en-US" u="sng" dirty="0" smtClean="0"/>
+              <a:t>Preparation</a:t>
+            </a:r>
+          </a:p>
+          <a:p>
+            <a:r>
+              <a:rPr lang="en-US" dirty="0" smtClean="0"/>
+              <a:t>Data cleansing;</a:t>
+            </a:r>
+          </a:p>
+          <a:p>
+            <a:r>
+              <a:rPr lang="en-US" dirty="0" smtClean="0"/>
+              <a:t>Formatting of geographic data;</a:t>
+            </a:r>
+          </a:p>
+          <a:p>
+            <a:r>
+              <a:rPr lang="en-US" dirty="0" smtClean="0"/>
+              <a:t>Verification of data returned from the Foursquare API.</a:t>
+            </a:r>
+            <a:endParaRPr lang="pt-BR" dirty="0"/>
+          </a:p>
+        </p:txBody>
+      </p:sp>
+    </p:spTree>
+  </p:cSld>
+  <p:clrMapOvr>
+    <a:masterClrMapping/>
+  </p:clrMapOvr>
+</p:sld>
+</file>
+
+<file path=ppt/slides/slide6.xml><?xml version="1.0" encoding="utf-8"?>
+<p:sld xmlns:a="http://schemas.openxmlformats.org/drawingml/2006/main" xmlns:r="http://schemas.openxmlformats.org/officeDocument/2006/relationships" xmlns:p="http://schemas.openxmlformats.org/presentationml/2006/main">
+  <p:cSld>
+    <p:spTree>
+      <p:nvGrpSpPr>
+        <p:cNvPr id="1" name=""/>
+        <p:cNvGrpSpPr/>
+        <p:nvPr/>
+      </p:nvGrpSpPr>
+      <p:grpSpPr>
+        <a:xfrm>
+          <a:off x="0" y="0"/>
+          <a:ext cx="0" cy="0"/>
+          <a:chOff x="0" y="0"/>
+          <a:chExt cx="0" cy="0"/>
+        </a:xfrm>
+      </p:grpSpPr>
+      <p:sp>
+        <p:nvSpPr>
+          <p:cNvPr id="2" name="Título 1"/>
+          <p:cNvSpPr>
+            <a:spLocks noGrp="1"/>
+          </p:cNvSpPr>
+          <p:nvPr>
+            <p:ph type="title"/>
+          </p:nvPr>
+        </p:nvSpPr>
+        <p:spPr/>
+        <p:txBody>
+          <a:bodyPr/>
+          <a:lstStyle/>
+          <a:p>
+            <a:r>
+              <a:rPr lang="pt-BR" dirty="0" err="1" smtClean="0"/>
+              <a:t>Methodology</a:t>
+            </a:r>
+            <a:endParaRPr lang="pt-BR" dirty="0"/>
+          </a:p>
+        </p:txBody>
+      </p:sp>
+      <p:sp>
+        <p:nvSpPr>
+          <p:cNvPr id="3" name="Espaço Reservado para Conteúdo 2"/>
+          <p:cNvSpPr>
+            <a:spLocks noGrp="1"/>
+          </p:cNvSpPr>
+          <p:nvPr>
+            <p:ph idx="1"/>
+          </p:nvPr>
+        </p:nvSpPr>
+        <p:spPr/>
+        <p:txBody>
+          <a:bodyPr>
+            <a:normAutofit fontScale="92500"/>
+          </a:bodyPr>
+          <a:lstStyle/>
+          <a:p>
+            <a:r>
+              <a:rPr lang="en-US" dirty="0" smtClean="0"/>
+              <a:t>Search a specific category for vegan restaurants;</a:t>
+            </a:r>
+          </a:p>
+          <a:p>
+            <a:r>
+              <a:rPr lang="en-US" dirty="0" smtClean="0"/>
+              <a:t>Compare the amount of vegan restaurants with other types of restaurants;</a:t>
+            </a:r>
+          </a:p>
+          <a:p>
+            <a:r>
+              <a:rPr lang="en-US" dirty="0" smtClean="0"/>
+              <a:t>Determine best </a:t>
+            </a:r>
+            <a:r>
+              <a:rPr lang="en-US" dirty="0" err="1" smtClean="0"/>
+              <a:t>neighboorhoods</a:t>
+            </a:r>
+            <a:r>
+              <a:rPr lang="en-US" dirty="0" smtClean="0"/>
+              <a:t> are promising for </a:t>
+            </a:r>
+            <a:r>
+              <a:rPr lang="en-US" dirty="0" err="1" smtClean="0"/>
+              <a:t>for</a:t>
+            </a:r>
+            <a:r>
+              <a:rPr lang="en-US" dirty="0" smtClean="0"/>
+              <a:t> companies to partner with local restaurants.</a:t>
+            </a:r>
+            <a:endParaRPr lang="pt-BR" dirty="0"/>
+          </a:p>
+        </p:txBody>
+      </p:sp>
+    </p:spTree>
+  </p:cSld>
+  <p:clrMapOvr>
+    <a:masterClrMapping/>
+  </p:clrMapOvr>
+</p:sld>
+</file>
+
+<file path=ppt/slides/slide7.xml><?xml version="1.0" encoding="utf-8"?>
+<p:sld xmlns:a="http://schemas.openxmlformats.org/drawingml/2006/main" xmlns:r="http://schemas.openxmlformats.org/officeDocument/2006/relationships" xmlns:p="http://schemas.openxmlformats.org/presentationml/2006/main">
+  <p:cSld>
+    <p:spTree>
+      <p:nvGrpSpPr>
+        <p:cNvPr id="1" name=""/>
+        <p:cNvGrpSpPr/>
+        <p:nvPr/>
+      </p:nvGrpSpPr>
+      <p:grpSpPr>
+        <a:xfrm>
+          <a:off x="0" y="0"/>
+          <a:ext cx="0" cy="0"/>
+          <a:chOff x="0" y="0"/>
+          <a:chExt cx="0" cy="0"/>
+        </a:xfrm>
+      </p:grpSpPr>
+      <p:sp>
+        <p:nvSpPr>
+          <p:cNvPr id="2" name="Título 1"/>
+          <p:cNvSpPr>
+            <a:spLocks noGrp="1"/>
+          </p:cNvSpPr>
+          <p:nvPr>
+            <p:ph type="title"/>
+          </p:nvPr>
+        </p:nvSpPr>
+        <p:spPr/>
+        <p:txBody>
+          <a:bodyPr/>
+          <a:lstStyle/>
+          <a:p>
+            <a:r>
+              <a:rPr lang="pt-BR" dirty="0" err="1" smtClean="0"/>
+              <a:t>Results</a:t>
+            </a:r>
+            <a:endParaRPr lang="pt-BR" dirty="0"/>
+          </a:p>
+        </p:txBody>
+      </p:sp>
+      <p:sp>
+        <p:nvSpPr>
+          <p:cNvPr id="3" name="Espaço Reservado para Conteúdo 2"/>
+          <p:cNvSpPr>
+            <a:spLocks noGrp="1"/>
+          </p:cNvSpPr>
+          <p:nvPr>
+            <p:ph idx="1"/>
+          </p:nvPr>
+        </p:nvSpPr>
+        <p:spPr/>
+        <p:txBody>
+          <a:bodyPr>
+            <a:normAutofit fontScale="92500"/>
+          </a:bodyPr>
+          <a:lstStyle/>
+          <a:p>
+            <a:r>
+              <a:rPr lang="en-US" dirty="0" smtClean="0"/>
+              <a:t>Found the "Vegetarian / Vegan Restaurant";</a:t>
+            </a:r>
+          </a:p>
+          <a:p>
+            <a:r>
+              <a:rPr lang="en-US" dirty="0" smtClean="0"/>
+              <a:t>Found only 18 venues using Foursquare API;</a:t>
+            </a:r>
+          </a:p>
+          <a:p>
+            <a:r>
+              <a:rPr lang="en-US" dirty="0" smtClean="0"/>
+              <a:t>Found 47 different categories for restaurant;</a:t>
+            </a:r>
+          </a:p>
+          <a:p>
+            <a:r>
+              <a:rPr lang="en-US" dirty="0" smtClean="0"/>
+              <a:t>Created a clustered dataset for neighborhoods using K-Means technique.</a:t>
+            </a:r>
+            <a:endParaRPr lang="pt-BR" dirty="0"/>
+          </a:p>
+        </p:txBody>
+      </p:sp>
+    </p:spTree>
+  </p:cSld>
+  <p:clrMapOvr>
+    <a:masterClrMapping/>
+  </p:clrMapOvr>
+</p:sld>
+</file>
+
+<file path=ppt/slides/slide8.xml><?xml version="1.0" encoding="utf-8"?>
+<p:sld xmlns:a="http://schemas.openxmlformats.org/drawingml/2006/main" xmlns:r="http://schemas.openxmlformats.org/officeDocument/2006/relationships" xmlns:p="http://schemas.openxmlformats.org/presentationml/2006/main">
+  <p:cSld>
+    <p:spTree>
+      <p:nvGrpSpPr>
+        <p:cNvPr id="1" name=""/>
+        <p:cNvGrpSpPr/>
+        <p:nvPr/>
+      </p:nvGrpSpPr>
+      <p:grpSpPr>
+        <a:xfrm>
+          <a:off x="0" y="0"/>
+          <a:ext cx="0" cy="0"/>
+          <a:chOff x="0" y="0"/>
+          <a:chExt cx="0" cy="0"/>
+        </a:xfrm>
+      </p:grpSpPr>
+      <p:sp>
+        <p:nvSpPr>
+          <p:cNvPr id="2" name="Título 1"/>
+          <p:cNvSpPr>
+            <a:spLocks noGrp="1"/>
+          </p:cNvSpPr>
+          <p:nvPr>
+            <p:ph type="title"/>
+          </p:nvPr>
+        </p:nvSpPr>
+        <p:spPr/>
+        <p:txBody>
+          <a:bodyPr/>
+          <a:lstStyle/>
+          <a:p>
+            <a:r>
+              <a:rPr lang="pt-BR" dirty="0" err="1" smtClean="0"/>
+              <a:t>Discussion</a:t>
+            </a:r>
+            <a:endParaRPr lang="pt-BR" dirty="0"/>
+          </a:p>
+        </p:txBody>
+      </p:sp>
+      <p:sp>
+        <p:nvSpPr>
+          <p:cNvPr id="3" name="Espaço Reservado para Conteúdo 2"/>
+          <p:cNvSpPr>
+            <a:spLocks noGrp="1"/>
+          </p:cNvSpPr>
+          <p:nvPr>
+            <p:ph idx="1"/>
+          </p:nvPr>
+        </p:nvSpPr>
+        <p:spPr/>
+        <p:txBody>
+          <a:bodyPr>
+            <a:normAutofit/>
+          </a:bodyPr>
+          <a:lstStyle/>
+          <a:p>
+            <a:r>
+              <a:rPr lang="en-US" sz="2800" dirty="0" smtClean="0"/>
+              <a:t>Small number of vegan restaurants compared to the other types found in the Foursquare </a:t>
+            </a:r>
+            <a:r>
+              <a:rPr lang="en-US" sz="2800" dirty="0" smtClean="0"/>
+              <a:t>API;</a:t>
+            </a:r>
+            <a:endParaRPr lang="en-US" sz="2800" dirty="0" smtClean="0"/>
+          </a:p>
+        </p:txBody>
+      </p:sp>
+      <p:pic>
+        <p:nvPicPr>
+          <p:cNvPr id="4" name="Imagem 3" descr="Fig06.jpg"/>
+          <p:cNvPicPr>
+            <a:picLocks noChangeAspect="1"/>
+          </p:cNvPicPr>
+          <p:nvPr/>
+        </p:nvPicPr>
+        <p:blipFill>
+          <a:blip r:embed="rId2" cstate="print"/>
+          <a:stretch>
+            <a:fillRect/>
+          </a:stretch>
+        </p:blipFill>
+        <p:spPr>
+          <a:xfrm>
+            <a:off x="3043060" y="2067694"/>
+            <a:ext cx="6100940" cy="3075806"/>
+          </a:xfrm>
+          <a:prstGeom prst="rect">
+            <a:avLst/>
+          </a:prstGeom>
+        </p:spPr>
+      </p:pic>
+      <p:sp>
+        <p:nvSpPr>
+          <p:cNvPr id="5" name="CaixaDeTexto 4"/>
+          <p:cNvSpPr txBox="1"/>
+          <p:nvPr/>
+        </p:nvSpPr>
+        <p:spPr>
+          <a:xfrm>
+            <a:off x="1043608" y="2499742"/>
+            <a:ext cx="1944216" cy="646331"/>
+          </a:xfrm>
+          <a:prstGeom prst="rect">
+            <a:avLst/>
+          </a:prstGeom>
+          <a:noFill/>
+        </p:spPr>
+        <p:txBody>
+          <a:bodyPr wrap="square" rtlCol="0">
+            <a:spAutoFit/>
+          </a:bodyPr>
+          <a:lstStyle/>
+          <a:p>
+            <a:r>
+              <a:rPr lang="pt-BR" b="1" dirty="0" smtClean="0">
+                <a:solidFill>
+                  <a:srgbClr val="00B050"/>
+                </a:solidFill>
+              </a:rPr>
+              <a:t>Green – </a:t>
+            </a:r>
+            <a:r>
+              <a:rPr lang="pt-BR" b="1" dirty="0" err="1" smtClean="0">
+                <a:solidFill>
+                  <a:srgbClr val="00B050"/>
+                </a:solidFill>
+              </a:rPr>
+              <a:t>Vegan</a:t>
+            </a:r>
+            <a:r>
+              <a:rPr lang="pt-BR" b="1" dirty="0" smtClean="0">
+                <a:solidFill>
+                  <a:srgbClr val="00B050"/>
+                </a:solidFill>
+              </a:rPr>
+              <a:t> </a:t>
+            </a:r>
+            <a:r>
+              <a:rPr lang="pt-BR" b="1" dirty="0" err="1" smtClean="0">
+                <a:solidFill>
+                  <a:srgbClr val="00B050"/>
+                </a:solidFill>
+              </a:rPr>
+              <a:t>restaurants</a:t>
+            </a:r>
+            <a:r>
+              <a:rPr lang="pt-BR" b="1" dirty="0" smtClean="0">
+                <a:solidFill>
+                  <a:srgbClr val="00B050"/>
+                </a:solidFill>
+              </a:rPr>
+              <a:t>.</a:t>
+            </a:r>
+            <a:endParaRPr lang="pt-BR" b="1" dirty="0">
+              <a:solidFill>
+                <a:srgbClr val="00B050"/>
+              </a:solidFill>
+            </a:endParaRPr>
+          </a:p>
+        </p:txBody>
+      </p:sp>
+      <p:sp>
+        <p:nvSpPr>
+          <p:cNvPr id="6" name="CaixaDeTexto 5"/>
+          <p:cNvSpPr txBox="1"/>
+          <p:nvPr/>
+        </p:nvSpPr>
+        <p:spPr>
+          <a:xfrm>
+            <a:off x="1043608" y="3219822"/>
+            <a:ext cx="2016224" cy="923330"/>
+          </a:xfrm>
+          <a:prstGeom prst="rect">
+            <a:avLst/>
+          </a:prstGeom>
+          <a:noFill/>
+        </p:spPr>
+        <p:txBody>
+          <a:bodyPr wrap="square" rtlCol="0">
+            <a:spAutoFit/>
+          </a:bodyPr>
+          <a:lstStyle/>
+          <a:p>
+            <a:r>
+              <a:rPr lang="pt-BR" b="1" dirty="0" err="1" smtClean="0">
+                <a:solidFill>
+                  <a:srgbClr val="FF0000"/>
+                </a:solidFill>
+              </a:rPr>
+              <a:t>Red</a:t>
+            </a:r>
+            <a:r>
+              <a:rPr lang="pt-BR" b="1" dirty="0" smtClean="0">
+                <a:solidFill>
+                  <a:srgbClr val="FF0000"/>
+                </a:solidFill>
+              </a:rPr>
+              <a:t> – </a:t>
+            </a:r>
+            <a:r>
+              <a:rPr lang="pt-BR" b="1" dirty="0" err="1" smtClean="0">
+                <a:solidFill>
+                  <a:srgbClr val="FF0000"/>
+                </a:solidFill>
+              </a:rPr>
+              <a:t>Other</a:t>
+            </a:r>
+            <a:r>
+              <a:rPr lang="pt-BR" b="1" dirty="0" smtClean="0">
+                <a:solidFill>
+                  <a:srgbClr val="FF0000"/>
+                </a:solidFill>
+              </a:rPr>
+              <a:t> </a:t>
+            </a:r>
+            <a:r>
+              <a:rPr lang="pt-BR" b="1" dirty="0" err="1" smtClean="0">
+                <a:solidFill>
+                  <a:srgbClr val="FF0000"/>
+                </a:solidFill>
+              </a:rPr>
+              <a:t>types</a:t>
+            </a:r>
+            <a:r>
+              <a:rPr lang="pt-BR" b="1" dirty="0" smtClean="0">
+                <a:solidFill>
+                  <a:srgbClr val="FF0000"/>
+                </a:solidFill>
+              </a:rPr>
+              <a:t> </a:t>
+            </a:r>
+            <a:r>
+              <a:rPr lang="pt-BR" b="1" dirty="0" err="1" smtClean="0">
+                <a:solidFill>
+                  <a:srgbClr val="FF0000"/>
+                </a:solidFill>
+              </a:rPr>
+              <a:t>of</a:t>
+            </a:r>
+            <a:r>
+              <a:rPr lang="pt-BR" b="1" dirty="0" smtClean="0">
+                <a:solidFill>
+                  <a:srgbClr val="FF0000"/>
+                </a:solidFill>
+              </a:rPr>
+              <a:t> </a:t>
+            </a:r>
+            <a:r>
+              <a:rPr lang="pt-BR" b="1" dirty="0" err="1" smtClean="0">
+                <a:solidFill>
+                  <a:srgbClr val="FF0000"/>
+                </a:solidFill>
+              </a:rPr>
+              <a:t>restaurants</a:t>
+            </a:r>
+            <a:r>
+              <a:rPr lang="pt-BR" b="1" dirty="0" smtClean="0">
+                <a:solidFill>
+                  <a:srgbClr val="FF0000"/>
+                </a:solidFill>
+              </a:rPr>
+              <a:t>.</a:t>
+            </a:r>
+            <a:endParaRPr lang="pt-BR" b="1" dirty="0">
+              <a:solidFill>
+                <a:srgbClr val="FF0000"/>
+              </a:solidFill>
+            </a:endParaRPr>
+          </a:p>
+        </p:txBody>
+      </p:sp>
+    </p:spTree>
+  </p:cSld>
+  <p:clrMapOvr>
+    <a:masterClrMapping/>
+  </p:clrMapOvr>
+  <p:timing>
+    <p:tnLst>
+      <p:par>
+        <p:cTn id="1" dur="indefinite" restart="never" nodeType="tmRoot"/>
+      </p:par>
+    </p:tnLst>
+  </p:timing>
+</p:sld>
+</file>
+
+<file path=ppt/slides/slide9.xml><?xml version="1.0" encoding="utf-8"?>
+<p:sld xmlns:a="http://schemas.openxmlformats.org/drawingml/2006/main" xmlns:r="http://schemas.openxmlformats.org/officeDocument/2006/relationships" xmlns:p="http://schemas.openxmlformats.org/presentationml/2006/main">
+  <p:cSld>
+    <p:spTree>
+      <p:nvGrpSpPr>
+        <p:cNvPr id="1" name=""/>
+        <p:cNvGrpSpPr/>
+        <p:nvPr/>
+      </p:nvGrpSpPr>
+      <p:grpSpPr>
+        <a:xfrm>
+          <a:off x="0" y="0"/>
+          <a:ext cx="0" cy="0"/>
+          <a:chOff x="0" y="0"/>
+          <a:chExt cx="0" cy="0"/>
+        </a:xfrm>
+      </p:grpSpPr>
+      <p:sp>
+        <p:nvSpPr>
+          <p:cNvPr id="2" name="Título 1"/>
+          <p:cNvSpPr>
+            <a:spLocks noGrp="1"/>
+          </p:cNvSpPr>
+          <p:nvPr>
+            <p:ph type="title"/>
+          </p:nvPr>
+        </p:nvSpPr>
+        <p:spPr/>
+        <p:txBody>
+          <a:bodyPr/>
+          <a:lstStyle/>
+          <a:p>
+            <a:r>
+              <a:rPr lang="pt-BR" dirty="0" err="1" smtClean="0"/>
+              <a:t>Discussion</a:t>
+            </a:r>
+            <a:endParaRPr lang="pt-BR" dirty="0"/>
+          </a:p>
+        </p:txBody>
+      </p:sp>
+      <p:sp>
+        <p:nvSpPr>
+          <p:cNvPr id="3" name="Espaço Reservado para Conteúdo 2"/>
+          <p:cNvSpPr>
+            <a:spLocks noGrp="1"/>
+          </p:cNvSpPr>
+          <p:nvPr>
+            <p:ph idx="1"/>
+          </p:nvPr>
+        </p:nvSpPr>
+        <p:spPr/>
+        <p:txBody>
+          <a:bodyPr>
+            <a:normAutofit/>
+          </a:bodyPr>
+          <a:lstStyle/>
+          <a:p>
+            <a:pPr>
+              <a:buNone/>
+            </a:pPr>
+            <a:r>
+              <a:rPr lang="en-US" sz="2800" dirty="0" err="1" smtClean="0"/>
+              <a:t>Neighborhoo</a:t>
+            </a:r>
+            <a:r>
+              <a:rPr lang="en-US" sz="2800" dirty="0" smtClean="0"/>
+              <a:t> </a:t>
+            </a:r>
+            <a:r>
+              <a:rPr lang="en-US" sz="2800" dirty="0" err="1" smtClean="0"/>
+              <a:t>clusterization</a:t>
+            </a:r>
+            <a:r>
+              <a:rPr lang="en-US" sz="2800" dirty="0" smtClean="0"/>
+              <a:t> pointed </a:t>
+            </a:r>
+            <a:r>
+              <a:rPr lang="en-US" sz="2800" dirty="0" smtClean="0"/>
+              <a:t>out the following:</a:t>
+            </a:r>
+          </a:p>
+          <a:p>
+            <a:r>
+              <a:rPr lang="en-US" sz="2800" dirty="0" smtClean="0"/>
+              <a:t>High </a:t>
+            </a:r>
+            <a:r>
+              <a:rPr lang="en-US" sz="2800" dirty="0" smtClean="0"/>
+              <a:t>concentration of restaurants in the city center;</a:t>
+            </a:r>
+          </a:p>
+          <a:p>
+            <a:r>
+              <a:rPr lang="en-US" sz="2800" dirty="0" smtClean="0"/>
+              <a:t>Specific </a:t>
+            </a:r>
+            <a:r>
+              <a:rPr lang="en-US" sz="2800" dirty="0" smtClean="0"/>
+              <a:t>neighborhoods without much concentration of restaurants;</a:t>
+            </a:r>
+          </a:p>
+          <a:p>
+            <a:r>
+              <a:rPr lang="en-US" sz="2800" dirty="0" smtClean="0"/>
+              <a:t>Lots </a:t>
+            </a:r>
+            <a:r>
+              <a:rPr lang="en-US" sz="2800" dirty="0" smtClean="0"/>
+              <a:t>of neighborhoods without restaurants.</a:t>
+            </a:r>
+          </a:p>
+        </p:txBody>
+      </p:sp>
+    </p:spTree>
+  </p:cSld>
+  <p:clrMapOvr>
+    <a:masterClrMapping/>
+  </p:clrMapOvr>
+  <p:timing>
+    <p:tnLst>
+      <p:par>
+        <p:cTn id="1" dur="indefinite" restart="never" nodeType="tmRoot"/>
+      </p:par>
+    </p:tnLst>
+  </p:timing>
+</p:sld>
+</file>
+
 <file path=ppt/theme/theme1.xml><?xml version="1.0" encoding="utf-8"?>
-<a:theme xmlns:a="http://schemas.openxmlformats.org/drawingml/2006/main" name="Tema do Office">
+<a:theme xmlns:a="http://schemas.openxmlformats.org/drawingml/2006/main" name="Solstício">
   <a:themeElements>
-    <a:clrScheme name="Escritório">
+    <a:clrScheme name="Solstício">
       <a:dk1>
         <a:sysClr val="windowText" lastClr="000000"/>
       </a:dk1>
@@ -3092,80 +6106,48 @@
         <a:sysClr val="window" lastClr="FFFFFF"/>
       </a:lt1>
       <a:dk2>
-        <a:srgbClr val="1F497D"/>
+        <a:srgbClr val="4F271C"/>
       </a:dk2>
       <a:lt2>
-        <a:srgbClr val="EEECE1"/>
+        <a:srgbClr val="E7DEC9"/>
       </a:lt2>
       <a:accent1>
-        <a:srgbClr val="4F81BD"/>
+        <a:srgbClr val="3891A7"/>
       </a:accent1>
       <a:accent2>
-        <a:srgbClr val="C0504D"/>
+        <a:srgbClr val="FEB80A"/>
       </a:accent2>
       <a:accent3>
-        <a:srgbClr val="9BBB59"/>
+        <a:srgbClr val="C32D2E"/>
       </a:accent3>
       <a:accent4>
-        <a:srgbClr val="8064A2"/>
+        <a:srgbClr val="84AA33"/>
       </a:accent4>
       <a:accent5>
-        <a:srgbClr val="4BACC6"/>
+        <a:srgbClr val="964305"/>
       </a:accent5>
       <a:accent6>
-        <a:srgbClr val="F79646"/>
+        <a:srgbClr val="475A8D"/>
       </a:accent6>
       <a:hlink>
-        <a:srgbClr val="0000FF"/>
+        <a:srgbClr val="8DC765"/>
       </a:hlink>
       <a:folHlink>
-        <a:srgbClr val="800080"/>
+        <a:srgbClr val="AA8A14"/>
       </a:folHlink>
     </a:clrScheme>
-    <a:fontScheme name="Escritório">
+    <a:fontScheme name="Solstício">
       <a:majorFont>
-        <a:latin typeface="Calibri"/>
+        <a:latin typeface="Gill Sans MT"/>
         <a:ea typeface=""/>
         <a:cs typeface=""/>
-        <a:font script="Jpan" typeface="ＭＳ Ｐゴシック"/>
-        <a:font script="Hang" typeface="맑은 고딕"/>
-        <a:font script="Hans" typeface="宋体"/>
-        <a:font script="Hant" typeface="新細明體"/>
-        <a:font script="Arab" typeface="Times New Roman"/>
-        <a:font script="Hebr" typeface="Times New Roman"/>
-        <a:font script="Thai" typeface="Angsana New"/>
-        <a:font script="Ethi" typeface="Nyala"/>
-        <a:font script="Beng" typeface="Vrinda"/>
-        <a:font script="Gujr" typeface="Shruti"/>
-        <a:font script="Khmr" typeface="MoolBoran"/>
-        <a:font script="Knda" typeface="Tunga"/>
-        <a:font script="Guru" typeface="Raavi"/>
-        <a:font script="Cans" typeface="Euphemia"/>
-        <a:font script="Cher" typeface="Plantagenet Cherokee"/>
-        <a:font script="Yiii" typeface="Microsoft Yi Baiti"/>
-        <a:font script="Tibt" typeface="Microsoft Himalaya"/>
-        <a:font script="Thaa" typeface="MV Boli"/>
-        <a:font script="Deva" typeface="Mangal"/>
-        <a:font script="Telu" typeface="Gautami"/>
-        <a:font script="Taml" typeface="Latha"/>
-        <a:font script="Syrc" typeface="Estrangelo Edessa"/>
-        <a:font script="Orya" typeface="Kalinga"/>
-        <a:font script="Mlym" typeface="Kartika"/>
-        <a:font script="Laoo" typeface="DokChampa"/>
-        <a:font script="Sinh" typeface="Iskoola Pota"/>
-        <a:font script="Mong" typeface="Mongolian Baiti"/>
-        <a:font script="Viet" typeface="Times New Roman"/>
-        <a:font script="Uigh" typeface="Microsoft Uighur"/>
-      </a:majorFont>
-      <a:minorFont>
-        <a:latin typeface="Calibri"/>
-        <a:ea typeface=""/>
-        <a:cs typeface=""/>
-        <a:font script="Jpan" typeface="ＭＳ Ｐゴシック"/>
-        <a:font script="Hang" typeface="맑은 고딕"/>
-        <a:font script="Hans" typeface="宋体"/>
-        <a:font script="Hant" typeface="新細明體"/>
-        <a:font script="Arab" typeface="Arial"/>
+        <a:font script="Grek" typeface="Corbel"/>
+        <a:font script="Cyrl" typeface="Corbel"/>
+        <a:font script="Jpan" typeface="HGｺﾞｼｯｸE"/>
+        <a:font script="Hang" typeface="휴먼매직체"/>
+        <a:font script="Hans" typeface="华文中宋"/>
+        <a:font script="Hant" typeface="微軟正黑體"/>
+        <a:font script="Arab" typeface="Majalla UI"/>
         <a:font script="Hebr" typeface="Arial"/>
         <a:font script="Thai" typeface="Cordia New"/>
         <a:font script="Ethi" typeface="Nyala"/>
@@ -3188,11 +6170,47 @@
         <a:font script="Laoo" typeface="DokChampa"/>
         <a:font script="Sinh" typeface="Iskoola Pota"/>
         <a:font script="Mong" typeface="Mongolian Baiti"/>
-        <a:font script="Viet" typeface="Arial"/>
+        <a:font script="Viet" typeface="Tahoma"/>
+        <a:font script="Uigh" typeface="Microsoft Uighur"/>
+      </a:majorFont>
+      <a:minorFont>
+        <a:latin typeface="Gill Sans MT"/>
+        <a:ea typeface=""/>
+        <a:cs typeface=""/>
+        <a:font script="Grek" typeface="Corbel"/>
+        <a:font script="Cyrl" typeface="Corbel"/>
+        <a:font script="Jpan" typeface="HGｺﾞｼｯｸE"/>
+        <a:font script="Hang" typeface="HY엽서L"/>
+        <a:font script="Hans" typeface="华文中宋"/>
+        <a:font script="Hant" typeface="微軟正黑體"/>
+        <a:font script="Arab" typeface="Majalla UI"/>
+        <a:font script="Hebr" typeface="Arial"/>
+        <a:font script="Thai" typeface="Cordia New"/>
+        <a:font script="Ethi" typeface="Nyala"/>
+        <a:font script="Beng" typeface="Vrinda"/>
+        <a:font script="Gujr" typeface="Shruti"/>
+        <a:font script="Khmr" typeface="DaunPenh"/>
+        <a:font script="Knda" typeface="Tunga"/>
+        <a:font script="Guru" typeface="Raavi"/>
+        <a:font script="Cans" typeface="Euphemia"/>
+        <a:font script="Cher" typeface="Plantagenet Cherokee"/>
+        <a:font script="Yiii" typeface="Microsoft Yi Baiti"/>
+        <a:font script="Tibt" typeface="Microsoft Himalaya"/>
+        <a:font script="Thaa" typeface="MV Boli"/>
+        <a:font script="Deva" typeface="Mangal"/>
+        <a:font script="Telu" typeface="Gautami"/>
+        <a:font script="Taml" typeface="Latha"/>
+        <a:font script="Syrc" typeface="Estrangelo Edessa"/>
+        <a:font script="Orya" typeface="Kalinga"/>
+        <a:font script="Mlym" typeface="Kartika"/>
+        <a:font script="Laoo" typeface="DokChampa"/>
+        <a:font script="Sinh" typeface="Iskoola Pota"/>
+        <a:font script="Mong" typeface="Mongolian Baiti"/>
+        <a:font script="Viet" typeface="Tahoma"/>
         <a:font script="Uigh" typeface="Microsoft Uighur"/>
       </a:minorFont>
     </a:fontScheme>
-    <a:fmtScheme name="Escritório">
+    <a:fmtScheme name="Solstício">
       <a:fillStyleLst>
         <a:solidFill>
           <a:schemeClr val="phClr"/>
@@ -3201,56 +6219,78 @@
           <a:gsLst>
             <a:gs pos="0">
               <a:schemeClr val="phClr">
-                <a:tint val="50000"/>
-                <a:satMod val="300000"/>
+                <a:tint val="35000"/>
+                <a:satMod val="253000"/>
               </a:schemeClr>
             </a:gs>
-            <a:gs pos="35000">
+            <a:gs pos="50000">
               <a:schemeClr val="phClr">
-                <a:tint val="37000"/>
-                <a:satMod val="300000"/>
+                <a:tint val="42000"/>
+                <a:satMod val="255000"/>
+              </a:schemeClr>
+            </a:gs>
+            <a:gs pos="97000">
+              <a:schemeClr val="phClr">
+                <a:tint val="53000"/>
+                <a:satMod val="260000"/>
               </a:schemeClr>
             </a:gs>
             <a:gs pos="100000">
               <a:schemeClr val="phClr">
-                <a:tint val="15000"/>
-                <a:satMod val="350000"/>
+                <a:tint val="56000"/>
+                <a:satMod val="275000"/>
               </a:schemeClr>
             </a:gs>
           </a:gsLst>
-          <a:lin ang="16200000" scaled="1"/>
+          <a:path path="circle">
+            <a:fillToRect l="50000" t="50000" r="50000" b="50000"/>
+          </a:path>
         </a:gradFill>
         <a:gradFill rotWithShape="1">
           <a:gsLst>
             <a:gs pos="0">
               <a:schemeClr val="phClr">
-                <a:shade val="51000"/>
-                <a:satMod val="130000"/>
+                <a:tint val="92000"/>
+                <a:satMod val="170000"/>
               </a:schemeClr>
             </a:gs>
-            <a:gs pos="80000">
+            <a:gs pos="15000">
               <a:schemeClr val="phClr">
-                <a:shade val="93000"/>
-                <a:satMod val="130000"/>
+                <a:tint val="92000"/>
+                <a:shade val="99000"/>
+                <a:satMod val="170000"/>
+              </a:schemeClr>
+            </a:gs>
+            <a:gs pos="62000">
+              <a:schemeClr val="phClr">
+                <a:tint val="96000"/>
+                <a:shade val="80000"/>
+                <a:satMod val="170000"/>
+              </a:schemeClr>
+            </a:gs>
+            <a:gs pos="97000">
+              <a:schemeClr val="phClr">
+                <a:tint val="98000"/>
+                <a:shade val="63000"/>
+                <a:satMod val="170000"/>
               </a:schemeClr>
             </a:gs>
             <a:gs pos="100000">
               <a:schemeClr val="phClr">
-                <a:shade val="94000"/>
-                <a:satMod val="135000"/>
+                <a:shade val="62000"/>
+                <a:satMod val="170000"/>
               </a:schemeClr>
             </a:gs>
           </a:gsLst>
-          <a:lin ang="16200000" scaled="0"/>
+          <a:path path="circle">
+            <a:fillToRect l="50000" t="50000" r="50000" b="50000"/>
+          </a:path>
         </a:gradFill>
       </a:fillStyleLst>
       <a:lnStyleLst>
         <a:ln w="9525" cap="flat" cmpd="sng" algn="ctr">
           <a:solidFill>
-            <a:schemeClr val="phClr">
-              <a:shade val="95000"/>
-              <a:satMod val="105000"/>
-            </a:schemeClr>
+            <a:schemeClr val="phClr"/>
           </a:solidFill>
           <a:prstDash val="solid"/>
         </a:ln>
@@ -3260,7 +6300,7 @@
           </a:solidFill>
           <a:prstDash val="solid"/>
         </a:ln>
-        <a:ln w="38100" cap="flat" cmpd="sng" algn="ctr">
+        <a:ln w="25400" cap="flat" cmpd="sng" algn="ctr">
           <a:solidFill>
             <a:schemeClr val="phClr"/>
           </a:solidFill>
@@ -3270,40 +6310,59 @@
       <a:effectStyleLst>
         <a:effectStyle>
           <a:effectLst>
-            <a:outerShdw blurRad="40000" dist="20000" dir="5400000" rotWithShape="0">
+            <a:outerShdw blurRad="63500" dist="25400" dir="5400000" rotWithShape="0">
               <a:srgbClr val="000000">
-                <a:alpha val="38000"/>
+                <a:alpha val="43137"/>
               </a:srgbClr>
             </a:outerShdw>
           </a:effectLst>
         </a:effectStyle>
         <a:effectStyle>
           <a:effectLst>
-            <a:outerShdw blurRad="40000" dist="23000" dir="5400000" rotWithShape="0">
+            <a:outerShdw blurRad="63500" dist="25400" dir="5400000" rotWithShape="0">
               <a:srgbClr val="000000">
-                <a:alpha val="35000"/>
-              </a:srgbClr>
-            </a:outerShdw>
-          </a:effectLst>
-        </a:effectStyle>
-        <a:effectStyle>
-          <a:effectLst>
-            <a:outerShdw blurRad="40000" dist="23000" dir="5400000" rotWithShape="0">
-              <a:srgbClr val="000000">
-                <a:alpha val="35000"/>
+                <a:alpha val="43137"/>
               </a:srgbClr>
             </a:outerShdw>
           </a:effectLst>
           <a:scene3d>
-            <a:camera prst="orthographicFront">
+            <a:camera prst="orthographicFront" fov="0">
               <a:rot lat="0" lon="0" rev="0"/>
             </a:camera>
-            <a:lightRig rig="threePt" dir="t">
-              <a:rot lat="0" lon="0" rev="1200000"/>
+            <a:lightRig rig="brightRoom" dir="tl">
+              <a:rot lat="0" lon="0" rev="8700000"/>
             </a:lightRig>
           </a:scene3d>
-          <a:sp3d>
-            <a:bevelT w="63500" h="25400"/>
+          <a:sp3d contourW="12700">
+            <a:bevelT w="0" h="0"/>
+            <a:contourClr>
+              <a:schemeClr val="phClr">
+                <a:shade val="80000"/>
+              </a:schemeClr>
+            </a:contourClr>
+          </a:sp3d>
+        </a:effectStyle>
+        <a:effectStyle>
+          <a:effectLst>
+            <a:outerShdw blurRad="63500" dist="25400" dir="5400000" rotWithShape="0">
+              <a:srgbClr val="000000">
+                <a:alpha val="43137"/>
+              </a:srgbClr>
+            </a:outerShdw>
+          </a:effectLst>
+          <a:scene3d>
+            <a:camera prst="orthographicFront" fov="0">
+              <a:rot lat="0" lon="0" rev="0"/>
+            </a:camera>
+            <a:lightRig rig="brightRoom" dir="tl">
+              <a:rot lat="0" lon="0" rev="5400000"/>
+            </a:lightRig>
+          </a:scene3d>
+          <a:sp3d contourW="12700">
+            <a:bevelT w="25400" h="50800" prst="angle"/>
+            <a:contourClr>
+              <a:schemeClr val="phClr"/>
+            </a:contourClr>
           </a:sp3d>
         </a:effectStyle>
       </a:effectStyleLst>
@@ -3315,47 +6374,42 @@
           <a:gsLst>
             <a:gs pos="0">
               <a:schemeClr val="phClr">
-                <a:tint val="40000"/>
-                <a:satMod val="350000"/>
+                <a:tint val="60000"/>
+                <a:satMod val="355000"/>
               </a:schemeClr>
             </a:gs>
             <a:gs pos="40000">
               <a:schemeClr val="phClr">
-                <a:tint val="45000"/>
-                <a:shade val="99000"/>
-                <a:satMod val="350000"/>
+                <a:tint val="85000"/>
+                <a:satMod val="320000"/>
               </a:schemeClr>
             </a:gs>
             <a:gs pos="100000">
               <a:schemeClr val="phClr">
-                <a:shade val="20000"/>
-                <a:satMod val="255000"/>
+                <a:shade val="55000"/>
+                <a:satMod val="300000"/>
               </a:schemeClr>
             </a:gs>
           </a:gsLst>
           <a:path path="circle">
-            <a:fillToRect l="50000" t="-80000" r="50000" b="180000"/>
+            <a:fillToRect l="-24500" t="-20000" r="124500" b="120000"/>
           </a:path>
         </a:gradFill>
-        <a:gradFill rotWithShape="1">
-          <a:gsLst>
-            <a:gs pos="0">
+        <a:blipFill>
+          <a:blip xmlns:r="http://schemas.openxmlformats.org/officeDocument/2006/relationships" r:embed="rId1">
+            <a:duotone>
               <a:schemeClr val="phClr">
-                <a:tint val="80000"/>
+                <a:shade val="9000"/>
                 <a:satMod val="300000"/>
               </a:schemeClr>
-            </a:gs>
-            <a:gs pos="100000">
               <a:schemeClr val="phClr">
-                <a:shade val="30000"/>
-                <a:satMod val="200000"/>
+                <a:tint val="90000"/>
+                <a:satMod val="225000"/>
               </a:schemeClr>
-            </a:gs>
-          </a:gsLst>
-          <a:path path="circle">
-            <a:fillToRect l="50000" t="50000" r="50000" b="50000"/>
-          </a:path>
-        </a:gradFill>
+            </a:duotone>
+          </a:blip>
+          <a:tile tx="0" ty="0" sx="90000" sy="90000" flip="xy" algn="tl"/>
+        </a:blipFill>
       </a:bgFillStyleLst>
     </a:fmtScheme>
   </a:themeElements>
